--- a/Slides/Module 6 - Routing.pptx
+++ b/Slides/Module 6 - Routing.pptx
@@ -7295,7 +7295,7 @@
               <a:pPr>
                 <a:defRPr/>
               </a:pPr>
-              <a:t>09 December 2016</a:t>
+              <a:t>13 December 2016</a:t>
             </a:fld>
             <a:endParaRPr lang="de-DE"/>
           </a:p>
@@ -7607,7 +7607,7 @@
               <a:pPr>
                 <a:defRPr/>
               </a:pPr>
-              <a:t>9. Dezember 2016</a:t>
+              <a:t>13. Dezember 2016</a:t>
             </a:fld>
             <a:r>
               <a:rPr lang="de-DE"/>
@@ -7925,7 +7925,7 @@
               <a:pPr>
                 <a:defRPr/>
               </a:pPr>
-              <a:t>9. Dezember 2016</a:t>
+              <a:t>13. Dezember 2016</a:t>
             </a:fld>
             <a:r>
               <a:rPr lang="de-DE"/>
@@ -8118,7 +8118,7 @@
               <a:pPr>
                 <a:defRPr/>
               </a:pPr>
-              <a:t>9. Dezember 2016</a:t>
+              <a:t>13. Dezember 2016</a:t>
             </a:fld>
             <a:r>
               <a:rPr lang="de-DE"/>
@@ -8335,7 +8335,7 @@
               <a:pPr>
                 <a:defRPr/>
               </a:pPr>
-              <a:t>9. Dezember 2016</a:t>
+              <a:t>13. Dezember 2016</a:t>
             </a:fld>
             <a:r>
               <a:rPr lang="de-DE"/>
@@ -8457,7 +8457,7 @@
               <a:pPr>
                 <a:defRPr/>
               </a:pPr>
-              <a:t>9. Dezember 2016</a:t>
+              <a:t>13. Dezember 2016</a:t>
             </a:fld>
             <a:r>
               <a:rPr lang="de-DE"/>
@@ -8771,7 +8771,7 @@
               <a:pPr>
                 <a:defRPr/>
               </a:pPr>
-              <a:t>9. Dezember 2016</a:t>
+              <a:t>13. Dezember 2016</a:t>
             </a:fld>
             <a:r>
               <a:rPr lang="de-DE"/>
@@ -8893,7 +8893,7 @@
               <a:pPr>
                 <a:defRPr/>
               </a:pPr>
-              <a:t>9. Dezember 2016</a:t>
+              <a:t>13. Dezember 2016</a:t>
             </a:fld>
             <a:r>
               <a:rPr lang="de-DE"/>
@@ -9141,7 +9141,7 @@
               <a:pPr>
                 <a:defRPr/>
               </a:pPr>
-              <a:t>9. Dezember 2016</a:t>
+              <a:t>13. Dezember 2016</a:t>
             </a:fld>
             <a:r>
               <a:rPr lang="de-DE"/>
@@ -9265,7 +9265,7 @@
               <a:pPr>
                 <a:defRPr/>
               </a:pPr>
-              <a:t>9. Dezember 2016</a:t>
+              <a:t>13. Dezember 2016</a:t>
             </a:fld>
             <a:r>
               <a:rPr lang="de-DE"/>
@@ -9361,7 +9361,6 @@
               <a:rPr lang="en-US"/>
               <a:t>Click to edit Master title style</a:t>
             </a:r>
-            <a:endParaRPr lang="en-US"/>
           </a:p>
         </p:txBody>
       </p:sp>
@@ -9426,7 +9425,6 @@
               <a:rPr lang="en-US"/>
               <a:t>Click to edit Master subtitle style</a:t>
             </a:r>
-            <a:endParaRPr lang="en-US"/>
           </a:p>
         </p:txBody>
       </p:sp>
@@ -9447,7 +9445,7 @@
           <a:p>
             <a:fld id="{9006E132-D9FA-4DA9-BFA1-F907AC5B7515}" type="datetimeFigureOut">
               <a:rPr lang="en-US" smtClean="0"/>
-              <a:t>12/9/2016</a:t>
+              <a:t>12/13/2016</a:t>
             </a:fld>
             <a:endParaRPr lang="en-US"/>
           </a:p>
@@ -9544,7 +9542,6 @@
               <a:rPr lang="en-US"/>
               <a:t>Click to edit Master title style</a:t>
             </a:r>
-            <a:endParaRPr lang="en-US"/>
           </a:p>
         </p:txBody>
       </p:sp>
@@ -9596,7 +9593,6 @@
               <a:rPr lang="en-US"/>
               <a:t>Fifth level</a:t>
             </a:r>
-            <a:endParaRPr lang="en-US"/>
           </a:p>
         </p:txBody>
       </p:sp>
@@ -9617,7 +9613,7 @@
           <a:p>
             <a:fld id="{9006E132-D9FA-4DA9-BFA1-F907AC5B7515}" type="datetimeFigureOut">
               <a:rPr lang="en-US" smtClean="0"/>
-              <a:t>12/9/2016</a:t>
+              <a:t>12/13/2016</a:t>
             </a:fld>
             <a:endParaRPr lang="en-US"/>
           </a:p>
@@ -9719,7 +9715,6 @@
               <a:rPr lang="en-US"/>
               <a:t>Click to edit Master title style</a:t>
             </a:r>
-            <a:endParaRPr lang="en-US"/>
           </a:p>
         </p:txBody>
       </p:sp>
@@ -9776,7 +9771,6 @@
               <a:rPr lang="en-US"/>
               <a:t>Fifth level</a:t>
             </a:r>
-            <a:endParaRPr lang="en-US"/>
           </a:p>
         </p:txBody>
       </p:sp>
@@ -9797,7 +9791,7 @@
           <a:p>
             <a:fld id="{9006E132-D9FA-4DA9-BFA1-F907AC5B7515}" type="datetimeFigureOut">
               <a:rPr lang="en-US" smtClean="0"/>
-              <a:t>12/9/2016</a:t>
+              <a:t>12/13/2016</a:t>
             </a:fld>
             <a:endParaRPr lang="en-US"/>
           </a:p>
@@ -9894,7 +9888,6 @@
               <a:rPr lang="en-US"/>
               <a:t>Click to edit Master title style</a:t>
             </a:r>
-            <a:endParaRPr lang="en-US"/>
           </a:p>
         </p:txBody>
       </p:sp>
@@ -9946,7 +9939,6 @@
               <a:rPr lang="en-US"/>
               <a:t>Fifth level</a:t>
             </a:r>
-            <a:endParaRPr lang="en-US"/>
           </a:p>
         </p:txBody>
       </p:sp>
@@ -9967,7 +9959,7 @@
           <a:p>
             <a:fld id="{9006E132-D9FA-4DA9-BFA1-F907AC5B7515}" type="datetimeFigureOut">
               <a:rPr lang="en-US" smtClean="0"/>
-              <a:t>12/9/2016</a:t>
+              <a:t>12/13/2016</a:t>
             </a:fld>
             <a:endParaRPr lang="en-US"/>
           </a:p>
@@ -10073,7 +10065,6 @@
               <a:rPr lang="en-US"/>
               <a:t>Click to edit Master title style</a:t>
             </a:r>
-            <a:endParaRPr lang="en-US"/>
           </a:p>
         </p:txBody>
       </p:sp>
@@ -10213,7 +10204,7 @@
           <a:p>
             <a:fld id="{9006E132-D9FA-4DA9-BFA1-F907AC5B7515}" type="datetimeFigureOut">
               <a:rPr lang="en-US" smtClean="0"/>
-              <a:t>12/9/2016</a:t>
+              <a:t>12/13/2016</a:t>
             </a:fld>
             <a:endParaRPr lang="en-US"/>
           </a:p>
@@ -10310,7 +10301,6 @@
               <a:rPr lang="en-US"/>
               <a:t>Click to edit Master title style</a:t>
             </a:r>
-            <a:endParaRPr lang="en-US"/>
           </a:p>
         </p:txBody>
       </p:sp>
@@ -10367,7 +10357,6 @@
               <a:rPr lang="en-US"/>
               <a:t>Fifth level</a:t>
             </a:r>
-            <a:endParaRPr lang="en-US"/>
           </a:p>
         </p:txBody>
       </p:sp>
@@ -10424,7 +10413,6 @@
               <a:rPr lang="en-US"/>
               <a:t>Fifth level</a:t>
             </a:r>
-            <a:endParaRPr lang="en-US"/>
           </a:p>
         </p:txBody>
       </p:sp>
@@ -10445,7 +10433,7 @@
           <a:p>
             <a:fld id="{9006E132-D9FA-4DA9-BFA1-F907AC5B7515}" type="datetimeFigureOut">
               <a:rPr lang="en-US" smtClean="0"/>
-              <a:t>12/9/2016</a:t>
+              <a:t>12/13/2016</a:t>
             </a:fld>
             <a:endParaRPr lang="en-US"/>
           </a:p>
@@ -10547,7 +10535,6 @@
               <a:rPr lang="en-US"/>
               <a:t>Click to edit Master title style</a:t>
             </a:r>
-            <a:endParaRPr lang="en-US"/>
           </a:p>
         </p:txBody>
       </p:sp>
@@ -10669,7 +10656,6 @@
               <a:rPr lang="en-US"/>
               <a:t>Fifth level</a:t>
             </a:r>
-            <a:endParaRPr lang="en-US"/>
           </a:p>
         </p:txBody>
       </p:sp>
@@ -10791,7 +10777,6 @@
               <a:rPr lang="en-US"/>
               <a:t>Fifth level</a:t>
             </a:r>
-            <a:endParaRPr lang="en-US"/>
           </a:p>
         </p:txBody>
       </p:sp>
@@ -10812,7 +10797,7 @@
           <a:p>
             <a:fld id="{9006E132-D9FA-4DA9-BFA1-F907AC5B7515}" type="datetimeFigureOut">
               <a:rPr lang="en-US" smtClean="0"/>
-              <a:t>12/9/2016</a:t>
+              <a:t>12/13/2016</a:t>
             </a:fld>
             <a:endParaRPr lang="en-US"/>
           </a:p>
@@ -10909,7 +10894,6 @@
               <a:rPr lang="en-US"/>
               <a:t>Click to edit Master title style</a:t>
             </a:r>
-            <a:endParaRPr lang="en-US"/>
           </a:p>
         </p:txBody>
       </p:sp>
@@ -10930,7 +10914,7 @@
           <a:p>
             <a:fld id="{9006E132-D9FA-4DA9-BFA1-F907AC5B7515}" type="datetimeFigureOut">
               <a:rPr lang="en-US" smtClean="0"/>
-              <a:t>12/9/2016</a:t>
+              <a:t>12/13/2016</a:t>
             </a:fld>
             <a:endParaRPr lang="en-US"/>
           </a:p>
@@ -11025,7 +11009,7 @@
           <a:p>
             <a:fld id="{9006E132-D9FA-4DA9-BFA1-F907AC5B7515}" type="datetimeFigureOut">
               <a:rPr lang="en-US" smtClean="0"/>
-              <a:t>12/9/2016</a:t>
+              <a:t>12/13/2016</a:t>
             </a:fld>
             <a:endParaRPr lang="en-US"/>
           </a:p>
@@ -11131,7 +11115,6 @@
               <a:rPr lang="en-US"/>
               <a:t>Click to edit Master title style</a:t>
             </a:r>
-            <a:endParaRPr lang="en-US"/>
           </a:p>
         </p:txBody>
       </p:sp>
@@ -11216,7 +11199,6 @@
               <a:rPr lang="en-US"/>
               <a:t>Fifth level</a:t>
             </a:r>
-            <a:endParaRPr lang="en-US"/>
           </a:p>
         </p:txBody>
       </p:sp>
@@ -11302,7 +11284,7 @@
           <a:p>
             <a:fld id="{9006E132-D9FA-4DA9-BFA1-F907AC5B7515}" type="datetimeFigureOut">
               <a:rPr lang="en-US" smtClean="0"/>
-              <a:t>12/9/2016</a:t>
+              <a:t>12/13/2016</a:t>
             </a:fld>
             <a:endParaRPr lang="en-US"/>
           </a:p>
@@ -11408,7 +11390,6 @@
               <a:rPr lang="en-US"/>
               <a:t>Click to edit Master title style</a:t>
             </a:r>
-            <a:endParaRPr lang="en-US"/>
           </a:p>
         </p:txBody>
       </p:sp>
@@ -11555,7 +11536,7 @@
           <a:p>
             <a:fld id="{9006E132-D9FA-4DA9-BFA1-F907AC5B7515}" type="datetimeFigureOut">
               <a:rPr lang="en-US" smtClean="0"/>
-              <a:t>12/9/2016</a:t>
+              <a:t>12/13/2016</a:t>
             </a:fld>
             <a:endParaRPr lang="en-US"/>
           </a:p>
@@ -11667,7 +11648,6 @@
               <a:rPr lang="en-US"/>
               <a:t>Click to edit Master title style</a:t>
             </a:r>
-            <a:endParaRPr lang="en-US"/>
           </a:p>
         </p:txBody>
       </p:sp>
@@ -11729,7 +11709,6 @@
               <a:rPr lang="en-US"/>
               <a:t>Fifth level</a:t>
             </a:r>
-            <a:endParaRPr lang="en-US"/>
           </a:p>
         </p:txBody>
       </p:sp>
@@ -11768,7 +11747,7 @@
           <a:p>
             <a:fld id="{9006E132-D9FA-4DA9-BFA1-F907AC5B7515}" type="datetimeFigureOut">
               <a:rPr lang="en-US" smtClean="0"/>
-              <a:t>12/9/2016</a:t>
+              <a:t>12/13/2016</a:t>
             </a:fld>
             <a:endParaRPr lang="en-US"/>
           </a:p>
@@ -12190,7 +12169,7 @@
           <a:p>
             <a:r>
               <a:rPr lang="en-US" dirty="0"/>
-              <a:t>Developing Integration Solutions using Microsoft BizTalk Server 2013</a:t>
+              <a:t>Developing Integration Solutions using Microsoft BizTalk Server 2016</a:t>
             </a:r>
             <a:endParaRPr lang="en-GB" dirty="0"/>
           </a:p>

--- a/Slides/Module 6 - Routing.pptx
+++ b/Slides/Module 6 - Routing.pptx
@@ -3227,7 +3227,6 @@
           <a:camera prst="orthographicFront"/>
           <a:lightRig rig="flat" dir="t"/>
         </a:scene3d>
-        <a:sp3d/>
       </dsp:spPr>
       <dsp:style>
         <a:lnRef idx="1">
@@ -3419,7 +3418,6 @@
           <a:camera prst="orthographicFront"/>
           <a:lightRig rig="flat" dir="t"/>
         </a:scene3d>
-        <a:sp3d/>
       </dsp:spPr>
       <dsp:style>
         <a:lnRef idx="1">
@@ -3619,7 +3617,6 @@
           <a:camera prst="orthographicFront"/>
           <a:lightRig rig="flat" dir="t"/>
         </a:scene3d>
-        <a:sp3d/>
       </dsp:spPr>
       <dsp:style>
         <a:lnRef idx="1">
@@ -3816,7 +3813,6 @@
           <a:camera prst="orthographicFront"/>
           <a:lightRig rig="flat" dir="t"/>
         </a:scene3d>
-        <a:sp3d/>
       </dsp:spPr>
       <dsp:style>
         <a:lnRef idx="1">
@@ -4028,7 +4024,6 @@
           <a:camera prst="orthographicFront"/>
           <a:lightRig rig="flat" dir="t"/>
         </a:scene3d>
-        <a:sp3d/>
       </dsp:spPr>
       <dsp:style>
         <a:lnRef idx="1">
@@ -4228,7 +4223,6 @@
           <a:camera prst="orthographicFront"/>
           <a:lightRig rig="flat" dir="t"/>
         </a:scene3d>
-        <a:sp3d/>
       </dsp:spPr>
       <dsp:style>
         <a:lnRef idx="1">
@@ -4420,7 +4414,6 @@
           <a:camera prst="orthographicFront"/>
           <a:lightRig rig="flat" dir="t"/>
         </a:scene3d>
-        <a:sp3d/>
       </dsp:spPr>
       <dsp:style>
         <a:lnRef idx="1">
@@ -12192,7 +12185,7 @@
           <a:p>
             <a:r>
               <a:rPr lang="en-GB" dirty="0"/>
-              <a:t>Routing</a:t>
+              <a:t>Routing </a:t>
             </a:r>
           </a:p>
         </p:txBody>

--- a/Slides/Module 6 - Routing.pptx
+++ b/Slides/Module 6 - Routing.pptx
@@ -3,33 +3,34 @@
 <p:presentation xmlns:a="http://schemas.openxmlformats.org/drawingml/2006/main" xmlns:r="http://schemas.openxmlformats.org/officeDocument/2006/relationships" xmlns:p="http://schemas.openxmlformats.org/presentationml/2006/main" saveSubsetFonts="1">
   <p:sldMasterIdLst>
     <p:sldMasterId id="2147484016" r:id="rId2"/>
+    <p:sldMasterId id="2147484028" r:id="rId3"/>
   </p:sldMasterIdLst>
   <p:notesMasterIdLst>
-    <p:notesMasterId r:id="rId22"/>
+    <p:notesMasterId r:id="rId23"/>
   </p:notesMasterIdLst>
   <p:handoutMasterIdLst>
-    <p:handoutMasterId r:id="rId23"/>
+    <p:handoutMasterId r:id="rId24"/>
   </p:handoutMasterIdLst>
   <p:sldIdLst>
-    <p:sldId id="326" r:id="rId3"/>
-    <p:sldId id="276" r:id="rId4"/>
-    <p:sldId id="327" r:id="rId5"/>
-    <p:sldId id="334" r:id="rId6"/>
-    <p:sldId id="338" r:id="rId7"/>
-    <p:sldId id="335" r:id="rId8"/>
-    <p:sldId id="317" r:id="rId9"/>
-    <p:sldId id="323" r:id="rId10"/>
-    <p:sldId id="316" r:id="rId11"/>
-    <p:sldId id="329" r:id="rId12"/>
-    <p:sldId id="328" r:id="rId13"/>
-    <p:sldId id="339" r:id="rId14"/>
-    <p:sldId id="337" r:id="rId15"/>
-    <p:sldId id="340" r:id="rId16"/>
-    <p:sldId id="318" r:id="rId17"/>
-    <p:sldId id="330" r:id="rId18"/>
-    <p:sldId id="331" r:id="rId19"/>
-    <p:sldId id="341" r:id="rId20"/>
-    <p:sldId id="342" r:id="rId21"/>
+    <p:sldId id="326" r:id="rId4"/>
+    <p:sldId id="276" r:id="rId5"/>
+    <p:sldId id="327" r:id="rId6"/>
+    <p:sldId id="334" r:id="rId7"/>
+    <p:sldId id="338" r:id="rId8"/>
+    <p:sldId id="335" r:id="rId9"/>
+    <p:sldId id="317" r:id="rId10"/>
+    <p:sldId id="323" r:id="rId11"/>
+    <p:sldId id="316" r:id="rId12"/>
+    <p:sldId id="329" r:id="rId13"/>
+    <p:sldId id="328" r:id="rId14"/>
+    <p:sldId id="339" r:id="rId15"/>
+    <p:sldId id="337" r:id="rId16"/>
+    <p:sldId id="340" r:id="rId17"/>
+    <p:sldId id="318" r:id="rId18"/>
+    <p:sldId id="330" r:id="rId19"/>
+    <p:sldId id="331" r:id="rId20"/>
+    <p:sldId id="341" r:id="rId21"/>
+    <p:sldId id="342" r:id="rId22"/>
   </p:sldIdLst>
   <p:sldSz cx="9144000" cy="6858000" type="screen4x3"/>
   <p:notesSz cx="6858000" cy="9144000"/>
@@ -3097,36 +3098,41 @@
           <a:gsLst>
             <a:gs pos="0">
               <a:schemeClr val="accent5">
-                <a:lumMod val="110000"/>
-                <a:satMod val="105000"/>
-                <a:tint val="67000"/>
+                <a:tint val="50000"/>
+                <a:satMod val="300000"/>
               </a:schemeClr>
             </a:gs>
-            <a:gs pos="50000">
+            <a:gs pos="35000">
               <a:schemeClr val="accent5">
-                <a:lumMod val="105000"/>
-                <a:satMod val="103000"/>
-                <a:tint val="73000"/>
+                <a:tint val="37000"/>
+                <a:satMod val="300000"/>
               </a:schemeClr>
             </a:gs>
             <a:gs pos="100000">
               <a:schemeClr val="accent5">
-                <a:lumMod val="105000"/>
-                <a:satMod val="109000"/>
-                <a:tint val="81000"/>
+                <a:tint val="15000"/>
+                <a:satMod val="350000"/>
               </a:schemeClr>
             </a:gs>
           </a:gsLst>
-          <a:lin ang="5400000" scaled="0"/>
+          <a:lin ang="16200000" scaled="1"/>
         </a:gradFill>
-        <a:ln w="6350" cap="flat" cmpd="sng" algn="ctr">
+        <a:ln w="9525" cap="flat" cmpd="sng" algn="ctr">
           <a:solidFill>
-            <a:schemeClr val="accent5"/>
+            <a:schemeClr val="accent5">
+              <a:shade val="95000"/>
+              <a:satMod val="105000"/>
+            </a:schemeClr>
           </a:solidFill>
           <a:prstDash val="solid"/>
-          <a:miter lim="800000"/>
         </a:ln>
-        <a:effectLst/>
+        <a:effectLst>
+          <a:outerShdw blurRad="40000" dist="20000" dir="5400000" rotWithShape="0">
+            <a:srgbClr val="000000">
+              <a:alpha val="38000"/>
+            </a:srgbClr>
+          </a:outerShdw>
+        </a:effectLst>
         <a:scene3d>
           <a:camera prst="orthographicFront"/>
           <a:lightRig rig="flat" dir="t"/>
@@ -3148,12 +3154,12 @@
         </a:fontRef>
       </dsp:style>
       <dsp:txBody>
-        <a:bodyPr spcFirstLastPara="0" vert="horz" wrap="square" lIns="87630" tIns="43815" rIns="87630" bIns="43815" numCol="1" spcCol="1270" anchor="ctr" anchorCtr="0">
+        <a:bodyPr spcFirstLastPara="0" vert="horz" wrap="square" lIns="80010" tIns="40005" rIns="80010" bIns="40005" numCol="1" spcCol="1270" anchor="ctr" anchorCtr="0">
           <a:noAutofit/>
         </a:bodyPr>
         <a:lstStyle/>
         <a:p>
-          <a:pPr marL="228600" lvl="1" indent="-228600" algn="l" defTabSz="1022350" rtl="0">
+          <a:pPr marL="228600" lvl="1" indent="-228600" algn="l" defTabSz="933450" rtl="0">
             <a:lnSpc>
               <a:spcPct val="90000"/>
             </a:lnSpc>
@@ -3166,7 +3172,7 @@
             <a:buChar char="•"/>
           </a:pPr>
           <a:r>
-            <a:rPr lang="en-US" sz="2300" kern="1200" dirty="0"/>
+            <a:rPr lang="en-US" sz="2100" kern="1200" dirty="0"/>
             <a:t>Clone the message</a:t>
           </a:r>
         </a:p>
@@ -3193,40 +3199,46 @@
           <a:gsLst>
             <a:gs pos="0">
               <a:schemeClr val="accent1">
-                <a:lumMod val="110000"/>
-                <a:satMod val="105000"/>
-                <a:tint val="67000"/>
+                <a:tint val="50000"/>
+                <a:satMod val="300000"/>
               </a:schemeClr>
             </a:gs>
-            <a:gs pos="50000">
+            <a:gs pos="35000">
               <a:schemeClr val="accent1">
-                <a:lumMod val="105000"/>
-                <a:satMod val="103000"/>
-                <a:tint val="73000"/>
+                <a:tint val="37000"/>
+                <a:satMod val="300000"/>
               </a:schemeClr>
             </a:gs>
             <a:gs pos="100000">
               <a:schemeClr val="accent1">
-                <a:lumMod val="105000"/>
-                <a:satMod val="109000"/>
-                <a:tint val="81000"/>
+                <a:tint val="15000"/>
+                <a:satMod val="350000"/>
               </a:schemeClr>
             </a:gs>
           </a:gsLst>
-          <a:lin ang="5400000" scaled="0"/>
+          <a:lin ang="16200000" scaled="1"/>
         </a:gradFill>
-        <a:ln w="6350" cap="flat" cmpd="sng" algn="ctr">
+        <a:ln w="9525" cap="flat" cmpd="sng" algn="ctr">
           <a:solidFill>
-            <a:schemeClr val="accent1"/>
+            <a:schemeClr val="accent1">
+              <a:shade val="95000"/>
+              <a:satMod val="105000"/>
+            </a:schemeClr>
           </a:solidFill>
           <a:prstDash val="solid"/>
-          <a:miter lim="800000"/>
         </a:ln>
-        <a:effectLst/>
+        <a:effectLst>
+          <a:outerShdw blurRad="40000" dist="20000" dir="5400000" rotWithShape="0">
+            <a:srgbClr val="000000">
+              <a:alpha val="38000"/>
+            </a:srgbClr>
+          </a:outerShdw>
+        </a:effectLst>
         <a:scene3d>
           <a:camera prst="orthographicFront"/>
           <a:lightRig rig="flat" dir="t"/>
         </a:scene3d>
+        <a:sp3d/>
       </dsp:spPr>
       <dsp:style>
         <a:lnRef idx="1">
@@ -3243,12 +3255,12 @@
         </a:fontRef>
       </dsp:style>
       <dsp:txBody>
-        <a:bodyPr spcFirstLastPara="0" vert="horz" wrap="square" lIns="118110" tIns="59055" rIns="118110" bIns="59055" numCol="1" spcCol="1270" anchor="ctr" anchorCtr="0">
+        <a:bodyPr spcFirstLastPara="0" vert="horz" wrap="square" lIns="125730" tIns="62865" rIns="125730" bIns="62865" numCol="1" spcCol="1270" anchor="ctr" anchorCtr="0">
           <a:noAutofit/>
         </a:bodyPr>
         <a:lstStyle/>
         <a:p>
-          <a:pPr marL="0" lvl="0" indent="0" algn="ctr" defTabSz="1377950" rtl="0">
+          <a:pPr marL="0" lvl="0" indent="0" algn="ctr" defTabSz="1466850" rtl="0">
             <a:lnSpc>
               <a:spcPct val="90000"/>
             </a:lnSpc>
@@ -3261,7 +3273,7 @@
             <a:buNone/>
           </a:pPr>
           <a:r>
-            <a:rPr lang="en-US" sz="3100" kern="1200" dirty="0"/>
+            <a:rPr lang="en-US" sz="3300" kern="1200" dirty="0"/>
             <a:t>1</a:t>
           </a:r>
         </a:p>
@@ -3288,36 +3300,41 @@
           <a:gsLst>
             <a:gs pos="0">
               <a:schemeClr val="accent5">
-                <a:lumMod val="110000"/>
-                <a:satMod val="105000"/>
-                <a:tint val="67000"/>
+                <a:tint val="50000"/>
+                <a:satMod val="300000"/>
               </a:schemeClr>
             </a:gs>
-            <a:gs pos="50000">
+            <a:gs pos="35000">
               <a:schemeClr val="accent5">
-                <a:lumMod val="105000"/>
-                <a:satMod val="103000"/>
-                <a:tint val="73000"/>
+                <a:tint val="37000"/>
+                <a:satMod val="300000"/>
               </a:schemeClr>
             </a:gs>
             <a:gs pos="100000">
               <a:schemeClr val="accent5">
-                <a:lumMod val="105000"/>
-                <a:satMod val="109000"/>
-                <a:tint val="81000"/>
+                <a:tint val="15000"/>
+                <a:satMod val="350000"/>
               </a:schemeClr>
             </a:gs>
           </a:gsLst>
-          <a:lin ang="5400000" scaled="0"/>
+          <a:lin ang="16200000" scaled="1"/>
         </a:gradFill>
-        <a:ln w="6350" cap="flat" cmpd="sng" algn="ctr">
+        <a:ln w="9525" cap="flat" cmpd="sng" algn="ctr">
           <a:solidFill>
-            <a:schemeClr val="accent5"/>
+            <a:schemeClr val="accent5">
+              <a:shade val="95000"/>
+              <a:satMod val="105000"/>
+            </a:schemeClr>
           </a:solidFill>
           <a:prstDash val="solid"/>
-          <a:miter lim="800000"/>
         </a:ln>
-        <a:effectLst/>
+        <a:effectLst>
+          <a:outerShdw blurRad="40000" dist="20000" dir="5400000" rotWithShape="0">
+            <a:srgbClr val="000000">
+              <a:alpha val="38000"/>
+            </a:srgbClr>
+          </a:outerShdw>
+        </a:effectLst>
         <a:scene3d>
           <a:camera prst="orthographicFront"/>
           <a:lightRig rig="flat" dir="t"/>
@@ -3339,12 +3356,12 @@
         </a:fontRef>
       </dsp:style>
       <dsp:txBody>
-        <a:bodyPr spcFirstLastPara="0" vert="horz" wrap="square" lIns="87630" tIns="43815" rIns="87630" bIns="43815" numCol="1" spcCol="1270" anchor="ctr" anchorCtr="0">
+        <a:bodyPr spcFirstLastPara="0" vert="horz" wrap="square" lIns="80010" tIns="40005" rIns="80010" bIns="40005" numCol="1" spcCol="1270" anchor="ctr" anchorCtr="0">
           <a:noAutofit/>
         </a:bodyPr>
         <a:lstStyle/>
         <a:p>
-          <a:pPr marL="228600" lvl="1" indent="-228600" algn="l" defTabSz="1022350" rtl="0">
+          <a:pPr marL="228600" lvl="1" indent="-228600" algn="l" defTabSz="933450" rtl="0">
             <a:lnSpc>
               <a:spcPct val="90000"/>
             </a:lnSpc>
@@ -3357,7 +3374,7 @@
             <a:buChar char="•"/>
           </a:pPr>
           <a:r>
-            <a:rPr lang="en-US" sz="2300" kern="1200" dirty="0"/>
+            <a:rPr lang="en-US" sz="2100" kern="1200" dirty="0"/>
             <a:t>Demote all message properties</a:t>
           </a:r>
         </a:p>
@@ -3384,40 +3401,46 @@
           <a:gsLst>
             <a:gs pos="0">
               <a:schemeClr val="accent1">
-                <a:lumMod val="110000"/>
-                <a:satMod val="105000"/>
-                <a:tint val="67000"/>
+                <a:tint val="50000"/>
+                <a:satMod val="300000"/>
               </a:schemeClr>
             </a:gs>
-            <a:gs pos="50000">
+            <a:gs pos="35000">
               <a:schemeClr val="accent1">
-                <a:lumMod val="105000"/>
-                <a:satMod val="103000"/>
-                <a:tint val="73000"/>
+                <a:tint val="37000"/>
+                <a:satMod val="300000"/>
               </a:schemeClr>
             </a:gs>
             <a:gs pos="100000">
               <a:schemeClr val="accent1">
-                <a:lumMod val="105000"/>
-                <a:satMod val="109000"/>
-                <a:tint val="81000"/>
+                <a:tint val="15000"/>
+                <a:satMod val="350000"/>
               </a:schemeClr>
             </a:gs>
           </a:gsLst>
-          <a:lin ang="5400000" scaled="0"/>
+          <a:lin ang="16200000" scaled="1"/>
         </a:gradFill>
-        <a:ln w="6350" cap="flat" cmpd="sng" algn="ctr">
+        <a:ln w="9525" cap="flat" cmpd="sng" algn="ctr">
           <a:solidFill>
-            <a:schemeClr val="accent1"/>
+            <a:schemeClr val="accent1">
+              <a:shade val="95000"/>
+              <a:satMod val="105000"/>
+            </a:schemeClr>
           </a:solidFill>
           <a:prstDash val="solid"/>
-          <a:miter lim="800000"/>
         </a:ln>
-        <a:effectLst/>
+        <a:effectLst>
+          <a:outerShdw blurRad="40000" dist="20000" dir="5400000" rotWithShape="0">
+            <a:srgbClr val="000000">
+              <a:alpha val="38000"/>
+            </a:srgbClr>
+          </a:outerShdw>
+        </a:effectLst>
         <a:scene3d>
           <a:camera prst="orthographicFront"/>
           <a:lightRig rig="flat" dir="t"/>
         </a:scene3d>
+        <a:sp3d/>
       </dsp:spPr>
       <dsp:style>
         <a:lnRef idx="1">
@@ -3434,12 +3457,12 @@
         </a:fontRef>
       </dsp:style>
       <dsp:txBody>
-        <a:bodyPr spcFirstLastPara="0" vert="horz" wrap="square" lIns="118110" tIns="59055" rIns="118110" bIns="59055" numCol="1" spcCol="1270" anchor="ctr" anchorCtr="0">
+        <a:bodyPr spcFirstLastPara="0" vert="horz" wrap="square" lIns="125730" tIns="62865" rIns="125730" bIns="62865" numCol="1" spcCol="1270" anchor="ctr" anchorCtr="0">
           <a:noAutofit/>
         </a:bodyPr>
         <a:lstStyle/>
         <a:p>
-          <a:pPr marL="0" lvl="0" indent="0" algn="ctr" defTabSz="1377950" rtl="0">
+          <a:pPr marL="0" lvl="0" indent="0" algn="ctr" defTabSz="1466850" rtl="0">
             <a:lnSpc>
               <a:spcPct val="90000"/>
             </a:lnSpc>
@@ -3452,7 +3475,7 @@
             <a:buNone/>
           </a:pPr>
           <a:r>
-            <a:rPr lang="en-US" sz="3100" kern="1200" dirty="0"/>
+            <a:rPr lang="en-US" sz="3300" kern="1200" dirty="0"/>
             <a:t>2</a:t>
           </a:r>
         </a:p>
@@ -3479,36 +3502,41 @@
           <a:gsLst>
             <a:gs pos="0">
               <a:schemeClr val="accent5">
-                <a:lumMod val="110000"/>
-                <a:satMod val="105000"/>
-                <a:tint val="67000"/>
+                <a:tint val="50000"/>
+                <a:satMod val="300000"/>
               </a:schemeClr>
             </a:gs>
-            <a:gs pos="50000">
+            <a:gs pos="35000">
               <a:schemeClr val="accent5">
-                <a:lumMod val="105000"/>
-                <a:satMod val="103000"/>
-                <a:tint val="73000"/>
+                <a:tint val="37000"/>
+                <a:satMod val="300000"/>
               </a:schemeClr>
             </a:gs>
             <a:gs pos="100000">
               <a:schemeClr val="accent5">
-                <a:lumMod val="105000"/>
-                <a:satMod val="109000"/>
-                <a:tint val="81000"/>
+                <a:tint val="15000"/>
+                <a:satMod val="350000"/>
               </a:schemeClr>
             </a:gs>
           </a:gsLst>
-          <a:lin ang="5400000" scaled="0"/>
+          <a:lin ang="16200000" scaled="1"/>
         </a:gradFill>
-        <a:ln w="6350" cap="flat" cmpd="sng" algn="ctr">
+        <a:ln w="9525" cap="flat" cmpd="sng" algn="ctr">
           <a:solidFill>
-            <a:schemeClr val="accent5"/>
+            <a:schemeClr val="accent5">
+              <a:shade val="95000"/>
+              <a:satMod val="105000"/>
+            </a:schemeClr>
           </a:solidFill>
           <a:prstDash val="solid"/>
-          <a:miter lim="800000"/>
         </a:ln>
-        <a:effectLst/>
+        <a:effectLst>
+          <a:outerShdw blurRad="40000" dist="20000" dir="5400000" rotWithShape="0">
+            <a:srgbClr val="000000">
+              <a:alpha val="38000"/>
+            </a:srgbClr>
+          </a:outerShdw>
+        </a:effectLst>
         <a:scene3d>
           <a:camera prst="orthographicFront"/>
           <a:lightRig rig="flat" dir="t"/>
@@ -3530,12 +3558,12 @@
         </a:fontRef>
       </dsp:style>
       <dsp:txBody>
-        <a:bodyPr spcFirstLastPara="0" vert="horz" wrap="square" lIns="87630" tIns="43815" rIns="87630" bIns="43815" numCol="1" spcCol="1270" anchor="ctr" anchorCtr="0">
+        <a:bodyPr spcFirstLastPara="0" vert="horz" wrap="square" lIns="80010" tIns="40005" rIns="80010" bIns="40005" numCol="1" spcCol="1270" anchor="ctr" anchorCtr="0">
           <a:noAutofit/>
         </a:bodyPr>
         <a:lstStyle/>
         <a:p>
-          <a:pPr marL="228600" lvl="1" indent="-228600" algn="l" defTabSz="1022350" rtl="0">
+          <a:pPr marL="228600" lvl="1" indent="-228600" algn="l" defTabSz="933450" rtl="0">
             <a:lnSpc>
               <a:spcPct val="90000"/>
             </a:lnSpc>
@@ -3548,15 +3576,15 @@
             <a:buChar char="•"/>
           </a:pPr>
           <a:r>
-            <a:rPr lang="en-US" sz="2300" kern="1200" dirty="0"/>
+            <a:rPr lang="en-US" sz="2100" kern="1200" dirty="0"/>
             <a:t>Promote </a:t>
           </a:r>
           <a:r>
-            <a:rPr lang="en-US" sz="2300" kern="1200" dirty="0" err="1"/>
+            <a:rPr lang="en-US" sz="2100" kern="1200" dirty="0" err="1"/>
             <a:t>ErrorReport</a:t>
           </a:r>
           <a:r>
-            <a:rPr lang="en-US" sz="2300" kern="1200" dirty="0"/>
+            <a:rPr lang="en-US" sz="2100" kern="1200" dirty="0"/>
             <a:t> related properties</a:t>
           </a:r>
         </a:p>
@@ -3583,40 +3611,46 @@
           <a:gsLst>
             <a:gs pos="0">
               <a:schemeClr val="accent1">
-                <a:lumMod val="110000"/>
-                <a:satMod val="105000"/>
-                <a:tint val="67000"/>
+                <a:tint val="50000"/>
+                <a:satMod val="300000"/>
               </a:schemeClr>
             </a:gs>
-            <a:gs pos="50000">
+            <a:gs pos="35000">
               <a:schemeClr val="accent1">
-                <a:lumMod val="105000"/>
-                <a:satMod val="103000"/>
-                <a:tint val="73000"/>
+                <a:tint val="37000"/>
+                <a:satMod val="300000"/>
               </a:schemeClr>
             </a:gs>
             <a:gs pos="100000">
               <a:schemeClr val="accent1">
-                <a:lumMod val="105000"/>
-                <a:satMod val="109000"/>
-                <a:tint val="81000"/>
+                <a:tint val="15000"/>
+                <a:satMod val="350000"/>
               </a:schemeClr>
             </a:gs>
           </a:gsLst>
-          <a:lin ang="5400000" scaled="0"/>
+          <a:lin ang="16200000" scaled="1"/>
         </a:gradFill>
-        <a:ln w="6350" cap="flat" cmpd="sng" algn="ctr">
+        <a:ln w="9525" cap="flat" cmpd="sng" algn="ctr">
           <a:solidFill>
-            <a:schemeClr val="accent1"/>
+            <a:schemeClr val="accent1">
+              <a:shade val="95000"/>
+              <a:satMod val="105000"/>
+            </a:schemeClr>
           </a:solidFill>
           <a:prstDash val="solid"/>
-          <a:miter lim="800000"/>
         </a:ln>
-        <a:effectLst/>
+        <a:effectLst>
+          <a:outerShdw blurRad="40000" dist="20000" dir="5400000" rotWithShape="0">
+            <a:srgbClr val="000000">
+              <a:alpha val="38000"/>
+            </a:srgbClr>
+          </a:outerShdw>
+        </a:effectLst>
         <a:scene3d>
           <a:camera prst="orthographicFront"/>
           <a:lightRig rig="flat" dir="t"/>
         </a:scene3d>
+        <a:sp3d/>
       </dsp:spPr>
       <dsp:style>
         <a:lnRef idx="1">
@@ -3633,12 +3667,12 @@
         </a:fontRef>
       </dsp:style>
       <dsp:txBody>
-        <a:bodyPr spcFirstLastPara="0" vert="horz" wrap="square" lIns="118110" tIns="59055" rIns="118110" bIns="59055" numCol="1" spcCol="1270" anchor="ctr" anchorCtr="0">
+        <a:bodyPr spcFirstLastPara="0" vert="horz" wrap="square" lIns="125730" tIns="62865" rIns="125730" bIns="62865" numCol="1" spcCol="1270" anchor="ctr" anchorCtr="0">
           <a:noAutofit/>
         </a:bodyPr>
         <a:lstStyle/>
         <a:p>
-          <a:pPr marL="0" lvl="0" indent="0" algn="ctr" defTabSz="1377950" rtl="0">
+          <a:pPr marL="0" lvl="0" indent="0" algn="ctr" defTabSz="1466850" rtl="0">
             <a:lnSpc>
               <a:spcPct val="90000"/>
             </a:lnSpc>
@@ -3651,7 +3685,7 @@
             <a:buNone/>
           </a:pPr>
           <a:r>
-            <a:rPr lang="en-US" sz="3100" kern="1200" dirty="0"/>
+            <a:rPr lang="en-US" sz="3300" kern="1200" dirty="0"/>
             <a:t>3</a:t>
           </a:r>
         </a:p>
@@ -3678,36 +3712,41 @@
           <a:gsLst>
             <a:gs pos="0">
               <a:schemeClr val="accent5">
-                <a:lumMod val="110000"/>
-                <a:satMod val="105000"/>
-                <a:tint val="67000"/>
+                <a:tint val="50000"/>
+                <a:satMod val="300000"/>
               </a:schemeClr>
             </a:gs>
-            <a:gs pos="50000">
+            <a:gs pos="35000">
               <a:schemeClr val="accent5">
-                <a:lumMod val="105000"/>
-                <a:satMod val="103000"/>
-                <a:tint val="73000"/>
+                <a:tint val="37000"/>
+                <a:satMod val="300000"/>
               </a:schemeClr>
             </a:gs>
             <a:gs pos="100000">
               <a:schemeClr val="accent5">
-                <a:lumMod val="105000"/>
-                <a:satMod val="109000"/>
-                <a:tint val="81000"/>
+                <a:tint val="15000"/>
+                <a:satMod val="350000"/>
               </a:schemeClr>
             </a:gs>
           </a:gsLst>
-          <a:lin ang="5400000" scaled="0"/>
+          <a:lin ang="16200000" scaled="1"/>
         </a:gradFill>
-        <a:ln w="6350" cap="flat" cmpd="sng" algn="ctr">
+        <a:ln w="9525" cap="flat" cmpd="sng" algn="ctr">
           <a:solidFill>
-            <a:schemeClr val="accent5"/>
+            <a:schemeClr val="accent5">
+              <a:shade val="95000"/>
+              <a:satMod val="105000"/>
+            </a:schemeClr>
           </a:solidFill>
           <a:prstDash val="solid"/>
-          <a:miter lim="800000"/>
         </a:ln>
-        <a:effectLst/>
+        <a:effectLst>
+          <a:outerShdw blurRad="40000" dist="20000" dir="5400000" rotWithShape="0">
+            <a:srgbClr val="000000">
+              <a:alpha val="38000"/>
+            </a:srgbClr>
+          </a:outerShdw>
+        </a:effectLst>
         <a:scene3d>
           <a:camera prst="orthographicFront"/>
           <a:lightRig rig="flat" dir="t"/>
@@ -3729,12 +3768,12 @@
         </a:fontRef>
       </dsp:style>
       <dsp:txBody>
-        <a:bodyPr spcFirstLastPara="0" vert="horz" wrap="square" lIns="87630" tIns="43815" rIns="87630" bIns="43815" numCol="1" spcCol="1270" anchor="ctr" anchorCtr="0">
+        <a:bodyPr spcFirstLastPara="0" vert="horz" wrap="square" lIns="80010" tIns="40005" rIns="80010" bIns="40005" numCol="1" spcCol="1270" anchor="ctr" anchorCtr="0">
           <a:noAutofit/>
         </a:bodyPr>
         <a:lstStyle/>
         <a:p>
-          <a:pPr marL="228600" lvl="1" indent="-228600" algn="l" defTabSz="1022350" rtl="0">
+          <a:pPr marL="228600" lvl="1" indent="-228600" algn="l" defTabSz="933450" rtl="0">
             <a:lnSpc>
               <a:spcPct val="90000"/>
             </a:lnSpc>
@@ -3747,14 +3786,14 @@
             <a:buChar char="•"/>
           </a:pPr>
           <a:r>
-            <a:rPr lang="en-US" sz="2300" kern="1200" dirty="0"/>
+            <a:rPr lang="en-US" sz="2100" kern="1200" dirty="0"/>
             <a:t>Publish the message to the </a:t>
           </a:r>
           <a:r>
-            <a:rPr lang="en-US" sz="2300" kern="1200" dirty="0" err="1"/>
+            <a:rPr lang="en-US" sz="2100" kern="1200" dirty="0" err="1"/>
             <a:t>MessageBox</a:t>
           </a:r>
-          <a:endParaRPr lang="en-US" sz="2300" kern="1200" dirty="0"/>
+          <a:endParaRPr lang="en-US" sz="2100" kern="1200" dirty="0"/>
         </a:p>
       </dsp:txBody>
       <dsp:txXfrm rot="-5400000">
@@ -3779,40 +3818,46 @@
           <a:gsLst>
             <a:gs pos="0">
               <a:schemeClr val="accent1">
-                <a:lumMod val="110000"/>
-                <a:satMod val="105000"/>
-                <a:tint val="67000"/>
+                <a:tint val="50000"/>
+                <a:satMod val="300000"/>
               </a:schemeClr>
             </a:gs>
-            <a:gs pos="50000">
+            <a:gs pos="35000">
               <a:schemeClr val="accent1">
-                <a:lumMod val="105000"/>
-                <a:satMod val="103000"/>
-                <a:tint val="73000"/>
+                <a:tint val="37000"/>
+                <a:satMod val="300000"/>
               </a:schemeClr>
             </a:gs>
             <a:gs pos="100000">
               <a:schemeClr val="accent1">
-                <a:lumMod val="105000"/>
-                <a:satMod val="109000"/>
-                <a:tint val="81000"/>
+                <a:tint val="15000"/>
+                <a:satMod val="350000"/>
               </a:schemeClr>
             </a:gs>
           </a:gsLst>
-          <a:lin ang="5400000" scaled="0"/>
+          <a:lin ang="16200000" scaled="1"/>
         </a:gradFill>
-        <a:ln w="6350" cap="flat" cmpd="sng" algn="ctr">
+        <a:ln w="9525" cap="flat" cmpd="sng" algn="ctr">
           <a:solidFill>
-            <a:schemeClr val="accent1"/>
+            <a:schemeClr val="accent1">
+              <a:shade val="95000"/>
+              <a:satMod val="105000"/>
+            </a:schemeClr>
           </a:solidFill>
           <a:prstDash val="solid"/>
-          <a:miter lim="800000"/>
         </a:ln>
-        <a:effectLst/>
+        <a:effectLst>
+          <a:outerShdw blurRad="40000" dist="20000" dir="5400000" rotWithShape="0">
+            <a:srgbClr val="000000">
+              <a:alpha val="38000"/>
+            </a:srgbClr>
+          </a:outerShdw>
+        </a:effectLst>
         <a:scene3d>
           <a:camera prst="orthographicFront"/>
           <a:lightRig rig="flat" dir="t"/>
         </a:scene3d>
+        <a:sp3d/>
       </dsp:spPr>
       <dsp:style>
         <a:lnRef idx="1">
@@ -3829,12 +3874,12 @@
         </a:fontRef>
       </dsp:style>
       <dsp:txBody>
-        <a:bodyPr spcFirstLastPara="0" vert="horz" wrap="square" lIns="118110" tIns="59055" rIns="118110" bIns="59055" numCol="1" spcCol="1270" anchor="ctr" anchorCtr="0">
+        <a:bodyPr spcFirstLastPara="0" vert="horz" wrap="square" lIns="125730" tIns="62865" rIns="125730" bIns="62865" numCol="1" spcCol="1270" anchor="ctr" anchorCtr="0">
           <a:noAutofit/>
         </a:bodyPr>
         <a:lstStyle/>
         <a:p>
-          <a:pPr marL="0" lvl="0" indent="0" algn="ctr" defTabSz="1377950" rtl="0">
+          <a:pPr marL="0" lvl="0" indent="0" algn="ctr" defTabSz="1466850" rtl="0">
             <a:lnSpc>
               <a:spcPct val="90000"/>
             </a:lnSpc>
@@ -3847,7 +3892,7 @@
             <a:buNone/>
           </a:pPr>
           <a:r>
-            <a:rPr lang="en-US" sz="3100" kern="1200" dirty="0"/>
+            <a:rPr lang="en-US" sz="3300" kern="1200" dirty="0"/>
             <a:t>4</a:t>
           </a:r>
         </a:p>
@@ -3886,36 +3931,41 @@
           <a:gsLst>
             <a:gs pos="0">
               <a:schemeClr val="accent5">
-                <a:lumMod val="110000"/>
-                <a:satMod val="105000"/>
-                <a:tint val="67000"/>
+                <a:tint val="50000"/>
+                <a:satMod val="300000"/>
               </a:schemeClr>
             </a:gs>
-            <a:gs pos="50000">
+            <a:gs pos="35000">
               <a:schemeClr val="accent5">
-                <a:lumMod val="105000"/>
-                <a:satMod val="103000"/>
-                <a:tint val="73000"/>
+                <a:tint val="37000"/>
+                <a:satMod val="300000"/>
               </a:schemeClr>
             </a:gs>
             <a:gs pos="100000">
               <a:schemeClr val="accent5">
-                <a:lumMod val="105000"/>
-                <a:satMod val="109000"/>
-                <a:tint val="81000"/>
+                <a:tint val="15000"/>
+                <a:satMod val="350000"/>
               </a:schemeClr>
             </a:gs>
           </a:gsLst>
-          <a:lin ang="5400000" scaled="0"/>
+          <a:lin ang="16200000" scaled="1"/>
         </a:gradFill>
-        <a:ln w="6350" cap="flat" cmpd="sng" algn="ctr">
+        <a:ln w="9525" cap="flat" cmpd="sng" algn="ctr">
           <a:solidFill>
-            <a:schemeClr val="accent5"/>
+            <a:schemeClr val="accent5">
+              <a:shade val="95000"/>
+              <a:satMod val="105000"/>
+            </a:schemeClr>
           </a:solidFill>
           <a:prstDash val="solid"/>
-          <a:miter lim="800000"/>
         </a:ln>
-        <a:effectLst/>
+        <a:effectLst>
+          <a:outerShdw blurRad="40000" dist="20000" dir="5400000" rotWithShape="0">
+            <a:srgbClr val="000000">
+              <a:alpha val="38000"/>
+            </a:srgbClr>
+          </a:outerShdw>
+        </a:effectLst>
         <a:scene3d>
           <a:camera prst="orthographicFront"/>
           <a:lightRig rig="flat" dir="t"/>
@@ -3937,12 +3987,12 @@
         </a:fontRef>
       </dsp:style>
       <dsp:txBody>
-        <a:bodyPr spcFirstLastPara="0" vert="horz" wrap="square" lIns="64770" tIns="32385" rIns="64770" bIns="32385" numCol="1" spcCol="1270" anchor="ctr" anchorCtr="0">
+        <a:bodyPr spcFirstLastPara="0" vert="horz" wrap="square" lIns="60960" tIns="30480" rIns="60960" bIns="30480" numCol="1" spcCol="1270" anchor="ctr" anchorCtr="0">
           <a:noAutofit/>
         </a:bodyPr>
         <a:lstStyle/>
         <a:p>
-          <a:pPr marL="171450" lvl="1" indent="-171450" algn="l" defTabSz="755650" rtl="0">
+          <a:pPr marL="171450" lvl="1" indent="-171450" algn="l" defTabSz="711200" rtl="0">
             <a:lnSpc>
               <a:spcPct val="90000"/>
             </a:lnSpc>
@@ -3955,15 +4005,15 @@
             <a:buChar char="•"/>
           </a:pPr>
           <a:r>
-            <a:rPr lang="en-US" sz="1700" kern="1200" dirty="0"/>
+            <a:rPr lang="en-US" sz="1600" kern="1200" dirty="0"/>
             <a:t>Select the </a:t>
           </a:r>
           <a:r>
-            <a:rPr lang="en-US" sz="1700" i="1" kern="1200" dirty="0"/>
+            <a:rPr lang="en-US" sz="1600" i="1" kern="1200" dirty="0"/>
             <a:t>Enable routing for failed messages </a:t>
           </a:r>
           <a:r>
-            <a:rPr lang="en-US" sz="1700" kern="1200" dirty="0"/>
+            <a:rPr lang="en-US" sz="1600" kern="1200" dirty="0"/>
             <a:t>checkbox</a:t>
           </a:r>
         </a:p>
@@ -3990,40 +4040,46 @@
           <a:gsLst>
             <a:gs pos="0">
               <a:schemeClr val="accent1">
-                <a:lumMod val="110000"/>
-                <a:satMod val="105000"/>
-                <a:tint val="67000"/>
+                <a:tint val="50000"/>
+                <a:satMod val="300000"/>
               </a:schemeClr>
             </a:gs>
-            <a:gs pos="50000">
+            <a:gs pos="35000">
               <a:schemeClr val="accent1">
-                <a:lumMod val="105000"/>
-                <a:satMod val="103000"/>
-                <a:tint val="73000"/>
+                <a:tint val="37000"/>
+                <a:satMod val="300000"/>
               </a:schemeClr>
             </a:gs>
             <a:gs pos="100000">
               <a:schemeClr val="accent1">
-                <a:lumMod val="105000"/>
-                <a:satMod val="109000"/>
-                <a:tint val="81000"/>
+                <a:tint val="15000"/>
+                <a:satMod val="350000"/>
               </a:schemeClr>
             </a:gs>
           </a:gsLst>
-          <a:lin ang="5400000" scaled="0"/>
+          <a:lin ang="16200000" scaled="1"/>
         </a:gradFill>
-        <a:ln w="6350" cap="flat" cmpd="sng" algn="ctr">
+        <a:ln w="9525" cap="flat" cmpd="sng" algn="ctr">
           <a:solidFill>
-            <a:schemeClr val="accent1"/>
+            <a:schemeClr val="accent1">
+              <a:shade val="95000"/>
+              <a:satMod val="105000"/>
+            </a:schemeClr>
           </a:solidFill>
           <a:prstDash val="solid"/>
-          <a:miter lim="800000"/>
         </a:ln>
-        <a:effectLst/>
+        <a:effectLst>
+          <a:outerShdw blurRad="40000" dist="20000" dir="5400000" rotWithShape="0">
+            <a:srgbClr val="000000">
+              <a:alpha val="38000"/>
+            </a:srgbClr>
+          </a:outerShdw>
+        </a:effectLst>
         <a:scene3d>
           <a:camera prst="orthographicFront"/>
           <a:lightRig rig="flat" dir="t"/>
         </a:scene3d>
+        <a:sp3d/>
       </dsp:spPr>
       <dsp:style>
         <a:lnRef idx="1">
@@ -4040,12 +4096,12 @@
         </a:fontRef>
       </dsp:style>
       <dsp:txBody>
-        <a:bodyPr spcFirstLastPara="0" vert="horz" wrap="square" lIns="129540" tIns="64770" rIns="129540" bIns="64770" numCol="1" spcCol="1270" anchor="ctr" anchorCtr="0">
+        <a:bodyPr spcFirstLastPara="0" vert="horz" wrap="square" lIns="133350" tIns="66675" rIns="133350" bIns="66675" numCol="1" spcCol="1270" anchor="ctr" anchorCtr="0">
           <a:noAutofit/>
         </a:bodyPr>
         <a:lstStyle/>
         <a:p>
-          <a:pPr marL="0" lvl="0" indent="0" algn="ctr" defTabSz="1511300" rtl="0">
+          <a:pPr marL="0" lvl="0" indent="0" algn="ctr" defTabSz="1555750" rtl="0">
             <a:lnSpc>
               <a:spcPct val="90000"/>
             </a:lnSpc>
@@ -4058,7 +4114,7 @@
             <a:buNone/>
           </a:pPr>
           <a:r>
-            <a:rPr lang="en-US" sz="3400" kern="1200" dirty="0"/>
+            <a:rPr lang="en-US" sz="3500" kern="1200" dirty="0"/>
             <a:t>1</a:t>
           </a:r>
         </a:p>
@@ -4085,36 +4141,41 @@
           <a:gsLst>
             <a:gs pos="0">
               <a:schemeClr val="accent5">
-                <a:lumMod val="110000"/>
-                <a:satMod val="105000"/>
-                <a:tint val="67000"/>
+                <a:tint val="50000"/>
+                <a:satMod val="300000"/>
               </a:schemeClr>
             </a:gs>
-            <a:gs pos="50000">
+            <a:gs pos="35000">
               <a:schemeClr val="accent5">
-                <a:lumMod val="105000"/>
-                <a:satMod val="103000"/>
-                <a:tint val="73000"/>
+                <a:tint val="37000"/>
+                <a:satMod val="300000"/>
               </a:schemeClr>
             </a:gs>
             <a:gs pos="100000">
               <a:schemeClr val="accent5">
-                <a:lumMod val="105000"/>
-                <a:satMod val="109000"/>
-                <a:tint val="81000"/>
+                <a:tint val="15000"/>
+                <a:satMod val="350000"/>
               </a:schemeClr>
             </a:gs>
           </a:gsLst>
-          <a:lin ang="5400000" scaled="0"/>
+          <a:lin ang="16200000" scaled="1"/>
         </a:gradFill>
-        <a:ln w="6350" cap="flat" cmpd="sng" algn="ctr">
+        <a:ln w="9525" cap="flat" cmpd="sng" algn="ctr">
           <a:solidFill>
-            <a:schemeClr val="accent5"/>
+            <a:schemeClr val="accent5">
+              <a:shade val="95000"/>
+              <a:satMod val="105000"/>
+            </a:schemeClr>
           </a:solidFill>
           <a:prstDash val="solid"/>
-          <a:miter lim="800000"/>
         </a:ln>
-        <a:effectLst/>
+        <a:effectLst>
+          <a:outerShdw blurRad="40000" dist="20000" dir="5400000" rotWithShape="0">
+            <a:srgbClr val="000000">
+              <a:alpha val="38000"/>
+            </a:srgbClr>
+          </a:outerShdw>
+        </a:effectLst>
         <a:scene3d>
           <a:camera prst="orthographicFront"/>
           <a:lightRig rig="flat" dir="t"/>
@@ -4136,12 +4197,12 @@
         </a:fontRef>
       </dsp:style>
       <dsp:txBody>
-        <a:bodyPr spcFirstLastPara="0" vert="horz" wrap="square" lIns="64770" tIns="32385" rIns="64770" bIns="32385" numCol="1" spcCol="1270" anchor="ctr" anchorCtr="0">
+        <a:bodyPr spcFirstLastPara="0" vert="horz" wrap="square" lIns="60960" tIns="30480" rIns="60960" bIns="30480" numCol="1" spcCol="1270" anchor="ctr" anchorCtr="0">
           <a:noAutofit/>
         </a:bodyPr>
         <a:lstStyle/>
         <a:p>
-          <a:pPr marL="171450" lvl="1" indent="-171450" algn="l" defTabSz="755650" rtl="0">
+          <a:pPr marL="171450" lvl="1" indent="-171450" algn="l" defTabSz="711200" rtl="0">
             <a:lnSpc>
               <a:spcPct val="90000"/>
             </a:lnSpc>
@@ -4154,15 +4215,15 @@
             <a:buChar char="•"/>
           </a:pPr>
           <a:r>
-            <a:rPr lang="en-US" sz="1700" kern="1200" dirty="0"/>
+            <a:rPr lang="en-US" sz="1600" kern="1200" dirty="0"/>
             <a:t>Subscribe to one of the </a:t>
           </a:r>
           <a:r>
-            <a:rPr lang="en-US" sz="1700" kern="1200" dirty="0" err="1"/>
+            <a:rPr lang="en-US" sz="1600" kern="1200" dirty="0" err="1"/>
             <a:t>ErrorReport</a:t>
           </a:r>
           <a:r>
-            <a:rPr lang="en-US" sz="1700" kern="1200" dirty="0"/>
+            <a:rPr lang="en-US" sz="1600" kern="1200" dirty="0"/>
             <a:t> properties</a:t>
           </a:r>
         </a:p>
@@ -4189,40 +4250,46 @@
           <a:gsLst>
             <a:gs pos="0">
               <a:schemeClr val="accent1">
-                <a:lumMod val="110000"/>
-                <a:satMod val="105000"/>
-                <a:tint val="67000"/>
+                <a:tint val="50000"/>
+                <a:satMod val="300000"/>
               </a:schemeClr>
             </a:gs>
-            <a:gs pos="50000">
+            <a:gs pos="35000">
               <a:schemeClr val="accent1">
-                <a:lumMod val="105000"/>
-                <a:satMod val="103000"/>
-                <a:tint val="73000"/>
+                <a:tint val="37000"/>
+                <a:satMod val="300000"/>
               </a:schemeClr>
             </a:gs>
             <a:gs pos="100000">
               <a:schemeClr val="accent1">
-                <a:lumMod val="105000"/>
-                <a:satMod val="109000"/>
-                <a:tint val="81000"/>
+                <a:tint val="15000"/>
+                <a:satMod val="350000"/>
               </a:schemeClr>
             </a:gs>
           </a:gsLst>
-          <a:lin ang="5400000" scaled="0"/>
+          <a:lin ang="16200000" scaled="1"/>
         </a:gradFill>
-        <a:ln w="6350" cap="flat" cmpd="sng" algn="ctr">
+        <a:ln w="9525" cap="flat" cmpd="sng" algn="ctr">
           <a:solidFill>
-            <a:schemeClr val="accent1"/>
+            <a:schemeClr val="accent1">
+              <a:shade val="95000"/>
+              <a:satMod val="105000"/>
+            </a:schemeClr>
           </a:solidFill>
           <a:prstDash val="solid"/>
-          <a:miter lim="800000"/>
         </a:ln>
-        <a:effectLst/>
+        <a:effectLst>
+          <a:outerShdw blurRad="40000" dist="20000" dir="5400000" rotWithShape="0">
+            <a:srgbClr val="000000">
+              <a:alpha val="38000"/>
+            </a:srgbClr>
+          </a:outerShdw>
+        </a:effectLst>
         <a:scene3d>
           <a:camera prst="orthographicFront"/>
           <a:lightRig rig="flat" dir="t"/>
         </a:scene3d>
+        <a:sp3d/>
       </dsp:spPr>
       <dsp:style>
         <a:lnRef idx="1">
@@ -4239,12 +4306,12 @@
         </a:fontRef>
       </dsp:style>
       <dsp:txBody>
-        <a:bodyPr spcFirstLastPara="0" vert="horz" wrap="square" lIns="129540" tIns="64770" rIns="129540" bIns="64770" numCol="1" spcCol="1270" anchor="ctr" anchorCtr="0">
+        <a:bodyPr spcFirstLastPara="0" vert="horz" wrap="square" lIns="133350" tIns="66675" rIns="133350" bIns="66675" numCol="1" spcCol="1270" anchor="ctr" anchorCtr="0">
           <a:noAutofit/>
         </a:bodyPr>
         <a:lstStyle/>
         <a:p>
-          <a:pPr marL="0" lvl="0" indent="0" algn="ctr" defTabSz="1511300" rtl="0">
+          <a:pPr marL="0" lvl="0" indent="0" algn="ctr" defTabSz="1555750" rtl="0">
             <a:lnSpc>
               <a:spcPct val="90000"/>
             </a:lnSpc>
@@ -4257,7 +4324,7 @@
             <a:buNone/>
           </a:pPr>
           <a:r>
-            <a:rPr lang="en-US" sz="3400" kern="1200" dirty="0"/>
+            <a:rPr lang="en-US" sz="3500" kern="1200" dirty="0"/>
             <a:t>2</a:t>
           </a:r>
         </a:p>
@@ -4284,36 +4351,41 @@
           <a:gsLst>
             <a:gs pos="0">
               <a:schemeClr val="accent5">
-                <a:lumMod val="110000"/>
-                <a:satMod val="105000"/>
-                <a:tint val="67000"/>
+                <a:tint val="50000"/>
+                <a:satMod val="300000"/>
               </a:schemeClr>
             </a:gs>
-            <a:gs pos="50000">
+            <a:gs pos="35000">
               <a:schemeClr val="accent5">
-                <a:lumMod val="105000"/>
-                <a:satMod val="103000"/>
-                <a:tint val="73000"/>
+                <a:tint val="37000"/>
+                <a:satMod val="300000"/>
               </a:schemeClr>
             </a:gs>
             <a:gs pos="100000">
               <a:schemeClr val="accent5">
-                <a:lumMod val="105000"/>
-                <a:satMod val="109000"/>
-                <a:tint val="81000"/>
+                <a:tint val="15000"/>
+                <a:satMod val="350000"/>
               </a:schemeClr>
             </a:gs>
           </a:gsLst>
-          <a:lin ang="5400000" scaled="0"/>
+          <a:lin ang="16200000" scaled="1"/>
         </a:gradFill>
-        <a:ln w="6350" cap="flat" cmpd="sng" algn="ctr">
+        <a:ln w="9525" cap="flat" cmpd="sng" algn="ctr">
           <a:solidFill>
-            <a:schemeClr val="accent5"/>
+            <a:schemeClr val="accent5">
+              <a:shade val="95000"/>
+              <a:satMod val="105000"/>
+            </a:schemeClr>
           </a:solidFill>
           <a:prstDash val="solid"/>
-          <a:miter lim="800000"/>
         </a:ln>
-        <a:effectLst/>
+        <a:effectLst>
+          <a:outerShdw blurRad="40000" dist="20000" dir="5400000" rotWithShape="0">
+            <a:srgbClr val="000000">
+              <a:alpha val="38000"/>
+            </a:srgbClr>
+          </a:outerShdw>
+        </a:effectLst>
         <a:scene3d>
           <a:camera prst="orthographicFront"/>
           <a:lightRig rig="flat" dir="t"/>
@@ -4335,12 +4407,12 @@
         </a:fontRef>
       </dsp:style>
       <dsp:txBody>
-        <a:bodyPr spcFirstLastPara="0" vert="horz" wrap="square" lIns="64770" tIns="32385" rIns="64770" bIns="32385" numCol="1" spcCol="1270" anchor="ctr" anchorCtr="0">
+        <a:bodyPr spcFirstLastPara="0" vert="horz" wrap="square" lIns="60960" tIns="30480" rIns="60960" bIns="30480" numCol="1" spcCol="1270" anchor="ctr" anchorCtr="0">
           <a:noAutofit/>
         </a:bodyPr>
         <a:lstStyle/>
         <a:p>
-          <a:pPr marL="171450" lvl="1" indent="-171450" algn="l" defTabSz="755650" rtl="0">
+          <a:pPr marL="171450" lvl="1" indent="-171450" algn="l" defTabSz="711200" rtl="0">
             <a:lnSpc>
               <a:spcPct val="90000"/>
             </a:lnSpc>
@@ -4353,7 +4425,7 @@
             <a:buChar char="•"/>
           </a:pPr>
           <a:r>
-            <a:rPr lang="en-US" sz="1700" kern="1200" dirty="0"/>
+            <a:rPr lang="en-US" sz="1600" kern="1200" dirty="0"/>
             <a:t>Process the failure as appropriate</a:t>
           </a:r>
         </a:p>
@@ -4380,40 +4452,46 @@
           <a:gsLst>
             <a:gs pos="0">
               <a:schemeClr val="accent1">
-                <a:lumMod val="110000"/>
-                <a:satMod val="105000"/>
-                <a:tint val="67000"/>
+                <a:tint val="50000"/>
+                <a:satMod val="300000"/>
               </a:schemeClr>
             </a:gs>
-            <a:gs pos="50000">
+            <a:gs pos="35000">
               <a:schemeClr val="accent1">
-                <a:lumMod val="105000"/>
-                <a:satMod val="103000"/>
-                <a:tint val="73000"/>
+                <a:tint val="37000"/>
+                <a:satMod val="300000"/>
               </a:schemeClr>
             </a:gs>
             <a:gs pos="100000">
               <a:schemeClr val="accent1">
-                <a:lumMod val="105000"/>
-                <a:satMod val="109000"/>
-                <a:tint val="81000"/>
+                <a:tint val="15000"/>
+                <a:satMod val="350000"/>
               </a:schemeClr>
             </a:gs>
           </a:gsLst>
-          <a:lin ang="5400000" scaled="0"/>
+          <a:lin ang="16200000" scaled="1"/>
         </a:gradFill>
-        <a:ln w="6350" cap="flat" cmpd="sng" algn="ctr">
+        <a:ln w="9525" cap="flat" cmpd="sng" algn="ctr">
           <a:solidFill>
-            <a:schemeClr val="accent1"/>
+            <a:schemeClr val="accent1">
+              <a:shade val="95000"/>
+              <a:satMod val="105000"/>
+            </a:schemeClr>
           </a:solidFill>
           <a:prstDash val="solid"/>
-          <a:miter lim="800000"/>
         </a:ln>
-        <a:effectLst/>
+        <a:effectLst>
+          <a:outerShdw blurRad="40000" dist="20000" dir="5400000" rotWithShape="0">
+            <a:srgbClr val="000000">
+              <a:alpha val="38000"/>
+            </a:srgbClr>
+          </a:outerShdw>
+        </a:effectLst>
         <a:scene3d>
           <a:camera prst="orthographicFront"/>
           <a:lightRig rig="flat" dir="t"/>
         </a:scene3d>
+        <a:sp3d/>
       </dsp:spPr>
       <dsp:style>
         <a:lnRef idx="1">
@@ -4430,12 +4508,12 @@
         </a:fontRef>
       </dsp:style>
       <dsp:txBody>
-        <a:bodyPr spcFirstLastPara="0" vert="horz" wrap="square" lIns="129540" tIns="64770" rIns="129540" bIns="64770" numCol="1" spcCol="1270" anchor="ctr" anchorCtr="0">
+        <a:bodyPr spcFirstLastPara="0" vert="horz" wrap="square" lIns="133350" tIns="66675" rIns="133350" bIns="66675" numCol="1" spcCol="1270" anchor="ctr" anchorCtr="0">
           <a:noAutofit/>
         </a:bodyPr>
         <a:lstStyle/>
         <a:p>
-          <a:pPr marL="0" lvl="0" indent="0" algn="ctr" defTabSz="1511300" rtl="0">
+          <a:pPr marL="0" lvl="0" indent="0" algn="ctr" defTabSz="1555750" rtl="0">
             <a:lnSpc>
               <a:spcPct val="90000"/>
             </a:lnSpc>
@@ -4448,7 +4526,7 @@
             <a:buNone/>
           </a:pPr>
           <a:r>
-            <a:rPr lang="en-US" sz="3400" kern="1200" dirty="0"/>
+            <a:rPr lang="en-US" sz="3500" kern="1200" dirty="0"/>
             <a:t>3</a:t>
           </a:r>
         </a:p>
@@ -7288,7 +7366,7 @@
               <a:pPr>
                 <a:defRPr/>
               </a:pPr>
-              <a:t>13 December 2016</a:t>
+              <a:t>16 December 2016</a:t>
             </a:fld>
             <a:endParaRPr lang="de-DE"/>
           </a:p>
@@ -7600,7 +7678,7 @@
               <a:pPr>
                 <a:defRPr/>
               </a:pPr>
-              <a:t>13. Dezember 2016</a:t>
+              <a:t>16. Dezember 2016</a:t>
             </a:fld>
             <a:r>
               <a:rPr lang="de-DE"/>
@@ -7918,7 +7996,7 @@
               <a:pPr>
                 <a:defRPr/>
               </a:pPr>
-              <a:t>13. Dezember 2016</a:t>
+              <a:t>16. Dezember 2016</a:t>
             </a:fld>
             <a:r>
               <a:rPr lang="de-DE"/>
@@ -8111,7 +8189,7 @@
               <a:pPr>
                 <a:defRPr/>
               </a:pPr>
-              <a:t>13. Dezember 2016</a:t>
+              <a:t>16. Dezember 2016</a:t>
             </a:fld>
             <a:r>
               <a:rPr lang="de-DE"/>
@@ -8328,7 +8406,7 @@
               <a:pPr>
                 <a:defRPr/>
               </a:pPr>
-              <a:t>13. Dezember 2016</a:t>
+              <a:t>16. Dezember 2016</a:t>
             </a:fld>
             <a:r>
               <a:rPr lang="de-DE"/>
@@ -8450,7 +8528,7 @@
               <a:pPr>
                 <a:defRPr/>
               </a:pPr>
-              <a:t>13. Dezember 2016</a:t>
+              <a:t>16. Dezember 2016</a:t>
             </a:fld>
             <a:r>
               <a:rPr lang="de-DE"/>
@@ -8764,7 +8842,7 @@
               <a:pPr>
                 <a:defRPr/>
               </a:pPr>
-              <a:t>13. Dezember 2016</a:t>
+              <a:t>16. Dezember 2016</a:t>
             </a:fld>
             <a:r>
               <a:rPr lang="de-DE"/>
@@ -8886,7 +8964,7 @@
               <a:pPr>
                 <a:defRPr/>
               </a:pPr>
-              <a:t>13. Dezember 2016</a:t>
+              <a:t>16. Dezember 2016</a:t>
             </a:fld>
             <a:r>
               <a:rPr lang="de-DE"/>
@@ -9134,7 +9212,7 @@
               <a:pPr>
                 <a:defRPr/>
               </a:pPr>
-              <a:t>13. Dezember 2016</a:t>
+              <a:t>16. Dezember 2016</a:t>
             </a:fld>
             <a:r>
               <a:rPr lang="de-DE"/>
@@ -9258,7 +9336,7 @@
               <a:pPr>
                 <a:defRPr/>
               </a:pPr>
-              <a:t>13. Dezember 2016</a:t>
+              <a:t>16. Dezember 2016</a:t>
             </a:fld>
             <a:r>
               <a:rPr lang="de-DE"/>
@@ -9438,7 +9516,7 @@
           <a:p>
             <a:fld id="{9006E132-D9FA-4DA9-BFA1-F907AC5B7515}" type="datetimeFigureOut">
               <a:rPr lang="en-US" smtClean="0"/>
-              <a:t>12/13/2016</a:t>
+              <a:t>12/16/2016</a:t>
             </a:fld>
             <a:endParaRPr lang="en-US"/>
           </a:p>
@@ -9606,7 +9684,7 @@
           <a:p>
             <a:fld id="{9006E132-D9FA-4DA9-BFA1-F907AC5B7515}" type="datetimeFigureOut">
               <a:rPr lang="en-US" smtClean="0"/>
-              <a:t>12/13/2016</a:t>
+              <a:t>12/16/2016</a:t>
             </a:fld>
             <a:endParaRPr lang="en-US"/>
           </a:p>
@@ -9784,7 +9862,7 @@
           <a:p>
             <a:fld id="{9006E132-D9FA-4DA9-BFA1-F907AC5B7515}" type="datetimeFigureOut">
               <a:rPr lang="en-US" smtClean="0"/>
-              <a:t>12/13/2016</a:t>
+              <a:t>12/16/2016</a:t>
             </a:fld>
             <a:endParaRPr lang="en-US"/>
           </a:p>
@@ -9836,6 +9914,1282 @@
     <p:extLst>
       <p:ext uri="{BB962C8B-B14F-4D97-AF65-F5344CB8AC3E}">
         <p14:creationId xmlns:p14="http://schemas.microsoft.com/office/powerpoint/2010/main" val="2185336246"/>
+      </p:ext>
+    </p:extLst>
+  </p:cSld>
+  <p:clrMapOvr>
+    <a:masterClrMapping/>
+  </p:clrMapOvr>
+</p:sldLayout>
+</file>
+
+<file path=ppt/slideLayouts/slideLayout12.xml><?xml version="1.0" encoding="utf-8"?>
+<p:sldLayout xmlns:a="http://schemas.openxmlformats.org/drawingml/2006/main" xmlns:r="http://schemas.openxmlformats.org/officeDocument/2006/relationships" xmlns:p="http://schemas.openxmlformats.org/presentationml/2006/main" showMasterSp="0" type="title" preserve="1">
+  <p:cSld name="Rubrikbild">
+    <p:bg>
+      <p:bgPr>
+        <a:solidFill>
+          <a:schemeClr val="tx1"/>
+        </a:solidFill>
+        <a:effectLst/>
+      </p:bgPr>
+    </p:bg>
+    <p:spTree>
+      <p:nvGrpSpPr>
+        <p:cNvPr id="1" name=""/>
+        <p:cNvGrpSpPr/>
+        <p:nvPr/>
+      </p:nvGrpSpPr>
+      <p:grpSpPr>
+        <a:xfrm>
+          <a:off x="0" y="0"/>
+          <a:ext cx="0" cy="0"/>
+          <a:chOff x="0" y="0"/>
+          <a:chExt cx="0" cy="0"/>
+        </a:xfrm>
+      </p:grpSpPr>
+      <p:sp>
+        <p:nvSpPr>
+          <p:cNvPr id="9" name="Line 9"/>
+          <p:cNvSpPr>
+            <a:spLocks noChangeShapeType="1"/>
+          </p:cNvSpPr>
+          <p:nvPr/>
+        </p:nvSpPr>
+        <p:spPr bwMode="gray">
+          <a:xfrm>
+            <a:off x="1835150" y="4221163"/>
+            <a:ext cx="7308850" cy="0"/>
+          </a:xfrm>
+          <a:prstGeom prst="line">
+            <a:avLst/>
+          </a:prstGeom>
+          <a:noFill/>
+          <a:ln w="19050">
+            <a:solidFill>
+              <a:schemeClr val="bg2"/>
+            </a:solidFill>
+            <a:round/>
+            <a:headEnd/>
+            <a:tailEnd/>
+          </a:ln>
+          <a:effectLst/>
+        </p:spPr>
+        <p:txBody>
+          <a:bodyPr/>
+          <a:lstStyle/>
+          <a:p>
+            <a:pPr algn="ctr">
+              <a:buClr>
+                <a:schemeClr val="bg2"/>
+              </a:buClr>
+              <a:defRPr/>
+            </a:pPr>
+            <a:endParaRPr lang="sv-SE">
+              <a:cs typeface="+mn-cs"/>
+            </a:endParaRPr>
+          </a:p>
+        </p:txBody>
+      </p:sp>
+      <p:sp>
+        <p:nvSpPr>
+          <p:cNvPr id="5122" name="Rectangle 2"/>
+          <p:cNvSpPr>
+            <a:spLocks noGrp="1" noChangeArrowheads="1"/>
+          </p:cNvSpPr>
+          <p:nvPr>
+            <p:ph type="subTitle" idx="1"/>
+          </p:nvPr>
+        </p:nvSpPr>
+        <p:spPr>
+          <a:xfrm>
+            <a:off x="1835150" y="4221163"/>
+            <a:ext cx="6913563" cy="1800225"/>
+          </a:xfrm>
+        </p:spPr>
+        <p:txBody>
+          <a:bodyPr tIns="118800" bIns="45720"/>
+          <a:lstStyle>
+            <a:lvl1pPr marL="0" indent="0">
+              <a:buFontTx/>
+              <a:buNone/>
+              <a:defRPr sz="1600" b="1">
+                <a:solidFill>
+                  <a:schemeClr val="accent1"/>
+                </a:solidFill>
+              </a:defRPr>
+            </a:lvl1pPr>
+          </a:lstStyle>
+          <a:p>
+            <a:r>
+              <a:rPr lang="en-US"/>
+              <a:t>Click to edit Master subtitle style</a:t>
+            </a:r>
+            <a:endParaRPr lang="en-GB" dirty="0"/>
+          </a:p>
+        </p:txBody>
+      </p:sp>
+      <p:sp>
+        <p:nvSpPr>
+          <p:cNvPr id="5123" name="Rectangle 3"/>
+          <p:cNvSpPr>
+            <a:spLocks noGrp="1" noChangeArrowheads="1"/>
+          </p:cNvSpPr>
+          <p:nvPr>
+            <p:ph type="ctrTitle"/>
+          </p:nvPr>
+        </p:nvSpPr>
+        <p:spPr>
+          <a:xfrm>
+            <a:off x="1835150" y="3500438"/>
+            <a:ext cx="6913563" cy="720725"/>
+          </a:xfrm>
+        </p:spPr>
+        <p:txBody>
+          <a:bodyPr tIns="45720" bIns="82800" anchor="b"/>
+          <a:lstStyle>
+            <a:lvl1pPr>
+              <a:defRPr sz="2800">
+                <a:solidFill>
+                  <a:schemeClr val="accent1"/>
+                </a:solidFill>
+              </a:defRPr>
+            </a:lvl1pPr>
+          </a:lstStyle>
+          <a:p>
+            <a:r>
+              <a:rPr lang="en-US"/>
+              <a:t>Click to edit Master title style</a:t>
+            </a:r>
+            <a:endParaRPr lang="en-GB" dirty="0"/>
+          </a:p>
+        </p:txBody>
+      </p:sp>
+    </p:spTree>
+    <p:extLst>
+      <p:ext uri="{BB962C8B-B14F-4D97-AF65-F5344CB8AC3E}">
+        <p14:creationId xmlns:p14="http://schemas.microsoft.com/office/powerpoint/2010/main" val="1514263275"/>
+      </p:ext>
+    </p:extLst>
+  </p:cSld>
+  <p:clrMapOvr>
+    <a:masterClrMapping/>
+  </p:clrMapOvr>
+</p:sldLayout>
+</file>
+
+<file path=ppt/slideLayouts/slideLayout13.xml><?xml version="1.0" encoding="utf-8"?>
+<p:sldLayout xmlns:a="http://schemas.openxmlformats.org/drawingml/2006/main" xmlns:r="http://schemas.openxmlformats.org/officeDocument/2006/relationships" xmlns:p="http://schemas.openxmlformats.org/presentationml/2006/main" type="secHead" preserve="1">
+  <p:cSld name="Avsnittsrubrik">
+    <p:bg>
+      <p:bgPr>
+        <a:solidFill>
+          <a:schemeClr val="tx2">
+            <a:lumMod val="50000"/>
+          </a:schemeClr>
+        </a:solidFill>
+        <a:effectLst/>
+      </p:bgPr>
+    </p:bg>
+    <p:spTree>
+      <p:nvGrpSpPr>
+        <p:cNvPr id="1" name=""/>
+        <p:cNvGrpSpPr/>
+        <p:nvPr/>
+      </p:nvGrpSpPr>
+      <p:grpSpPr>
+        <a:xfrm>
+          <a:off x="0" y="0"/>
+          <a:ext cx="0" cy="0"/>
+          <a:chOff x="0" y="0"/>
+          <a:chExt cx="0" cy="0"/>
+        </a:xfrm>
+      </p:grpSpPr>
+      <p:sp>
+        <p:nvSpPr>
+          <p:cNvPr id="2" name="Title 1"/>
+          <p:cNvSpPr>
+            <a:spLocks noGrp="1"/>
+          </p:cNvSpPr>
+          <p:nvPr>
+            <p:ph type="title"/>
+          </p:nvPr>
+        </p:nvSpPr>
+        <p:spPr>
+          <a:xfrm>
+            <a:off x="722313" y="4406900"/>
+            <a:ext cx="7772400" cy="1362075"/>
+          </a:xfrm>
+        </p:spPr>
+        <p:txBody>
+          <a:bodyPr anchor="t"/>
+          <a:lstStyle>
+            <a:lvl1pPr algn="l">
+              <a:defRPr sz="4000" b="1" cap="all">
+                <a:solidFill>
+                  <a:schemeClr val="bg1"/>
+                </a:solidFill>
+              </a:defRPr>
+            </a:lvl1pPr>
+          </a:lstStyle>
+          <a:p>
+            <a:r>
+              <a:rPr lang="en-US"/>
+              <a:t>Click to edit Master title style</a:t>
+            </a:r>
+            <a:endParaRPr lang="sv-SE" dirty="0"/>
+          </a:p>
+        </p:txBody>
+      </p:sp>
+      <p:sp>
+        <p:nvSpPr>
+          <p:cNvPr id="3" name="Text Placeholder 2"/>
+          <p:cNvSpPr>
+            <a:spLocks noGrp="1"/>
+          </p:cNvSpPr>
+          <p:nvPr>
+            <p:ph type="body" idx="1"/>
+          </p:nvPr>
+        </p:nvSpPr>
+        <p:spPr>
+          <a:xfrm>
+            <a:off x="722313" y="2906713"/>
+            <a:ext cx="7772400" cy="1500187"/>
+          </a:xfrm>
+        </p:spPr>
+        <p:txBody>
+          <a:bodyPr anchor="b"/>
+          <a:lstStyle>
+            <a:lvl1pPr marL="0" indent="0">
+              <a:buNone/>
+              <a:defRPr sz="2000">
+                <a:solidFill>
+                  <a:schemeClr val="bg1"/>
+                </a:solidFill>
+              </a:defRPr>
+            </a:lvl1pPr>
+            <a:lvl2pPr marL="457200" indent="0">
+              <a:buNone/>
+              <a:defRPr sz="1800"/>
+            </a:lvl2pPr>
+            <a:lvl3pPr marL="914400" indent="0">
+              <a:buNone/>
+              <a:defRPr sz="1600"/>
+            </a:lvl3pPr>
+            <a:lvl4pPr marL="1371600" indent="0">
+              <a:buNone/>
+              <a:defRPr sz="1400"/>
+            </a:lvl4pPr>
+            <a:lvl5pPr marL="1828800" indent="0">
+              <a:buNone/>
+              <a:defRPr sz="1400"/>
+            </a:lvl5pPr>
+            <a:lvl6pPr marL="2286000" indent="0">
+              <a:buNone/>
+              <a:defRPr sz="1400"/>
+            </a:lvl6pPr>
+            <a:lvl7pPr marL="2743200" indent="0">
+              <a:buNone/>
+              <a:defRPr sz="1400"/>
+            </a:lvl7pPr>
+            <a:lvl8pPr marL="3200400" indent="0">
+              <a:buNone/>
+              <a:defRPr sz="1400"/>
+            </a:lvl8pPr>
+            <a:lvl9pPr marL="3657600" indent="0">
+              <a:buNone/>
+              <a:defRPr sz="1400"/>
+            </a:lvl9pPr>
+          </a:lstStyle>
+          <a:p>
+            <a:pPr lvl="0"/>
+            <a:r>
+              <a:rPr lang="en-US"/>
+              <a:t>Edit Master text styles</a:t>
+            </a:r>
+          </a:p>
+        </p:txBody>
+      </p:sp>
+      <p:sp>
+        <p:nvSpPr>
+          <p:cNvPr id="10" name="Platshållare för bildnummer 5"/>
+          <p:cNvSpPr>
+            <a:spLocks noGrp="1"/>
+          </p:cNvSpPr>
+          <p:nvPr>
+            <p:ph type="sldNum" sz="quarter" idx="4"/>
+          </p:nvPr>
+        </p:nvSpPr>
+        <p:spPr>
+          <a:xfrm>
+            <a:off x="4680064" y="6350023"/>
+            <a:ext cx="468000" cy="365125"/>
+          </a:xfrm>
+          <a:prstGeom prst="rect">
+            <a:avLst/>
+          </a:prstGeom>
+        </p:spPr>
+        <p:txBody>
+          <a:bodyPr vert="horz" lIns="91440" tIns="45720" rIns="91440" bIns="45720" rtlCol="0" anchor="ctr"/>
+          <a:lstStyle>
+            <a:lvl1pPr algn="r">
+              <a:defRPr sz="900">
+                <a:solidFill>
+                  <a:schemeClr val="bg1"/>
+                </a:solidFill>
+                <a:latin typeface="Verdana" pitchFamily="34" charset="0"/>
+                <a:ea typeface="Verdana" pitchFamily="34" charset="0"/>
+                <a:cs typeface="Verdana" pitchFamily="34" charset="0"/>
+              </a:defRPr>
+            </a:lvl1pPr>
+          </a:lstStyle>
+          <a:p>
+            <a:fld id="{90A9C42F-42F4-428B-A186-F28D140C3948}" type="slidenum">
+              <a:rPr lang="en-US" smtClean="0"/>
+              <a:t>‹#›</a:t>
+            </a:fld>
+            <a:endParaRPr lang="en-US"/>
+          </a:p>
+        </p:txBody>
+      </p:sp>
+    </p:spTree>
+    <p:extLst>
+      <p:ext uri="{BB962C8B-B14F-4D97-AF65-F5344CB8AC3E}">
+        <p14:creationId xmlns:p14="http://schemas.microsoft.com/office/powerpoint/2010/main" val="861880460"/>
+      </p:ext>
+    </p:extLst>
+  </p:cSld>
+  <p:clrMapOvr>
+    <a:masterClrMapping/>
+  </p:clrMapOvr>
+</p:sldLayout>
+</file>
+
+<file path=ppt/slideLayouts/slideLayout14.xml><?xml version="1.0" encoding="utf-8"?>
+<p:sldLayout xmlns:a="http://schemas.openxmlformats.org/drawingml/2006/main" xmlns:r="http://schemas.openxmlformats.org/officeDocument/2006/relationships" xmlns:p="http://schemas.openxmlformats.org/presentationml/2006/main" type="obj" preserve="1">
+  <p:cSld name="Rubrik och innehåll">
+    <p:spTree>
+      <p:nvGrpSpPr>
+        <p:cNvPr id="1" name=""/>
+        <p:cNvGrpSpPr/>
+        <p:nvPr/>
+      </p:nvGrpSpPr>
+      <p:grpSpPr>
+        <a:xfrm>
+          <a:off x="0" y="0"/>
+          <a:ext cx="0" cy="0"/>
+          <a:chOff x="0" y="0"/>
+          <a:chExt cx="0" cy="0"/>
+        </a:xfrm>
+      </p:grpSpPr>
+      <p:sp>
+        <p:nvSpPr>
+          <p:cNvPr id="2" name="Title 1"/>
+          <p:cNvSpPr>
+            <a:spLocks noGrp="1"/>
+          </p:cNvSpPr>
+          <p:nvPr>
+            <p:ph type="title"/>
+          </p:nvPr>
+        </p:nvSpPr>
+        <p:spPr/>
+        <p:txBody>
+          <a:bodyPr/>
+          <a:lstStyle/>
+          <a:p>
+            <a:r>
+              <a:rPr lang="en-US"/>
+              <a:t>Click to edit Master title style</a:t>
+            </a:r>
+            <a:endParaRPr lang="sv-SE"/>
+          </a:p>
+        </p:txBody>
+      </p:sp>
+      <p:sp>
+        <p:nvSpPr>
+          <p:cNvPr id="3" name="Content Placeholder 2"/>
+          <p:cNvSpPr>
+            <a:spLocks noGrp="1"/>
+          </p:cNvSpPr>
+          <p:nvPr>
+            <p:ph idx="1"/>
+          </p:nvPr>
+        </p:nvSpPr>
+        <p:spPr/>
+        <p:txBody>
+          <a:bodyPr/>
+          <a:lstStyle>
+            <a:lvl1pPr marL="177800" indent="-177800">
+              <a:buClr>
+                <a:schemeClr val="accent1"/>
+              </a:buClr>
+              <a:buFont typeface="Wingdings" pitchFamily="2" charset="2"/>
+              <a:buChar char="§"/>
+              <a:defRPr/>
+            </a:lvl1pPr>
+            <a:lvl2pPr marL="541338" indent="-184150">
+              <a:buClr>
+                <a:schemeClr val="accent1"/>
+              </a:buClr>
+              <a:buFont typeface="Wingdings" pitchFamily="2" charset="2"/>
+              <a:buChar char="§"/>
+              <a:defRPr/>
+            </a:lvl2pPr>
+            <a:lvl3pPr marL="896938" indent="-176213">
+              <a:buClr>
+                <a:schemeClr val="accent1"/>
+              </a:buClr>
+              <a:buFont typeface="Wingdings" pitchFamily="2" charset="2"/>
+              <a:buChar char="§"/>
+              <a:defRPr/>
+            </a:lvl3pPr>
+            <a:lvl4pPr marL="1252538" indent="-176213">
+              <a:buClr>
+                <a:schemeClr val="accent1"/>
+              </a:buClr>
+              <a:buFont typeface="Wingdings" pitchFamily="2" charset="2"/>
+              <a:buChar char="§"/>
+              <a:defRPr/>
+            </a:lvl4pPr>
+            <a:lvl5pPr marL="1616075" indent="-184150">
+              <a:buClr>
+                <a:schemeClr val="accent1"/>
+              </a:buClr>
+              <a:buFont typeface="Wingdings" pitchFamily="2" charset="2"/>
+              <a:buChar char="§"/>
+              <a:defRPr/>
+            </a:lvl5pPr>
+          </a:lstStyle>
+          <a:p>
+            <a:pPr lvl="0"/>
+            <a:r>
+              <a:rPr lang="en-US"/>
+              <a:t>Edit Master text styles</a:t>
+            </a:r>
+          </a:p>
+          <a:p>
+            <a:pPr lvl="1"/>
+            <a:r>
+              <a:rPr lang="en-US"/>
+              <a:t>Second level</a:t>
+            </a:r>
+          </a:p>
+          <a:p>
+            <a:pPr lvl="2"/>
+            <a:r>
+              <a:rPr lang="en-US"/>
+              <a:t>Third level</a:t>
+            </a:r>
+          </a:p>
+          <a:p>
+            <a:pPr lvl="3"/>
+            <a:r>
+              <a:rPr lang="en-US"/>
+              <a:t>Fourth level</a:t>
+            </a:r>
+          </a:p>
+          <a:p>
+            <a:pPr lvl="4"/>
+            <a:r>
+              <a:rPr lang="en-US"/>
+              <a:t>Fifth level</a:t>
+            </a:r>
+            <a:endParaRPr lang="sv-SE" dirty="0"/>
+          </a:p>
+        </p:txBody>
+      </p:sp>
+    </p:spTree>
+    <p:extLst>
+      <p:ext uri="{BB962C8B-B14F-4D97-AF65-F5344CB8AC3E}">
+        <p14:creationId xmlns:p14="http://schemas.microsoft.com/office/powerpoint/2010/main" val="1154229401"/>
+      </p:ext>
+    </p:extLst>
+  </p:cSld>
+  <p:clrMapOvr>
+    <a:masterClrMapping/>
+  </p:clrMapOvr>
+</p:sldLayout>
+</file>
+
+<file path=ppt/slideLayouts/slideLayout15.xml><?xml version="1.0" encoding="utf-8"?>
+<p:sldLayout xmlns:a="http://schemas.openxmlformats.org/drawingml/2006/main" xmlns:r="http://schemas.openxmlformats.org/officeDocument/2006/relationships" xmlns:p="http://schemas.openxmlformats.org/presentationml/2006/main" type="twoObj" preserve="1">
+  <p:cSld name="Två innehållsdelar">
+    <p:spTree>
+      <p:nvGrpSpPr>
+        <p:cNvPr id="1" name=""/>
+        <p:cNvGrpSpPr/>
+        <p:nvPr/>
+      </p:nvGrpSpPr>
+      <p:grpSpPr>
+        <a:xfrm>
+          <a:off x="0" y="0"/>
+          <a:ext cx="0" cy="0"/>
+          <a:chOff x="0" y="0"/>
+          <a:chExt cx="0" cy="0"/>
+        </a:xfrm>
+      </p:grpSpPr>
+      <p:sp>
+        <p:nvSpPr>
+          <p:cNvPr id="2" name="Title 1"/>
+          <p:cNvSpPr>
+            <a:spLocks noGrp="1"/>
+          </p:cNvSpPr>
+          <p:nvPr>
+            <p:ph type="title"/>
+          </p:nvPr>
+        </p:nvSpPr>
+        <p:spPr/>
+        <p:txBody>
+          <a:bodyPr/>
+          <a:lstStyle/>
+          <a:p>
+            <a:r>
+              <a:rPr lang="en-US"/>
+              <a:t>Click to edit Master title style</a:t>
+            </a:r>
+            <a:endParaRPr lang="sv-SE"/>
+          </a:p>
+        </p:txBody>
+      </p:sp>
+      <p:sp>
+        <p:nvSpPr>
+          <p:cNvPr id="3" name="Content Placeholder 2"/>
+          <p:cNvSpPr>
+            <a:spLocks noGrp="1"/>
+          </p:cNvSpPr>
+          <p:nvPr>
+            <p:ph sz="half" idx="1"/>
+          </p:nvPr>
+        </p:nvSpPr>
+        <p:spPr>
+          <a:xfrm>
+            <a:off x="395288" y="1484313"/>
+            <a:ext cx="4100512" cy="4608512"/>
+          </a:xfrm>
+        </p:spPr>
+        <p:txBody>
+          <a:bodyPr/>
+          <a:lstStyle>
+            <a:lvl1pPr>
+              <a:defRPr sz="2800"/>
+            </a:lvl1pPr>
+            <a:lvl2pPr>
+              <a:defRPr sz="2400"/>
+            </a:lvl2pPr>
+            <a:lvl3pPr>
+              <a:defRPr sz="2000"/>
+            </a:lvl3pPr>
+            <a:lvl4pPr>
+              <a:defRPr sz="1800"/>
+            </a:lvl4pPr>
+            <a:lvl5pPr>
+              <a:defRPr sz="1800"/>
+            </a:lvl5pPr>
+            <a:lvl6pPr>
+              <a:defRPr sz="1800"/>
+            </a:lvl6pPr>
+            <a:lvl7pPr>
+              <a:defRPr sz="1800"/>
+            </a:lvl7pPr>
+            <a:lvl8pPr>
+              <a:defRPr sz="1800"/>
+            </a:lvl8pPr>
+            <a:lvl9pPr>
+              <a:defRPr sz="1800"/>
+            </a:lvl9pPr>
+          </a:lstStyle>
+          <a:p>
+            <a:pPr lvl="0"/>
+            <a:r>
+              <a:rPr lang="en-US"/>
+              <a:t>Edit Master text styles</a:t>
+            </a:r>
+          </a:p>
+          <a:p>
+            <a:pPr lvl="1"/>
+            <a:r>
+              <a:rPr lang="en-US"/>
+              <a:t>Second level</a:t>
+            </a:r>
+          </a:p>
+          <a:p>
+            <a:pPr lvl="2"/>
+            <a:r>
+              <a:rPr lang="en-US"/>
+              <a:t>Third level</a:t>
+            </a:r>
+          </a:p>
+          <a:p>
+            <a:pPr lvl="3"/>
+            <a:r>
+              <a:rPr lang="en-US"/>
+              <a:t>Fourth level</a:t>
+            </a:r>
+          </a:p>
+          <a:p>
+            <a:pPr lvl="4"/>
+            <a:r>
+              <a:rPr lang="en-US"/>
+              <a:t>Fifth level</a:t>
+            </a:r>
+            <a:endParaRPr lang="sv-SE" dirty="0"/>
+          </a:p>
+        </p:txBody>
+      </p:sp>
+      <p:sp>
+        <p:nvSpPr>
+          <p:cNvPr id="4" name="Content Placeholder 3"/>
+          <p:cNvSpPr>
+            <a:spLocks noGrp="1"/>
+          </p:cNvSpPr>
+          <p:nvPr>
+            <p:ph sz="half" idx="2"/>
+          </p:nvPr>
+        </p:nvSpPr>
+        <p:spPr>
+          <a:xfrm>
+            <a:off x="4648200" y="1484313"/>
+            <a:ext cx="4100513" cy="4608512"/>
+          </a:xfrm>
+        </p:spPr>
+        <p:txBody>
+          <a:bodyPr/>
+          <a:lstStyle>
+            <a:lvl1pPr>
+              <a:defRPr sz="2800"/>
+            </a:lvl1pPr>
+            <a:lvl2pPr>
+              <a:defRPr sz="2400"/>
+            </a:lvl2pPr>
+            <a:lvl3pPr>
+              <a:defRPr sz="2000"/>
+            </a:lvl3pPr>
+            <a:lvl4pPr>
+              <a:defRPr sz="1800"/>
+            </a:lvl4pPr>
+            <a:lvl5pPr>
+              <a:defRPr sz="1800"/>
+            </a:lvl5pPr>
+            <a:lvl6pPr>
+              <a:defRPr sz="1800"/>
+            </a:lvl6pPr>
+            <a:lvl7pPr>
+              <a:defRPr sz="1800"/>
+            </a:lvl7pPr>
+            <a:lvl8pPr>
+              <a:defRPr sz="1800"/>
+            </a:lvl8pPr>
+            <a:lvl9pPr>
+              <a:defRPr sz="1800"/>
+            </a:lvl9pPr>
+          </a:lstStyle>
+          <a:p>
+            <a:pPr lvl="0"/>
+            <a:r>
+              <a:rPr lang="en-US"/>
+              <a:t>Edit Master text styles</a:t>
+            </a:r>
+          </a:p>
+          <a:p>
+            <a:pPr lvl="1"/>
+            <a:r>
+              <a:rPr lang="en-US"/>
+              <a:t>Second level</a:t>
+            </a:r>
+          </a:p>
+          <a:p>
+            <a:pPr lvl="2"/>
+            <a:r>
+              <a:rPr lang="en-US"/>
+              <a:t>Third level</a:t>
+            </a:r>
+          </a:p>
+          <a:p>
+            <a:pPr lvl="3"/>
+            <a:r>
+              <a:rPr lang="en-US"/>
+              <a:t>Fourth level</a:t>
+            </a:r>
+          </a:p>
+          <a:p>
+            <a:pPr lvl="4"/>
+            <a:r>
+              <a:rPr lang="en-US"/>
+              <a:t>Fifth level</a:t>
+            </a:r>
+            <a:endParaRPr lang="sv-SE" dirty="0"/>
+          </a:p>
+        </p:txBody>
+      </p:sp>
+    </p:spTree>
+    <p:extLst>
+      <p:ext uri="{BB962C8B-B14F-4D97-AF65-F5344CB8AC3E}">
+        <p14:creationId xmlns:p14="http://schemas.microsoft.com/office/powerpoint/2010/main" val="2272578135"/>
+      </p:ext>
+    </p:extLst>
+  </p:cSld>
+  <p:clrMapOvr>
+    <a:masterClrMapping/>
+  </p:clrMapOvr>
+</p:sldLayout>
+</file>
+
+<file path=ppt/slideLayouts/slideLayout16.xml><?xml version="1.0" encoding="utf-8"?>
+<p:sldLayout xmlns:a="http://schemas.openxmlformats.org/drawingml/2006/main" xmlns:r="http://schemas.openxmlformats.org/officeDocument/2006/relationships" xmlns:p="http://schemas.openxmlformats.org/presentationml/2006/main" type="twoTxTwoObj" preserve="1">
+  <p:cSld name="Jämförelse">
+    <p:spTree>
+      <p:nvGrpSpPr>
+        <p:cNvPr id="1" name=""/>
+        <p:cNvGrpSpPr/>
+        <p:nvPr/>
+      </p:nvGrpSpPr>
+      <p:grpSpPr>
+        <a:xfrm>
+          <a:off x="0" y="0"/>
+          <a:ext cx="0" cy="0"/>
+          <a:chOff x="0" y="0"/>
+          <a:chExt cx="0" cy="0"/>
+        </a:xfrm>
+      </p:grpSpPr>
+      <p:sp>
+        <p:nvSpPr>
+          <p:cNvPr id="2" name="Title 1"/>
+          <p:cNvSpPr>
+            <a:spLocks noGrp="1"/>
+          </p:cNvSpPr>
+          <p:nvPr>
+            <p:ph type="title"/>
+          </p:nvPr>
+        </p:nvSpPr>
+        <p:spPr>
+          <a:xfrm>
+            <a:off x="457200" y="274638"/>
+            <a:ext cx="8229600" cy="1143000"/>
+          </a:xfrm>
+        </p:spPr>
+        <p:txBody>
+          <a:bodyPr/>
+          <a:lstStyle>
+            <a:lvl1pPr>
+              <a:defRPr/>
+            </a:lvl1pPr>
+          </a:lstStyle>
+          <a:p>
+            <a:r>
+              <a:rPr lang="en-US"/>
+              <a:t>Click to edit Master title style</a:t>
+            </a:r>
+            <a:endParaRPr lang="sv-SE"/>
+          </a:p>
+        </p:txBody>
+      </p:sp>
+      <p:sp>
+        <p:nvSpPr>
+          <p:cNvPr id="3" name="Text Placeholder 2"/>
+          <p:cNvSpPr>
+            <a:spLocks noGrp="1"/>
+          </p:cNvSpPr>
+          <p:nvPr>
+            <p:ph type="body" idx="1"/>
+          </p:nvPr>
+        </p:nvSpPr>
+        <p:spPr>
+          <a:xfrm>
+            <a:off x="457200" y="1535113"/>
+            <a:ext cx="4040188" cy="639762"/>
+          </a:xfrm>
+        </p:spPr>
+        <p:txBody>
+          <a:bodyPr anchor="b"/>
+          <a:lstStyle>
+            <a:lvl1pPr marL="0" indent="0">
+              <a:buNone/>
+              <a:defRPr sz="2400" b="1"/>
+            </a:lvl1pPr>
+            <a:lvl2pPr marL="457200" indent="0">
+              <a:buNone/>
+              <a:defRPr sz="2000" b="1"/>
+            </a:lvl2pPr>
+            <a:lvl3pPr marL="914400" indent="0">
+              <a:buNone/>
+              <a:defRPr sz="1800" b="1"/>
+            </a:lvl3pPr>
+            <a:lvl4pPr marL="1371600" indent="0">
+              <a:buNone/>
+              <a:defRPr sz="1600" b="1"/>
+            </a:lvl4pPr>
+            <a:lvl5pPr marL="1828800" indent="0">
+              <a:buNone/>
+              <a:defRPr sz="1600" b="1"/>
+            </a:lvl5pPr>
+            <a:lvl6pPr marL="2286000" indent="0">
+              <a:buNone/>
+              <a:defRPr sz="1600" b="1"/>
+            </a:lvl6pPr>
+            <a:lvl7pPr marL="2743200" indent="0">
+              <a:buNone/>
+              <a:defRPr sz="1600" b="1"/>
+            </a:lvl7pPr>
+            <a:lvl8pPr marL="3200400" indent="0">
+              <a:buNone/>
+              <a:defRPr sz="1600" b="1"/>
+            </a:lvl8pPr>
+            <a:lvl9pPr marL="3657600" indent="0">
+              <a:buNone/>
+              <a:defRPr sz="1600" b="1"/>
+            </a:lvl9pPr>
+          </a:lstStyle>
+          <a:p>
+            <a:pPr lvl="0"/>
+            <a:r>
+              <a:rPr lang="en-US"/>
+              <a:t>Edit Master text styles</a:t>
+            </a:r>
+          </a:p>
+        </p:txBody>
+      </p:sp>
+      <p:sp>
+        <p:nvSpPr>
+          <p:cNvPr id="4" name="Content Placeholder 3"/>
+          <p:cNvSpPr>
+            <a:spLocks noGrp="1"/>
+          </p:cNvSpPr>
+          <p:nvPr>
+            <p:ph sz="half" idx="2"/>
+          </p:nvPr>
+        </p:nvSpPr>
+        <p:spPr>
+          <a:xfrm>
+            <a:off x="457200" y="2174875"/>
+            <a:ext cx="4040188" cy="3951288"/>
+          </a:xfrm>
+        </p:spPr>
+        <p:txBody>
+          <a:bodyPr/>
+          <a:lstStyle>
+            <a:lvl1pPr>
+              <a:defRPr sz="2400"/>
+            </a:lvl1pPr>
+            <a:lvl2pPr>
+              <a:defRPr sz="2000"/>
+            </a:lvl2pPr>
+            <a:lvl3pPr>
+              <a:defRPr sz="1800"/>
+            </a:lvl3pPr>
+            <a:lvl4pPr>
+              <a:defRPr sz="1600"/>
+            </a:lvl4pPr>
+            <a:lvl5pPr>
+              <a:defRPr sz="1600"/>
+            </a:lvl5pPr>
+            <a:lvl6pPr>
+              <a:defRPr sz="1600"/>
+            </a:lvl6pPr>
+            <a:lvl7pPr>
+              <a:defRPr sz="1600"/>
+            </a:lvl7pPr>
+            <a:lvl8pPr>
+              <a:defRPr sz="1600"/>
+            </a:lvl8pPr>
+            <a:lvl9pPr>
+              <a:defRPr sz="1600"/>
+            </a:lvl9pPr>
+          </a:lstStyle>
+          <a:p>
+            <a:pPr lvl="0"/>
+            <a:r>
+              <a:rPr lang="en-US"/>
+              <a:t>Edit Master text styles</a:t>
+            </a:r>
+          </a:p>
+          <a:p>
+            <a:pPr lvl="1"/>
+            <a:r>
+              <a:rPr lang="en-US"/>
+              <a:t>Second level</a:t>
+            </a:r>
+          </a:p>
+          <a:p>
+            <a:pPr lvl="2"/>
+            <a:r>
+              <a:rPr lang="en-US"/>
+              <a:t>Third level</a:t>
+            </a:r>
+          </a:p>
+          <a:p>
+            <a:pPr lvl="3"/>
+            <a:r>
+              <a:rPr lang="en-US"/>
+              <a:t>Fourth level</a:t>
+            </a:r>
+          </a:p>
+          <a:p>
+            <a:pPr lvl="4"/>
+            <a:r>
+              <a:rPr lang="en-US"/>
+              <a:t>Fifth level</a:t>
+            </a:r>
+            <a:endParaRPr lang="sv-SE" dirty="0"/>
+          </a:p>
+        </p:txBody>
+      </p:sp>
+      <p:sp>
+        <p:nvSpPr>
+          <p:cNvPr id="5" name="Text Placeholder 4"/>
+          <p:cNvSpPr>
+            <a:spLocks noGrp="1"/>
+          </p:cNvSpPr>
+          <p:nvPr>
+            <p:ph type="body" sz="quarter" idx="3"/>
+          </p:nvPr>
+        </p:nvSpPr>
+        <p:spPr>
+          <a:xfrm>
+            <a:off x="4645025" y="1535113"/>
+            <a:ext cx="4041775" cy="639762"/>
+          </a:xfrm>
+        </p:spPr>
+        <p:txBody>
+          <a:bodyPr anchor="b"/>
+          <a:lstStyle>
+            <a:lvl1pPr marL="0" indent="0">
+              <a:buNone/>
+              <a:defRPr sz="2400" b="1"/>
+            </a:lvl1pPr>
+            <a:lvl2pPr marL="457200" indent="0">
+              <a:buNone/>
+              <a:defRPr sz="2000" b="1"/>
+            </a:lvl2pPr>
+            <a:lvl3pPr marL="914400" indent="0">
+              <a:buNone/>
+              <a:defRPr sz="1800" b="1"/>
+            </a:lvl3pPr>
+            <a:lvl4pPr marL="1371600" indent="0">
+              <a:buNone/>
+              <a:defRPr sz="1600" b="1"/>
+            </a:lvl4pPr>
+            <a:lvl5pPr marL="1828800" indent="0">
+              <a:buNone/>
+              <a:defRPr sz="1600" b="1"/>
+            </a:lvl5pPr>
+            <a:lvl6pPr marL="2286000" indent="0">
+              <a:buNone/>
+              <a:defRPr sz="1600" b="1"/>
+            </a:lvl6pPr>
+            <a:lvl7pPr marL="2743200" indent="0">
+              <a:buNone/>
+              <a:defRPr sz="1600" b="1"/>
+            </a:lvl7pPr>
+            <a:lvl8pPr marL="3200400" indent="0">
+              <a:buNone/>
+              <a:defRPr sz="1600" b="1"/>
+            </a:lvl8pPr>
+            <a:lvl9pPr marL="3657600" indent="0">
+              <a:buNone/>
+              <a:defRPr sz="1600" b="1"/>
+            </a:lvl9pPr>
+          </a:lstStyle>
+          <a:p>
+            <a:pPr lvl="0"/>
+            <a:r>
+              <a:rPr lang="en-US"/>
+              <a:t>Edit Master text styles</a:t>
+            </a:r>
+          </a:p>
+        </p:txBody>
+      </p:sp>
+      <p:sp>
+        <p:nvSpPr>
+          <p:cNvPr id="6" name="Content Placeholder 5"/>
+          <p:cNvSpPr>
+            <a:spLocks noGrp="1"/>
+          </p:cNvSpPr>
+          <p:nvPr>
+            <p:ph sz="quarter" idx="4"/>
+          </p:nvPr>
+        </p:nvSpPr>
+        <p:spPr>
+          <a:xfrm>
+            <a:off x="4645025" y="2174875"/>
+            <a:ext cx="4041775" cy="3951288"/>
+          </a:xfrm>
+        </p:spPr>
+        <p:txBody>
+          <a:bodyPr/>
+          <a:lstStyle>
+            <a:lvl1pPr>
+              <a:defRPr sz="2400"/>
+            </a:lvl1pPr>
+            <a:lvl2pPr>
+              <a:defRPr sz="2000"/>
+            </a:lvl2pPr>
+            <a:lvl3pPr>
+              <a:defRPr sz="1800"/>
+            </a:lvl3pPr>
+            <a:lvl4pPr>
+              <a:defRPr sz="1600"/>
+            </a:lvl4pPr>
+            <a:lvl5pPr>
+              <a:defRPr sz="1600"/>
+            </a:lvl5pPr>
+            <a:lvl6pPr>
+              <a:defRPr sz="1600"/>
+            </a:lvl6pPr>
+            <a:lvl7pPr>
+              <a:defRPr sz="1600"/>
+            </a:lvl7pPr>
+            <a:lvl8pPr>
+              <a:defRPr sz="1600"/>
+            </a:lvl8pPr>
+            <a:lvl9pPr>
+              <a:defRPr sz="1600"/>
+            </a:lvl9pPr>
+          </a:lstStyle>
+          <a:p>
+            <a:pPr lvl="0"/>
+            <a:r>
+              <a:rPr lang="en-US"/>
+              <a:t>Edit Master text styles</a:t>
+            </a:r>
+          </a:p>
+          <a:p>
+            <a:pPr lvl="1"/>
+            <a:r>
+              <a:rPr lang="en-US"/>
+              <a:t>Second level</a:t>
+            </a:r>
+          </a:p>
+          <a:p>
+            <a:pPr lvl="2"/>
+            <a:r>
+              <a:rPr lang="en-US"/>
+              <a:t>Third level</a:t>
+            </a:r>
+          </a:p>
+          <a:p>
+            <a:pPr lvl="3"/>
+            <a:r>
+              <a:rPr lang="en-US"/>
+              <a:t>Fourth level</a:t>
+            </a:r>
+          </a:p>
+          <a:p>
+            <a:pPr lvl="4"/>
+            <a:r>
+              <a:rPr lang="en-US"/>
+              <a:t>Fifth level</a:t>
+            </a:r>
+            <a:endParaRPr lang="sv-SE" dirty="0"/>
+          </a:p>
+        </p:txBody>
+      </p:sp>
+    </p:spTree>
+    <p:extLst>
+      <p:ext uri="{BB962C8B-B14F-4D97-AF65-F5344CB8AC3E}">
+        <p14:creationId xmlns:p14="http://schemas.microsoft.com/office/powerpoint/2010/main" val="3793181792"/>
+      </p:ext>
+    </p:extLst>
+  </p:cSld>
+  <p:clrMapOvr>
+    <a:masterClrMapping/>
+  </p:clrMapOvr>
+</p:sldLayout>
+</file>
+
+<file path=ppt/slideLayouts/slideLayout17.xml><?xml version="1.0" encoding="utf-8"?>
+<p:sldLayout xmlns:a="http://schemas.openxmlformats.org/drawingml/2006/main" xmlns:r="http://schemas.openxmlformats.org/officeDocument/2006/relationships" xmlns:p="http://schemas.openxmlformats.org/presentationml/2006/main" type="titleOnly" preserve="1">
+  <p:cSld name="Endast rubrik">
+    <p:spTree>
+      <p:nvGrpSpPr>
+        <p:cNvPr id="1" name=""/>
+        <p:cNvGrpSpPr/>
+        <p:nvPr/>
+      </p:nvGrpSpPr>
+      <p:grpSpPr>
+        <a:xfrm>
+          <a:off x="0" y="0"/>
+          <a:ext cx="0" cy="0"/>
+          <a:chOff x="0" y="0"/>
+          <a:chExt cx="0" cy="0"/>
+        </a:xfrm>
+      </p:grpSpPr>
+      <p:sp>
+        <p:nvSpPr>
+          <p:cNvPr id="2" name="Title 1"/>
+          <p:cNvSpPr>
+            <a:spLocks noGrp="1"/>
+          </p:cNvSpPr>
+          <p:nvPr>
+            <p:ph type="title"/>
+          </p:nvPr>
+        </p:nvSpPr>
+        <p:spPr/>
+        <p:txBody>
+          <a:bodyPr/>
+          <a:lstStyle/>
+          <a:p>
+            <a:r>
+              <a:rPr lang="en-US"/>
+              <a:t>Click to edit Master title style</a:t>
+            </a:r>
+            <a:endParaRPr lang="sv-SE"/>
+          </a:p>
+        </p:txBody>
+      </p:sp>
+    </p:spTree>
+    <p:extLst>
+      <p:ext uri="{BB962C8B-B14F-4D97-AF65-F5344CB8AC3E}">
+        <p14:creationId xmlns:p14="http://schemas.microsoft.com/office/powerpoint/2010/main" val="957362350"/>
+      </p:ext>
+    </p:extLst>
+  </p:cSld>
+  <p:clrMapOvr>
+    <a:masterClrMapping/>
+  </p:clrMapOvr>
+</p:sldLayout>
+</file>
+
+<file path=ppt/slideLayouts/slideLayout18.xml><?xml version="1.0" encoding="utf-8"?>
+<p:sldLayout xmlns:a="http://schemas.openxmlformats.org/drawingml/2006/main" xmlns:r="http://schemas.openxmlformats.org/officeDocument/2006/relationships" xmlns:p="http://schemas.openxmlformats.org/presentationml/2006/main" type="titleOnly" preserve="1">
+  <p:cSld name="Endast rubrik utan logga">
+    <p:spTree>
+      <p:nvGrpSpPr>
+        <p:cNvPr id="1" name=""/>
+        <p:cNvGrpSpPr/>
+        <p:nvPr/>
+      </p:nvGrpSpPr>
+      <p:grpSpPr>
+        <a:xfrm>
+          <a:off x="0" y="0"/>
+          <a:ext cx="0" cy="0"/>
+          <a:chOff x="0" y="0"/>
+          <a:chExt cx="0" cy="0"/>
+        </a:xfrm>
+      </p:grpSpPr>
+      <p:sp>
+        <p:nvSpPr>
+          <p:cNvPr id="2" name="Title 1"/>
+          <p:cNvSpPr>
+            <a:spLocks noGrp="1"/>
+          </p:cNvSpPr>
+          <p:nvPr>
+            <p:ph type="title"/>
+          </p:nvPr>
+        </p:nvSpPr>
+        <p:spPr/>
+        <p:txBody>
+          <a:bodyPr/>
+          <a:lstStyle/>
+          <a:p>
+            <a:r>
+              <a:rPr lang="en-US"/>
+              <a:t>Click to edit Master title style</a:t>
+            </a:r>
+            <a:endParaRPr lang="sv-SE"/>
+          </a:p>
+        </p:txBody>
+      </p:sp>
+      <p:sp>
+        <p:nvSpPr>
+          <p:cNvPr id="3" name="Rectangle 2"/>
+          <p:cNvSpPr/>
+          <p:nvPr/>
+        </p:nvSpPr>
+        <p:spPr bwMode="auto">
+          <a:xfrm>
+            <a:off x="7040947" y="5974854"/>
+            <a:ext cx="2088232" cy="864096"/>
+          </a:xfrm>
+          <a:prstGeom prst="rect">
+            <a:avLst/>
+          </a:prstGeom>
+          <a:solidFill>
+            <a:schemeClr val="accent3"/>
+          </a:solidFill>
+          <a:ln w="9525" cap="flat" cmpd="sng" algn="ctr">
+            <a:solidFill>
+              <a:schemeClr val="bg1"/>
+            </a:solidFill>
+            <a:prstDash val="solid"/>
+            <a:round/>
+            <a:headEnd type="none" w="med" len="med"/>
+            <a:tailEnd type="none" w="med" len="med"/>
+          </a:ln>
+          <a:effectLst/>
+        </p:spPr>
+        <p:txBody>
+          <a:bodyPr vert="horz" wrap="none" lIns="0" tIns="0" rIns="0" bIns="0" numCol="1" rtlCol="0" anchor="ctr" anchorCtr="0" compatLnSpc="1">
+            <a:prstTxWarp prst="textNoShape">
+              <a:avLst/>
+            </a:prstTxWarp>
+          </a:bodyPr>
+          <a:lstStyle/>
+          <a:p>
+            <a:pPr marL="0" marR="0" indent="0" algn="ctr" defTabSz="914400" rtl="0" eaLnBrk="1" fontAlgn="base" latinLnBrk="0" hangingPunct="1">
+              <a:lnSpc>
+                <a:spcPct val="100000"/>
+              </a:lnSpc>
+              <a:spcBef>
+                <a:spcPct val="0"/>
+              </a:spcBef>
+              <a:spcAft>
+                <a:spcPct val="0"/>
+              </a:spcAft>
+              <a:buClr>
+                <a:schemeClr val="bg2"/>
+              </a:buClr>
+              <a:buSzTx/>
+              <a:buFontTx/>
+              <a:buNone/>
+              <a:tabLst/>
+            </a:pPr>
+            <a:endParaRPr kumimoji="0" lang="sv-SE" sz="1600" b="0" i="0" u="none" strike="noStrike" cap="none" normalizeH="0" baseline="0">
+              <a:ln>
+                <a:noFill/>
+              </a:ln>
+              <a:solidFill>
+                <a:schemeClr val="tx1"/>
+              </a:solidFill>
+              <a:effectLst/>
+              <a:latin typeface="Arial" charset="0"/>
+            </a:endParaRPr>
+          </a:p>
+        </p:txBody>
+      </p:sp>
+    </p:spTree>
+    <p:extLst>
+      <p:ext uri="{BB962C8B-B14F-4D97-AF65-F5344CB8AC3E}">
+        <p14:creationId xmlns:p14="http://schemas.microsoft.com/office/powerpoint/2010/main" val="3626214931"/>
+      </p:ext>
+    </p:extLst>
+  </p:cSld>
+  <p:clrMapOvr>
+    <a:masterClrMapping/>
+  </p:clrMapOvr>
+</p:sldLayout>
+</file>
+
+<file path=ppt/slideLayouts/slideLayout19.xml><?xml version="1.0" encoding="utf-8"?>
+<p:sldLayout xmlns:a="http://schemas.openxmlformats.org/drawingml/2006/main" xmlns:r="http://schemas.openxmlformats.org/officeDocument/2006/relationships" xmlns:p="http://schemas.openxmlformats.org/presentationml/2006/main" type="blank" preserve="1">
+  <p:cSld name="Tom">
+    <p:spTree>
+      <p:nvGrpSpPr>
+        <p:cNvPr id="1" name=""/>
+        <p:cNvGrpSpPr/>
+        <p:nvPr/>
+      </p:nvGrpSpPr>
+      <p:grpSpPr>
+        <a:xfrm>
+          <a:off x="0" y="0"/>
+          <a:ext cx="0" cy="0"/>
+          <a:chOff x="0" y="0"/>
+          <a:chExt cx="0" cy="0"/>
+        </a:xfrm>
+      </p:grpSpPr>
+    </p:spTree>
+    <p:extLst>
+      <p:ext uri="{BB962C8B-B14F-4D97-AF65-F5344CB8AC3E}">
+        <p14:creationId xmlns:p14="http://schemas.microsoft.com/office/powerpoint/2010/main" val="2945923742"/>
       </p:ext>
     </p:extLst>
   </p:cSld>
@@ -9952,7 +11306,7 @@
           <a:p>
             <a:fld id="{9006E132-D9FA-4DA9-BFA1-F907AC5B7515}" type="datetimeFigureOut">
               <a:rPr lang="en-US" smtClean="0"/>
-              <a:t>12/13/2016</a:t>
+              <a:t>12/16/2016</a:t>
             </a:fld>
             <a:endParaRPr lang="en-US"/>
           </a:p>
@@ -10004,6 +11358,1062 @@
     <p:extLst>
       <p:ext uri="{BB962C8B-B14F-4D97-AF65-F5344CB8AC3E}">
         <p14:creationId xmlns:p14="http://schemas.microsoft.com/office/powerpoint/2010/main" val="1660172593"/>
+      </p:ext>
+    </p:extLst>
+  </p:cSld>
+  <p:clrMapOvr>
+    <a:masterClrMapping/>
+  </p:clrMapOvr>
+</p:sldLayout>
+</file>
+
+<file path=ppt/slideLayouts/slideLayout20.xml><?xml version="1.0" encoding="utf-8"?>
+<p:sldLayout xmlns:a="http://schemas.openxmlformats.org/drawingml/2006/main" xmlns:r="http://schemas.openxmlformats.org/officeDocument/2006/relationships" xmlns:p="http://schemas.openxmlformats.org/presentationml/2006/main" showMasterSp="0" type="titleOnly" preserve="1">
+  <p:cSld name="Helt tom med rubrik">
+    <p:spTree>
+      <p:nvGrpSpPr>
+        <p:cNvPr id="1" name=""/>
+        <p:cNvGrpSpPr/>
+        <p:nvPr/>
+      </p:nvGrpSpPr>
+      <p:grpSpPr>
+        <a:xfrm>
+          <a:off x="0" y="0"/>
+          <a:ext cx="0" cy="0"/>
+          <a:chOff x="0" y="0"/>
+          <a:chExt cx="0" cy="0"/>
+        </a:xfrm>
+      </p:grpSpPr>
+      <p:sp>
+        <p:nvSpPr>
+          <p:cNvPr id="2" name="Title 1"/>
+          <p:cNvSpPr>
+            <a:spLocks noGrp="1"/>
+          </p:cNvSpPr>
+          <p:nvPr>
+            <p:ph type="title"/>
+          </p:nvPr>
+        </p:nvSpPr>
+        <p:spPr/>
+        <p:txBody>
+          <a:bodyPr/>
+          <a:lstStyle/>
+          <a:p>
+            <a:r>
+              <a:rPr lang="en-US"/>
+              <a:t>Click to edit Master title style</a:t>
+            </a:r>
+            <a:endParaRPr lang="sv-SE"/>
+          </a:p>
+        </p:txBody>
+      </p:sp>
+    </p:spTree>
+    <p:extLst>
+      <p:ext uri="{BB962C8B-B14F-4D97-AF65-F5344CB8AC3E}">
+        <p14:creationId xmlns:p14="http://schemas.microsoft.com/office/powerpoint/2010/main" val="2620107238"/>
+      </p:ext>
+    </p:extLst>
+  </p:cSld>
+  <p:clrMapOvr>
+    <a:masterClrMapping/>
+  </p:clrMapOvr>
+</p:sldLayout>
+</file>
+
+<file path=ppt/slideLayouts/slideLayout21.xml><?xml version="1.0" encoding="utf-8"?>
+<p:sldLayout xmlns:a="http://schemas.openxmlformats.org/drawingml/2006/main" xmlns:r="http://schemas.openxmlformats.org/officeDocument/2006/relationships" xmlns:p="http://schemas.openxmlformats.org/presentationml/2006/main" showMasterSp="0" type="blank" preserve="1">
+  <p:cSld name="HeltTom">
+    <p:spTree>
+      <p:nvGrpSpPr>
+        <p:cNvPr id="1" name=""/>
+        <p:cNvGrpSpPr/>
+        <p:nvPr/>
+      </p:nvGrpSpPr>
+      <p:grpSpPr>
+        <a:xfrm>
+          <a:off x="0" y="0"/>
+          <a:ext cx="0" cy="0"/>
+          <a:chOff x="0" y="0"/>
+          <a:chExt cx="0" cy="0"/>
+        </a:xfrm>
+      </p:grpSpPr>
+    </p:spTree>
+    <p:extLst>
+      <p:ext uri="{BB962C8B-B14F-4D97-AF65-F5344CB8AC3E}">
+        <p14:creationId xmlns:p14="http://schemas.microsoft.com/office/powerpoint/2010/main" val="351833001"/>
+      </p:ext>
+    </p:extLst>
+  </p:cSld>
+  <p:clrMapOvr>
+    <a:masterClrMapping/>
+  </p:clrMapOvr>
+</p:sldLayout>
+</file>
+
+<file path=ppt/slideLayouts/slideLayout22.xml><?xml version="1.0" encoding="utf-8"?>
+<p:sldLayout xmlns:a="http://schemas.openxmlformats.org/drawingml/2006/main" xmlns:r="http://schemas.openxmlformats.org/officeDocument/2006/relationships" xmlns:p="http://schemas.openxmlformats.org/presentationml/2006/main" type="objTx" preserve="1">
+  <p:cSld name="Innehåll med bildtext">
+    <p:spTree>
+      <p:nvGrpSpPr>
+        <p:cNvPr id="1" name=""/>
+        <p:cNvGrpSpPr/>
+        <p:nvPr/>
+      </p:nvGrpSpPr>
+      <p:grpSpPr>
+        <a:xfrm>
+          <a:off x="0" y="0"/>
+          <a:ext cx="0" cy="0"/>
+          <a:chOff x="0" y="0"/>
+          <a:chExt cx="0" cy="0"/>
+        </a:xfrm>
+      </p:grpSpPr>
+      <p:sp>
+        <p:nvSpPr>
+          <p:cNvPr id="2" name="Title 1"/>
+          <p:cNvSpPr>
+            <a:spLocks noGrp="1"/>
+          </p:cNvSpPr>
+          <p:nvPr>
+            <p:ph type="title"/>
+          </p:nvPr>
+        </p:nvSpPr>
+        <p:spPr>
+          <a:xfrm>
+            <a:off x="457200" y="273050"/>
+            <a:ext cx="3008313" cy="1162050"/>
+          </a:xfrm>
+        </p:spPr>
+        <p:txBody>
+          <a:bodyPr anchor="b"/>
+          <a:lstStyle>
+            <a:lvl1pPr algn="l">
+              <a:defRPr sz="2000" b="1"/>
+            </a:lvl1pPr>
+          </a:lstStyle>
+          <a:p>
+            <a:r>
+              <a:rPr lang="en-US"/>
+              <a:t>Click to edit Master title style</a:t>
+            </a:r>
+            <a:endParaRPr lang="sv-SE"/>
+          </a:p>
+        </p:txBody>
+      </p:sp>
+      <p:sp>
+        <p:nvSpPr>
+          <p:cNvPr id="3" name="Content Placeholder 2"/>
+          <p:cNvSpPr>
+            <a:spLocks noGrp="1"/>
+          </p:cNvSpPr>
+          <p:nvPr>
+            <p:ph idx="1"/>
+          </p:nvPr>
+        </p:nvSpPr>
+        <p:spPr>
+          <a:xfrm>
+            <a:off x="3575050" y="273050"/>
+            <a:ext cx="5111750" cy="5853113"/>
+          </a:xfrm>
+        </p:spPr>
+        <p:txBody>
+          <a:bodyPr/>
+          <a:lstStyle>
+            <a:lvl1pPr>
+              <a:defRPr sz="3200"/>
+            </a:lvl1pPr>
+            <a:lvl2pPr>
+              <a:defRPr sz="2800"/>
+            </a:lvl2pPr>
+            <a:lvl3pPr>
+              <a:defRPr sz="2400"/>
+            </a:lvl3pPr>
+            <a:lvl4pPr>
+              <a:defRPr sz="2000"/>
+            </a:lvl4pPr>
+            <a:lvl5pPr>
+              <a:defRPr sz="2000"/>
+            </a:lvl5pPr>
+            <a:lvl6pPr>
+              <a:defRPr sz="2000"/>
+            </a:lvl6pPr>
+            <a:lvl7pPr>
+              <a:defRPr sz="2000"/>
+            </a:lvl7pPr>
+            <a:lvl8pPr>
+              <a:defRPr sz="2000"/>
+            </a:lvl8pPr>
+            <a:lvl9pPr>
+              <a:defRPr sz="2000"/>
+            </a:lvl9pPr>
+          </a:lstStyle>
+          <a:p>
+            <a:pPr lvl="0"/>
+            <a:r>
+              <a:rPr lang="en-US"/>
+              <a:t>Edit Master text styles</a:t>
+            </a:r>
+          </a:p>
+          <a:p>
+            <a:pPr lvl="1"/>
+            <a:r>
+              <a:rPr lang="en-US"/>
+              <a:t>Second level</a:t>
+            </a:r>
+          </a:p>
+          <a:p>
+            <a:pPr lvl="2"/>
+            <a:r>
+              <a:rPr lang="en-US"/>
+              <a:t>Third level</a:t>
+            </a:r>
+          </a:p>
+          <a:p>
+            <a:pPr lvl="3"/>
+            <a:r>
+              <a:rPr lang="en-US"/>
+              <a:t>Fourth level</a:t>
+            </a:r>
+          </a:p>
+          <a:p>
+            <a:pPr lvl="4"/>
+            <a:r>
+              <a:rPr lang="en-US"/>
+              <a:t>Fifth level</a:t>
+            </a:r>
+            <a:endParaRPr lang="sv-SE"/>
+          </a:p>
+        </p:txBody>
+      </p:sp>
+      <p:sp>
+        <p:nvSpPr>
+          <p:cNvPr id="4" name="Text Placeholder 3"/>
+          <p:cNvSpPr>
+            <a:spLocks noGrp="1"/>
+          </p:cNvSpPr>
+          <p:nvPr>
+            <p:ph type="body" sz="half" idx="2"/>
+          </p:nvPr>
+        </p:nvSpPr>
+        <p:spPr>
+          <a:xfrm>
+            <a:off x="457200" y="1435100"/>
+            <a:ext cx="3008313" cy="4691063"/>
+          </a:xfrm>
+        </p:spPr>
+        <p:txBody>
+          <a:bodyPr/>
+          <a:lstStyle>
+            <a:lvl1pPr marL="0" indent="0">
+              <a:buNone/>
+              <a:defRPr sz="1400"/>
+            </a:lvl1pPr>
+            <a:lvl2pPr marL="457200" indent="0">
+              <a:buNone/>
+              <a:defRPr sz="1200"/>
+            </a:lvl2pPr>
+            <a:lvl3pPr marL="914400" indent="0">
+              <a:buNone/>
+              <a:defRPr sz="1000"/>
+            </a:lvl3pPr>
+            <a:lvl4pPr marL="1371600" indent="0">
+              <a:buNone/>
+              <a:defRPr sz="900"/>
+            </a:lvl4pPr>
+            <a:lvl5pPr marL="1828800" indent="0">
+              <a:buNone/>
+              <a:defRPr sz="900"/>
+            </a:lvl5pPr>
+            <a:lvl6pPr marL="2286000" indent="0">
+              <a:buNone/>
+              <a:defRPr sz="900"/>
+            </a:lvl6pPr>
+            <a:lvl7pPr marL="2743200" indent="0">
+              <a:buNone/>
+              <a:defRPr sz="900"/>
+            </a:lvl7pPr>
+            <a:lvl8pPr marL="3200400" indent="0">
+              <a:buNone/>
+              <a:defRPr sz="900"/>
+            </a:lvl8pPr>
+            <a:lvl9pPr marL="3657600" indent="0">
+              <a:buNone/>
+              <a:defRPr sz="900"/>
+            </a:lvl9pPr>
+          </a:lstStyle>
+          <a:p>
+            <a:pPr lvl="0"/>
+            <a:r>
+              <a:rPr lang="en-US"/>
+              <a:t>Edit Master text styles</a:t>
+            </a:r>
+          </a:p>
+        </p:txBody>
+      </p:sp>
+    </p:spTree>
+    <p:extLst>
+      <p:ext uri="{BB962C8B-B14F-4D97-AF65-F5344CB8AC3E}">
+        <p14:creationId xmlns:p14="http://schemas.microsoft.com/office/powerpoint/2010/main" val="4049489823"/>
+      </p:ext>
+    </p:extLst>
+  </p:cSld>
+  <p:clrMapOvr>
+    <a:masterClrMapping/>
+  </p:clrMapOvr>
+</p:sldLayout>
+</file>
+
+<file path=ppt/slideLayouts/slideLayout23.xml><?xml version="1.0" encoding="utf-8"?>
+<p:sldLayout xmlns:a="http://schemas.openxmlformats.org/drawingml/2006/main" xmlns:r="http://schemas.openxmlformats.org/officeDocument/2006/relationships" xmlns:p="http://schemas.openxmlformats.org/presentationml/2006/main" type="picTx" preserve="1">
+  <p:cSld name="Bild med bildtext">
+    <p:spTree>
+      <p:nvGrpSpPr>
+        <p:cNvPr id="1" name=""/>
+        <p:cNvGrpSpPr/>
+        <p:nvPr/>
+      </p:nvGrpSpPr>
+      <p:grpSpPr>
+        <a:xfrm>
+          <a:off x="0" y="0"/>
+          <a:ext cx="0" cy="0"/>
+          <a:chOff x="0" y="0"/>
+          <a:chExt cx="0" cy="0"/>
+        </a:xfrm>
+      </p:grpSpPr>
+      <p:sp>
+        <p:nvSpPr>
+          <p:cNvPr id="2" name="Title 1"/>
+          <p:cNvSpPr>
+            <a:spLocks noGrp="1"/>
+          </p:cNvSpPr>
+          <p:nvPr>
+            <p:ph type="title"/>
+          </p:nvPr>
+        </p:nvSpPr>
+        <p:spPr>
+          <a:xfrm>
+            <a:off x="1792288" y="4800600"/>
+            <a:ext cx="5486400" cy="566738"/>
+          </a:xfrm>
+        </p:spPr>
+        <p:txBody>
+          <a:bodyPr anchor="b"/>
+          <a:lstStyle>
+            <a:lvl1pPr algn="l">
+              <a:defRPr sz="2000" b="1"/>
+            </a:lvl1pPr>
+          </a:lstStyle>
+          <a:p>
+            <a:r>
+              <a:rPr lang="en-US"/>
+              <a:t>Click to edit Master title style</a:t>
+            </a:r>
+            <a:endParaRPr lang="sv-SE"/>
+          </a:p>
+        </p:txBody>
+      </p:sp>
+      <p:sp>
+        <p:nvSpPr>
+          <p:cNvPr id="3" name="Picture Placeholder 2"/>
+          <p:cNvSpPr>
+            <a:spLocks noGrp="1"/>
+          </p:cNvSpPr>
+          <p:nvPr>
+            <p:ph type="pic" idx="1"/>
+          </p:nvPr>
+        </p:nvSpPr>
+        <p:spPr>
+          <a:xfrm>
+            <a:off x="1792288" y="612775"/>
+            <a:ext cx="5486400" cy="4114800"/>
+          </a:xfrm>
+        </p:spPr>
+        <p:txBody>
+          <a:bodyPr/>
+          <a:lstStyle>
+            <a:lvl1pPr marL="0" indent="0">
+              <a:buNone/>
+              <a:defRPr sz="3200"/>
+            </a:lvl1pPr>
+            <a:lvl2pPr marL="457200" indent="0">
+              <a:buNone/>
+              <a:defRPr sz="2800"/>
+            </a:lvl2pPr>
+            <a:lvl3pPr marL="914400" indent="0">
+              <a:buNone/>
+              <a:defRPr sz="2400"/>
+            </a:lvl3pPr>
+            <a:lvl4pPr marL="1371600" indent="0">
+              <a:buNone/>
+              <a:defRPr sz="2000"/>
+            </a:lvl4pPr>
+            <a:lvl5pPr marL="1828800" indent="0">
+              <a:buNone/>
+              <a:defRPr sz="2000"/>
+            </a:lvl5pPr>
+            <a:lvl6pPr marL="2286000" indent="0">
+              <a:buNone/>
+              <a:defRPr sz="2000"/>
+            </a:lvl6pPr>
+            <a:lvl7pPr marL="2743200" indent="0">
+              <a:buNone/>
+              <a:defRPr sz="2000"/>
+            </a:lvl7pPr>
+            <a:lvl8pPr marL="3200400" indent="0">
+              <a:buNone/>
+              <a:defRPr sz="2000"/>
+            </a:lvl8pPr>
+            <a:lvl9pPr marL="3657600" indent="0">
+              <a:buNone/>
+              <a:defRPr sz="2000"/>
+            </a:lvl9pPr>
+          </a:lstStyle>
+          <a:p>
+            <a:pPr lvl="0"/>
+            <a:r>
+              <a:rPr lang="en-US" noProof="0"/>
+              <a:t>Click icon to add picture</a:t>
+            </a:r>
+            <a:endParaRPr lang="sv-SE" noProof="0"/>
+          </a:p>
+        </p:txBody>
+      </p:sp>
+      <p:sp>
+        <p:nvSpPr>
+          <p:cNvPr id="4" name="Text Placeholder 3"/>
+          <p:cNvSpPr>
+            <a:spLocks noGrp="1"/>
+          </p:cNvSpPr>
+          <p:nvPr>
+            <p:ph type="body" sz="half" idx="2"/>
+          </p:nvPr>
+        </p:nvSpPr>
+        <p:spPr>
+          <a:xfrm>
+            <a:off x="1792288" y="5367338"/>
+            <a:ext cx="5486400" cy="804862"/>
+          </a:xfrm>
+        </p:spPr>
+        <p:txBody>
+          <a:bodyPr/>
+          <a:lstStyle>
+            <a:lvl1pPr marL="0" indent="0">
+              <a:buNone/>
+              <a:defRPr sz="1400"/>
+            </a:lvl1pPr>
+            <a:lvl2pPr marL="457200" indent="0">
+              <a:buNone/>
+              <a:defRPr sz="1200"/>
+            </a:lvl2pPr>
+            <a:lvl3pPr marL="914400" indent="0">
+              <a:buNone/>
+              <a:defRPr sz="1000"/>
+            </a:lvl3pPr>
+            <a:lvl4pPr marL="1371600" indent="0">
+              <a:buNone/>
+              <a:defRPr sz="900"/>
+            </a:lvl4pPr>
+            <a:lvl5pPr marL="1828800" indent="0">
+              <a:buNone/>
+              <a:defRPr sz="900"/>
+            </a:lvl5pPr>
+            <a:lvl6pPr marL="2286000" indent="0">
+              <a:buNone/>
+              <a:defRPr sz="900"/>
+            </a:lvl6pPr>
+            <a:lvl7pPr marL="2743200" indent="0">
+              <a:buNone/>
+              <a:defRPr sz="900"/>
+            </a:lvl7pPr>
+            <a:lvl8pPr marL="3200400" indent="0">
+              <a:buNone/>
+              <a:defRPr sz="900"/>
+            </a:lvl8pPr>
+            <a:lvl9pPr marL="3657600" indent="0">
+              <a:buNone/>
+              <a:defRPr sz="900"/>
+            </a:lvl9pPr>
+          </a:lstStyle>
+          <a:p>
+            <a:pPr lvl="0"/>
+            <a:r>
+              <a:rPr lang="en-US"/>
+              <a:t>Edit Master text styles</a:t>
+            </a:r>
+          </a:p>
+        </p:txBody>
+      </p:sp>
+    </p:spTree>
+    <p:extLst>
+      <p:ext uri="{BB962C8B-B14F-4D97-AF65-F5344CB8AC3E}">
+        <p14:creationId xmlns:p14="http://schemas.microsoft.com/office/powerpoint/2010/main" val="1188372374"/>
+      </p:ext>
+    </p:extLst>
+  </p:cSld>
+  <p:clrMapOvr>
+    <a:masterClrMapping/>
+  </p:clrMapOvr>
+</p:sldLayout>
+</file>
+
+<file path=ppt/slideLayouts/slideLayout24.xml><?xml version="1.0" encoding="utf-8"?>
+<p:sldLayout xmlns:a="http://schemas.openxmlformats.org/drawingml/2006/main" xmlns:r="http://schemas.openxmlformats.org/officeDocument/2006/relationships" xmlns:p="http://schemas.openxmlformats.org/presentationml/2006/main" type="vertTx" preserve="1">
+  <p:cSld name="Rubrik och lodrät text">
+    <p:spTree>
+      <p:nvGrpSpPr>
+        <p:cNvPr id="1" name=""/>
+        <p:cNvGrpSpPr/>
+        <p:nvPr/>
+      </p:nvGrpSpPr>
+      <p:grpSpPr>
+        <a:xfrm>
+          <a:off x="0" y="0"/>
+          <a:ext cx="0" cy="0"/>
+          <a:chOff x="0" y="0"/>
+          <a:chExt cx="0" cy="0"/>
+        </a:xfrm>
+      </p:grpSpPr>
+      <p:sp>
+        <p:nvSpPr>
+          <p:cNvPr id="2" name="Title 1"/>
+          <p:cNvSpPr>
+            <a:spLocks noGrp="1"/>
+          </p:cNvSpPr>
+          <p:nvPr>
+            <p:ph type="title"/>
+          </p:nvPr>
+        </p:nvSpPr>
+        <p:spPr/>
+        <p:txBody>
+          <a:bodyPr/>
+          <a:lstStyle/>
+          <a:p>
+            <a:r>
+              <a:rPr lang="en-US"/>
+              <a:t>Click to edit Master title style</a:t>
+            </a:r>
+            <a:endParaRPr lang="sv-SE"/>
+          </a:p>
+        </p:txBody>
+      </p:sp>
+      <p:sp>
+        <p:nvSpPr>
+          <p:cNvPr id="3" name="Vertical Text Placeholder 2"/>
+          <p:cNvSpPr>
+            <a:spLocks noGrp="1"/>
+          </p:cNvSpPr>
+          <p:nvPr>
+            <p:ph type="body" orient="vert" idx="1"/>
+          </p:nvPr>
+        </p:nvSpPr>
+        <p:spPr/>
+        <p:txBody>
+          <a:bodyPr vert="eaVert"/>
+          <a:lstStyle/>
+          <a:p>
+            <a:pPr lvl="0"/>
+            <a:r>
+              <a:rPr lang="en-US"/>
+              <a:t>Edit Master text styles</a:t>
+            </a:r>
+          </a:p>
+          <a:p>
+            <a:pPr lvl="1"/>
+            <a:r>
+              <a:rPr lang="en-US"/>
+              <a:t>Second level</a:t>
+            </a:r>
+          </a:p>
+          <a:p>
+            <a:pPr lvl="2"/>
+            <a:r>
+              <a:rPr lang="en-US"/>
+              <a:t>Third level</a:t>
+            </a:r>
+          </a:p>
+          <a:p>
+            <a:pPr lvl="3"/>
+            <a:r>
+              <a:rPr lang="en-US"/>
+              <a:t>Fourth level</a:t>
+            </a:r>
+          </a:p>
+          <a:p>
+            <a:pPr lvl="4"/>
+            <a:r>
+              <a:rPr lang="en-US"/>
+              <a:t>Fifth level</a:t>
+            </a:r>
+            <a:endParaRPr lang="sv-SE"/>
+          </a:p>
+        </p:txBody>
+      </p:sp>
+    </p:spTree>
+    <p:extLst>
+      <p:ext uri="{BB962C8B-B14F-4D97-AF65-F5344CB8AC3E}">
+        <p14:creationId xmlns:p14="http://schemas.microsoft.com/office/powerpoint/2010/main" val="2458504237"/>
+      </p:ext>
+    </p:extLst>
+  </p:cSld>
+  <p:clrMapOvr>
+    <a:masterClrMapping/>
+  </p:clrMapOvr>
+</p:sldLayout>
+</file>
+
+<file path=ppt/slideLayouts/slideLayout25.xml><?xml version="1.0" encoding="utf-8"?>
+<p:sldLayout xmlns:a="http://schemas.openxmlformats.org/drawingml/2006/main" xmlns:r="http://schemas.openxmlformats.org/officeDocument/2006/relationships" xmlns:p="http://schemas.openxmlformats.org/presentationml/2006/main" type="vertTitleAndTx" preserve="1">
+  <p:cSld name="Lodrät rubrik och text">
+    <p:spTree>
+      <p:nvGrpSpPr>
+        <p:cNvPr id="1" name=""/>
+        <p:cNvGrpSpPr/>
+        <p:nvPr/>
+      </p:nvGrpSpPr>
+      <p:grpSpPr>
+        <a:xfrm>
+          <a:off x="0" y="0"/>
+          <a:ext cx="0" cy="0"/>
+          <a:chOff x="0" y="0"/>
+          <a:chExt cx="0" cy="0"/>
+        </a:xfrm>
+      </p:grpSpPr>
+      <p:sp>
+        <p:nvSpPr>
+          <p:cNvPr id="2" name="Vertical Title 1"/>
+          <p:cNvSpPr>
+            <a:spLocks noGrp="1"/>
+          </p:cNvSpPr>
+          <p:nvPr>
+            <p:ph type="title" orient="vert"/>
+          </p:nvPr>
+        </p:nvSpPr>
+        <p:spPr>
+          <a:xfrm>
+            <a:off x="6661150" y="765175"/>
+            <a:ext cx="2087563" cy="5327650"/>
+          </a:xfrm>
+        </p:spPr>
+        <p:txBody>
+          <a:bodyPr vert="eaVert"/>
+          <a:lstStyle/>
+          <a:p>
+            <a:r>
+              <a:rPr lang="en-US"/>
+              <a:t>Click to edit Master title style</a:t>
+            </a:r>
+            <a:endParaRPr lang="sv-SE"/>
+          </a:p>
+        </p:txBody>
+      </p:sp>
+      <p:sp>
+        <p:nvSpPr>
+          <p:cNvPr id="3" name="Vertical Text Placeholder 2"/>
+          <p:cNvSpPr>
+            <a:spLocks noGrp="1"/>
+          </p:cNvSpPr>
+          <p:nvPr>
+            <p:ph type="body" orient="vert" idx="1"/>
+          </p:nvPr>
+        </p:nvSpPr>
+        <p:spPr>
+          <a:xfrm>
+            <a:off x="395288" y="765175"/>
+            <a:ext cx="6113462" cy="5327650"/>
+          </a:xfrm>
+        </p:spPr>
+        <p:txBody>
+          <a:bodyPr vert="eaVert"/>
+          <a:lstStyle/>
+          <a:p>
+            <a:pPr lvl="0"/>
+            <a:r>
+              <a:rPr lang="en-US"/>
+              <a:t>Edit Master text styles</a:t>
+            </a:r>
+          </a:p>
+          <a:p>
+            <a:pPr lvl="1"/>
+            <a:r>
+              <a:rPr lang="en-US"/>
+              <a:t>Second level</a:t>
+            </a:r>
+          </a:p>
+          <a:p>
+            <a:pPr lvl="2"/>
+            <a:r>
+              <a:rPr lang="en-US"/>
+              <a:t>Third level</a:t>
+            </a:r>
+          </a:p>
+          <a:p>
+            <a:pPr lvl="3"/>
+            <a:r>
+              <a:rPr lang="en-US"/>
+              <a:t>Fourth level</a:t>
+            </a:r>
+          </a:p>
+          <a:p>
+            <a:pPr lvl="4"/>
+            <a:r>
+              <a:rPr lang="en-US"/>
+              <a:t>Fifth level</a:t>
+            </a:r>
+            <a:endParaRPr lang="sv-SE"/>
+          </a:p>
+        </p:txBody>
+      </p:sp>
+    </p:spTree>
+    <p:extLst>
+      <p:ext uri="{BB962C8B-B14F-4D97-AF65-F5344CB8AC3E}">
+        <p14:creationId xmlns:p14="http://schemas.microsoft.com/office/powerpoint/2010/main" val="4083239694"/>
+      </p:ext>
+    </p:extLst>
+  </p:cSld>
+  <p:clrMapOvr>
+    <a:masterClrMapping/>
+  </p:clrMapOvr>
+</p:sldLayout>
+</file>
+
+<file path=ppt/slideLayouts/slideLayout26.xml><?xml version="1.0" encoding="utf-8"?>
+<p:sldLayout xmlns:a="http://schemas.openxmlformats.org/drawingml/2006/main" xmlns:r="http://schemas.openxmlformats.org/officeDocument/2006/relationships" xmlns:p="http://schemas.openxmlformats.org/presentationml/2006/main" type="tbl">
+  <p:cSld name="Title and Table">
+    <p:spTree>
+      <p:nvGrpSpPr>
+        <p:cNvPr id="1" name=""/>
+        <p:cNvGrpSpPr/>
+        <p:nvPr/>
+      </p:nvGrpSpPr>
+      <p:grpSpPr>
+        <a:xfrm>
+          <a:off x="0" y="0"/>
+          <a:ext cx="0" cy="0"/>
+          <a:chOff x="0" y="0"/>
+          <a:chExt cx="0" cy="0"/>
+        </a:xfrm>
+      </p:grpSpPr>
+      <p:sp>
+        <p:nvSpPr>
+          <p:cNvPr id="2" name="Title 1"/>
+          <p:cNvSpPr>
+            <a:spLocks noGrp="1"/>
+          </p:cNvSpPr>
+          <p:nvPr>
+            <p:ph type="title"/>
+          </p:nvPr>
+        </p:nvSpPr>
+        <p:spPr>
+          <a:xfrm>
+            <a:off x="460375" y="167357"/>
+            <a:ext cx="7773988" cy="741363"/>
+          </a:xfrm>
+        </p:spPr>
+        <p:txBody>
+          <a:bodyPr/>
+          <a:lstStyle/>
+          <a:p>
+            <a:r>
+              <a:rPr lang="en-US"/>
+              <a:t>Click to edit Master title style</a:t>
+            </a:r>
+          </a:p>
+        </p:txBody>
+      </p:sp>
+      <p:sp>
+        <p:nvSpPr>
+          <p:cNvPr id="3" name="Table Placeholder 2"/>
+          <p:cNvSpPr>
+            <a:spLocks noGrp="1"/>
+          </p:cNvSpPr>
+          <p:nvPr>
+            <p:ph type="tbl" idx="1"/>
+          </p:nvPr>
+        </p:nvSpPr>
+        <p:spPr>
+          <a:xfrm>
+            <a:off x="458788" y="992188"/>
+            <a:ext cx="7751762" cy="4386262"/>
+          </a:xfrm>
+        </p:spPr>
+        <p:txBody>
+          <a:bodyPr/>
+          <a:lstStyle/>
+          <a:p>
+            <a:pPr lvl="0"/>
+            <a:r>
+              <a:rPr lang="en-US" noProof="0"/>
+              <a:t>Click icon to add table</a:t>
+            </a:r>
+          </a:p>
+        </p:txBody>
+      </p:sp>
+    </p:spTree>
+    <p:extLst>
+      <p:ext uri="{BB962C8B-B14F-4D97-AF65-F5344CB8AC3E}">
+        <p14:creationId xmlns:p14="http://schemas.microsoft.com/office/powerpoint/2010/main" val="1943897808"/>
+      </p:ext>
+    </p:extLst>
+  </p:cSld>
+  <p:clrMapOvr>
+    <a:masterClrMapping/>
+  </p:clrMapOvr>
+</p:sldLayout>
+</file>
+
+<file path=ppt/slideLayouts/slideLayout27.xml><?xml version="1.0" encoding="utf-8"?>
+<p:sldLayout xmlns:a="http://schemas.openxmlformats.org/drawingml/2006/main" xmlns:r="http://schemas.openxmlformats.org/officeDocument/2006/relationships" xmlns:p="http://schemas.openxmlformats.org/presentationml/2006/main">
+  <p:cSld name="1_Title and Content">
+    <p:spTree>
+      <p:nvGrpSpPr>
+        <p:cNvPr id="1" name=""/>
+        <p:cNvGrpSpPr/>
+        <p:nvPr/>
+      </p:nvGrpSpPr>
+      <p:grpSpPr>
+        <a:xfrm>
+          <a:off x="0" y="0"/>
+          <a:ext cx="0" cy="0"/>
+          <a:chOff x="0" y="0"/>
+          <a:chExt cx="0" cy="0"/>
+        </a:xfrm>
+      </p:grpSpPr>
+      <p:sp>
+        <p:nvSpPr>
+          <p:cNvPr id="2" name="Title 1"/>
+          <p:cNvSpPr>
+            <a:spLocks noGrp="1"/>
+          </p:cNvSpPr>
+          <p:nvPr>
+            <p:ph type="title"/>
+          </p:nvPr>
+        </p:nvSpPr>
+        <p:spPr/>
+        <p:txBody>
+          <a:bodyPr/>
+          <a:lstStyle>
+            <a:lvl1pPr>
+              <a:defRPr>
+                <a:latin typeface="+mj-lt"/>
+              </a:defRPr>
+            </a:lvl1pPr>
+          </a:lstStyle>
+          <a:p>
+            <a:r>
+              <a:rPr lang="en-US"/>
+              <a:t>Click to edit Master title style</a:t>
+            </a:r>
+            <a:endParaRPr lang="en-US" dirty="0"/>
+          </a:p>
+        </p:txBody>
+      </p:sp>
+      <p:sp>
+        <p:nvSpPr>
+          <p:cNvPr id="6" name="Text Placeholder 5"/>
+          <p:cNvSpPr>
+            <a:spLocks noGrp="1"/>
+          </p:cNvSpPr>
+          <p:nvPr>
+            <p:ph type="body" sz="quarter" idx="10"/>
+          </p:nvPr>
+        </p:nvSpPr>
+        <p:spPr>
+          <a:xfrm>
+            <a:off x="381000" y="1411552"/>
+            <a:ext cx="8382000" cy="2210862"/>
+          </a:xfrm>
+        </p:spPr>
+        <p:txBody>
+          <a:bodyPr/>
+          <a:lstStyle>
+            <a:lvl1pPr>
+              <a:lnSpc>
+                <a:spcPct val="90000"/>
+              </a:lnSpc>
+              <a:defRPr>
+                <a:latin typeface="+mn-lt"/>
+              </a:defRPr>
+            </a:lvl1pPr>
+            <a:lvl2pPr>
+              <a:lnSpc>
+                <a:spcPct val="90000"/>
+              </a:lnSpc>
+              <a:defRPr>
+                <a:latin typeface="+mn-lt"/>
+              </a:defRPr>
+            </a:lvl2pPr>
+            <a:lvl3pPr>
+              <a:lnSpc>
+                <a:spcPct val="90000"/>
+              </a:lnSpc>
+              <a:defRPr>
+                <a:latin typeface="+mn-lt"/>
+              </a:defRPr>
+            </a:lvl3pPr>
+            <a:lvl4pPr>
+              <a:lnSpc>
+                <a:spcPct val="90000"/>
+              </a:lnSpc>
+              <a:defRPr>
+                <a:latin typeface="+mn-lt"/>
+              </a:defRPr>
+            </a:lvl4pPr>
+            <a:lvl5pPr>
+              <a:lnSpc>
+                <a:spcPct val="90000"/>
+              </a:lnSpc>
+              <a:defRPr>
+                <a:latin typeface="+mn-lt"/>
+              </a:defRPr>
+            </a:lvl5pPr>
+          </a:lstStyle>
+          <a:p>
+            <a:pPr lvl="0"/>
+            <a:r>
+              <a:rPr lang="en-US"/>
+              <a:t>Edit Master text styles</a:t>
+            </a:r>
+          </a:p>
+          <a:p>
+            <a:pPr lvl="1"/>
+            <a:r>
+              <a:rPr lang="en-US"/>
+              <a:t>Second level</a:t>
+            </a:r>
+          </a:p>
+          <a:p>
+            <a:pPr lvl="2"/>
+            <a:r>
+              <a:rPr lang="en-US"/>
+              <a:t>Third level</a:t>
+            </a:r>
+          </a:p>
+          <a:p>
+            <a:pPr lvl="3"/>
+            <a:r>
+              <a:rPr lang="en-US"/>
+              <a:t>Fourth level</a:t>
+            </a:r>
+          </a:p>
+          <a:p>
+            <a:pPr lvl="4"/>
+            <a:r>
+              <a:rPr lang="en-US"/>
+              <a:t>Fifth level</a:t>
+            </a:r>
+            <a:endParaRPr lang="en-US" dirty="0"/>
+          </a:p>
+        </p:txBody>
+      </p:sp>
+    </p:spTree>
+    <p:extLst>
+      <p:ext uri="{BB962C8B-B14F-4D97-AF65-F5344CB8AC3E}">
+        <p14:creationId xmlns:p14="http://schemas.microsoft.com/office/powerpoint/2010/main" val="3089009956"/>
+      </p:ext>
+    </p:extLst>
+  </p:cSld>
+  <p:clrMapOvr>
+    <a:masterClrMapping/>
+  </p:clrMapOvr>
+  <p:transition>
+    <p:fade/>
+  </p:transition>
+</p:sldLayout>
+</file>
+
+<file path=ppt/slideLayouts/slideLayout28.xml><?xml version="1.0" encoding="utf-8"?>
+<p:sldLayout xmlns:a="http://schemas.openxmlformats.org/drawingml/2006/main" xmlns:r="http://schemas.openxmlformats.org/officeDocument/2006/relationships" xmlns:p="http://schemas.openxmlformats.org/presentationml/2006/main" type="tx">
+  <p:cSld name="Title and Text">
+    <p:spTree>
+      <p:nvGrpSpPr>
+        <p:cNvPr id="1" name=""/>
+        <p:cNvGrpSpPr/>
+        <p:nvPr/>
+      </p:nvGrpSpPr>
+      <p:grpSpPr>
+        <a:xfrm>
+          <a:off x="0" y="0"/>
+          <a:ext cx="0" cy="0"/>
+          <a:chOff x="0" y="0"/>
+          <a:chExt cx="0" cy="0"/>
+        </a:xfrm>
+      </p:grpSpPr>
+      <p:sp>
+        <p:nvSpPr>
+          <p:cNvPr id="2" name="Shape 1"/>
+          <p:cNvSpPr>
+            <a:spLocks noGrp="1"/>
+          </p:cNvSpPr>
+          <p:nvPr>
+            <p:ph type="title"/>
+          </p:nvPr>
+        </p:nvSpPr>
+        <p:spPr/>
+        <p:txBody>
+          <a:bodyPr rtlCol="0"/>
+          <a:lstStyle/>
+          <a:p>
+            <a:r>
+              <a:rPr lang="en-US"/>
+              <a:t>Click to edit Master title style</a:t>
+            </a:r>
+          </a:p>
+        </p:txBody>
+      </p:sp>
+      <p:sp>
+        <p:nvSpPr>
+          <p:cNvPr id="3" name="Shape 2"/>
+          <p:cNvSpPr>
+            <a:spLocks noGrp="1"/>
+          </p:cNvSpPr>
+          <p:nvPr>
+            <p:ph type="body" idx="1"/>
+          </p:nvPr>
+        </p:nvSpPr>
+        <p:spPr/>
+        <p:txBody>
+          <a:bodyPr rtlCol="0"/>
+          <a:lstStyle/>
+          <a:p>
+            <a:pPr lvl="0"/>
+            <a:r>
+              <a:rPr lang="en-US"/>
+              <a:t>Edit Master text styles</a:t>
+            </a:r>
+          </a:p>
+          <a:p>
+            <a:pPr lvl="1"/>
+            <a:r>
+              <a:rPr lang="en-US"/>
+              <a:t>Second level</a:t>
+            </a:r>
+          </a:p>
+          <a:p>
+            <a:pPr lvl="2"/>
+            <a:r>
+              <a:rPr lang="en-US"/>
+              <a:t>Third level</a:t>
+            </a:r>
+          </a:p>
+          <a:p>
+            <a:pPr lvl="3"/>
+            <a:r>
+              <a:rPr lang="en-US"/>
+              <a:t>Fourth level</a:t>
+            </a:r>
+          </a:p>
+          <a:p>
+            <a:pPr lvl="4"/>
+            <a:r>
+              <a:rPr lang="en-US"/>
+              <a:t>Fifth level</a:t>
+            </a:r>
+          </a:p>
+        </p:txBody>
+      </p:sp>
+    </p:spTree>
+    <p:extLst>
+      <p:ext uri="{BB962C8B-B14F-4D97-AF65-F5344CB8AC3E}">
+        <p14:creationId xmlns:p14="http://schemas.microsoft.com/office/powerpoint/2010/main" val="529512584"/>
       </p:ext>
     </p:extLst>
   </p:cSld>
@@ -10197,7 +12607,7 @@
           <a:p>
             <a:fld id="{9006E132-D9FA-4DA9-BFA1-F907AC5B7515}" type="datetimeFigureOut">
               <a:rPr lang="en-US" smtClean="0"/>
-              <a:t>12/13/2016</a:t>
+              <a:t>12/16/2016</a:t>
             </a:fld>
             <a:endParaRPr lang="en-US"/>
           </a:p>
@@ -10426,7 +12836,7 @@
           <a:p>
             <a:fld id="{9006E132-D9FA-4DA9-BFA1-F907AC5B7515}" type="datetimeFigureOut">
               <a:rPr lang="en-US" smtClean="0"/>
-              <a:t>12/13/2016</a:t>
+              <a:t>12/16/2016</a:t>
             </a:fld>
             <a:endParaRPr lang="en-US"/>
           </a:p>
@@ -10790,7 +13200,7 @@
           <a:p>
             <a:fld id="{9006E132-D9FA-4DA9-BFA1-F907AC5B7515}" type="datetimeFigureOut">
               <a:rPr lang="en-US" smtClean="0"/>
-              <a:t>12/13/2016</a:t>
+              <a:t>12/16/2016</a:t>
             </a:fld>
             <a:endParaRPr lang="en-US"/>
           </a:p>
@@ -10907,7 +13317,7 @@
           <a:p>
             <a:fld id="{9006E132-D9FA-4DA9-BFA1-F907AC5B7515}" type="datetimeFigureOut">
               <a:rPr lang="en-US" smtClean="0"/>
-              <a:t>12/13/2016</a:t>
+              <a:t>12/16/2016</a:t>
             </a:fld>
             <a:endParaRPr lang="en-US"/>
           </a:p>
@@ -11002,7 +13412,7 @@
           <a:p>
             <a:fld id="{9006E132-D9FA-4DA9-BFA1-F907AC5B7515}" type="datetimeFigureOut">
               <a:rPr lang="en-US" smtClean="0"/>
-              <a:t>12/13/2016</a:t>
+              <a:t>12/16/2016</a:t>
             </a:fld>
             <a:endParaRPr lang="en-US"/>
           </a:p>
@@ -11277,7 +13687,7 @@
           <a:p>
             <a:fld id="{9006E132-D9FA-4DA9-BFA1-F907AC5B7515}" type="datetimeFigureOut">
               <a:rPr lang="en-US" smtClean="0"/>
-              <a:t>12/13/2016</a:t>
+              <a:t>12/16/2016</a:t>
             </a:fld>
             <a:endParaRPr lang="en-US"/>
           </a:p>
@@ -11529,7 +13939,7 @@
           <a:p>
             <a:fld id="{9006E132-D9FA-4DA9-BFA1-F907AC5B7515}" type="datetimeFigureOut">
               <a:rPr lang="en-US" smtClean="0"/>
-              <a:t>12/13/2016</a:t>
+              <a:t>12/16/2016</a:t>
             </a:fld>
             <a:endParaRPr lang="en-US"/>
           </a:p>
@@ -11740,7 +14150,7 @@
           <a:p>
             <a:fld id="{9006E132-D9FA-4DA9-BFA1-F907AC5B7515}" type="datetimeFigureOut">
               <a:rPr lang="en-US" smtClean="0"/>
-              <a:t>12/13/2016</a:t>
+              <a:t>12/16/2016</a:t>
             </a:fld>
             <a:endParaRPr lang="en-US"/>
           </a:p>
@@ -12128,6 +14538,615 @@
 </p:sldMaster>
 </file>
 
+<file path=ppt/slideMasters/slideMaster2.xml><?xml version="1.0" encoding="utf-8"?>
+<p:sldMaster xmlns:a="http://schemas.openxmlformats.org/drawingml/2006/main" xmlns:r="http://schemas.openxmlformats.org/officeDocument/2006/relationships" xmlns:p="http://schemas.openxmlformats.org/presentationml/2006/main" preserve="1">
+  <p:cSld>
+    <p:bg>
+      <p:bgPr>
+        <a:solidFill>
+          <a:schemeClr val="bg1"/>
+        </a:solidFill>
+        <a:effectLst/>
+      </p:bgPr>
+    </p:bg>
+    <p:spTree>
+      <p:nvGrpSpPr>
+        <p:cNvPr id="1" name=""/>
+        <p:cNvGrpSpPr/>
+        <p:nvPr/>
+      </p:nvGrpSpPr>
+      <p:grpSpPr>
+        <a:xfrm>
+          <a:off x="0" y="0"/>
+          <a:ext cx="0" cy="0"/>
+          <a:chOff x="0" y="0"/>
+          <a:chExt cx="0" cy="0"/>
+        </a:xfrm>
+      </p:grpSpPr>
+      <p:sp>
+        <p:nvSpPr>
+          <p:cNvPr id="1028" name="Rectangle 4"/>
+          <p:cNvSpPr>
+            <a:spLocks noGrp="1" noChangeArrowheads="1"/>
+          </p:cNvSpPr>
+          <p:nvPr>
+            <p:ph type="body" idx="1"/>
+          </p:nvPr>
+        </p:nvSpPr>
+        <p:spPr bwMode="gray">
+          <a:xfrm>
+            <a:off x="395288" y="1484313"/>
+            <a:ext cx="8353425" cy="4608512"/>
+          </a:xfrm>
+          <a:prstGeom prst="rect">
+            <a:avLst/>
+          </a:prstGeom>
+          <a:extLst>
+            <a:ext uri="{909E8E84-426E-40DD-AFC4-6F175D3DCCD1}">
+              <a14:hiddenFill xmlns:a14="http://schemas.microsoft.com/office/drawing/2010/main">
+                <a:solidFill>
+                  <a:srgbClr val="FFFFFF"/>
+                </a:solidFill>
+              </a14:hiddenFill>
+            </a:ext>
+            <a:ext uri="{91240B29-F687-4F45-9708-019B960494DF}">
+              <a14:hiddenLine xmlns:a14="http://schemas.microsoft.com/office/drawing/2010/main" w="9525">
+                <a:solidFill>
+                  <a:srgbClr val="000000"/>
+                </a:solidFill>
+                <a:miter lim="800000"/>
+                <a:headEnd/>
+                <a:tailEnd/>
+              </a14:hiddenLine>
+            </a:ext>
+            <a:ext uri="{53640926-AAD7-44D8-BBD7-CCE9431645EC}">
+              <a14:shadowObscured xmlns:a14="http://schemas.microsoft.com/office/drawing/2010/main" val="1"/>
+            </a:ext>
+          </a:extLst>
+        </p:spPr>
+        <p:txBody>
+          <a:bodyPr vert="horz" wrap="square" lIns="0" tIns="0" rIns="0" bIns="0" numCol="1" anchor="t" anchorCtr="0" compatLnSpc="1">
+            <a:prstTxWarp prst="textNoShape">
+              <a:avLst/>
+            </a:prstTxWarp>
+          </a:bodyPr>
+          <a:lstStyle/>
+          <a:p>
+            <a:pPr lvl="0"/>
+            <a:r>
+              <a:rPr lang="sv-SE" dirty="0"/>
+              <a:t>Klicka här för att ändra format på bakgrundstexten</a:t>
+            </a:r>
+          </a:p>
+          <a:p>
+            <a:pPr lvl="1"/>
+            <a:r>
+              <a:rPr lang="sv-SE" dirty="0"/>
+              <a:t>Nivå två</a:t>
+            </a:r>
+          </a:p>
+          <a:p>
+            <a:pPr lvl="2"/>
+            <a:r>
+              <a:rPr lang="sv-SE" dirty="0"/>
+              <a:t>Nivå tre</a:t>
+            </a:r>
+          </a:p>
+          <a:p>
+            <a:pPr lvl="3"/>
+            <a:r>
+              <a:rPr lang="sv-SE" dirty="0"/>
+              <a:t>Nivå fyra</a:t>
+            </a:r>
+          </a:p>
+          <a:p>
+            <a:pPr lvl="4"/>
+            <a:r>
+              <a:rPr lang="sv-SE" dirty="0"/>
+              <a:t>Nivå fem</a:t>
+            </a:r>
+            <a:endParaRPr lang="en-GB" dirty="0"/>
+          </a:p>
+        </p:txBody>
+      </p:sp>
+      <p:sp>
+        <p:nvSpPr>
+          <p:cNvPr id="1029" name="Rectangle 5"/>
+          <p:cNvSpPr>
+            <a:spLocks noGrp="1" noChangeArrowheads="1"/>
+          </p:cNvSpPr>
+          <p:nvPr>
+            <p:ph type="title"/>
+          </p:nvPr>
+        </p:nvSpPr>
+        <p:spPr bwMode="gray">
+          <a:xfrm>
+            <a:off x="395288" y="765175"/>
+            <a:ext cx="8353425" cy="360363"/>
+          </a:xfrm>
+          <a:prstGeom prst="rect">
+            <a:avLst/>
+          </a:prstGeom>
+          <a:extLst>
+            <a:ext uri="{909E8E84-426E-40DD-AFC4-6F175D3DCCD1}">
+              <a14:hiddenFill xmlns:a14="http://schemas.microsoft.com/office/drawing/2010/main">
+                <a:solidFill>
+                  <a:srgbClr val="FFFFFF"/>
+                </a:solidFill>
+              </a14:hiddenFill>
+            </a:ext>
+            <a:ext uri="{91240B29-F687-4F45-9708-019B960494DF}">
+              <a14:hiddenLine xmlns:a14="http://schemas.microsoft.com/office/drawing/2010/main" w="9525">
+                <a:solidFill>
+                  <a:srgbClr val="000000"/>
+                </a:solidFill>
+                <a:miter lim="800000"/>
+                <a:headEnd/>
+                <a:tailEnd/>
+              </a14:hiddenLine>
+            </a:ext>
+            <a:ext uri="{53640926-AAD7-44D8-BBD7-CCE9431645EC}">
+              <a14:shadowObscured xmlns:a14="http://schemas.microsoft.com/office/drawing/2010/main" val="1"/>
+            </a:ext>
+          </a:extLst>
+        </p:spPr>
+        <p:txBody>
+          <a:bodyPr vert="horz" wrap="square" lIns="0" tIns="0" rIns="0" bIns="0" numCol="1" anchor="ctr" anchorCtr="0" compatLnSpc="1">
+            <a:prstTxWarp prst="textNoShape">
+              <a:avLst/>
+            </a:prstTxWarp>
+          </a:bodyPr>
+          <a:lstStyle/>
+          <a:p>
+            <a:pPr lvl="0"/>
+            <a:r>
+              <a:rPr lang="en-GB" dirty="0"/>
+              <a:t>Click to add title</a:t>
+            </a:r>
+          </a:p>
+        </p:txBody>
+      </p:sp>
+    </p:spTree>
+    <p:extLst>
+      <p:ext uri="{BB962C8B-B14F-4D97-AF65-F5344CB8AC3E}">
+        <p14:creationId xmlns:p14="http://schemas.microsoft.com/office/powerpoint/2010/main" val="3148526300"/>
+      </p:ext>
+    </p:extLst>
+  </p:cSld>
+  <p:clrMap bg1="lt1" tx1="dk1" bg2="lt2" tx2="dk2" accent1="accent1" accent2="accent2" accent3="accent3" accent4="accent4" accent5="accent5" accent6="accent6" hlink="hlink" folHlink="folHlink"/>
+  <p:sldLayoutIdLst>
+    <p:sldLayoutId id="2147484029" r:id="rId1"/>
+    <p:sldLayoutId id="2147484030" r:id="rId2"/>
+    <p:sldLayoutId id="2147484031" r:id="rId3"/>
+    <p:sldLayoutId id="2147484032" r:id="rId4"/>
+    <p:sldLayoutId id="2147484033" r:id="rId5"/>
+    <p:sldLayoutId id="2147484034" r:id="rId6"/>
+    <p:sldLayoutId id="2147484035" r:id="rId7"/>
+    <p:sldLayoutId id="2147484036" r:id="rId8"/>
+    <p:sldLayoutId id="2147484037" r:id="rId9"/>
+    <p:sldLayoutId id="2147484038" r:id="rId10"/>
+    <p:sldLayoutId id="2147484039" r:id="rId11"/>
+    <p:sldLayoutId id="2147484040" r:id="rId12"/>
+    <p:sldLayoutId id="2147484041" r:id="rId13"/>
+    <p:sldLayoutId id="2147484042" r:id="rId14"/>
+    <p:sldLayoutId id="2147484043" r:id="rId15"/>
+    <p:sldLayoutId id="2147484044" r:id="rId16"/>
+    <p:sldLayoutId id="2147484045" r:id="rId17"/>
+  </p:sldLayoutIdLst>
+  <p:txStyles>
+    <p:titleStyle>
+      <a:lvl1pPr algn="l" rtl="0" eaLnBrk="1" fontAlgn="base" hangingPunct="1">
+        <a:spcBef>
+          <a:spcPct val="0"/>
+        </a:spcBef>
+        <a:spcAft>
+          <a:spcPct val="0"/>
+        </a:spcAft>
+        <a:defRPr sz="2000" b="1">
+          <a:solidFill>
+            <a:schemeClr val="tx1"/>
+          </a:solidFill>
+          <a:latin typeface="+mj-lt"/>
+          <a:ea typeface="+mj-ea"/>
+          <a:cs typeface="+mj-cs"/>
+        </a:defRPr>
+      </a:lvl1pPr>
+      <a:lvl2pPr algn="l" rtl="0" eaLnBrk="1" fontAlgn="base" hangingPunct="1">
+        <a:spcBef>
+          <a:spcPct val="0"/>
+        </a:spcBef>
+        <a:spcAft>
+          <a:spcPct val="0"/>
+        </a:spcAft>
+        <a:defRPr sz="2000" b="1">
+          <a:solidFill>
+            <a:schemeClr val="bg1"/>
+          </a:solidFill>
+          <a:latin typeface="Arial" charset="0"/>
+        </a:defRPr>
+      </a:lvl2pPr>
+      <a:lvl3pPr algn="l" rtl="0" eaLnBrk="1" fontAlgn="base" hangingPunct="1">
+        <a:spcBef>
+          <a:spcPct val="0"/>
+        </a:spcBef>
+        <a:spcAft>
+          <a:spcPct val="0"/>
+        </a:spcAft>
+        <a:defRPr sz="2000" b="1">
+          <a:solidFill>
+            <a:schemeClr val="bg1"/>
+          </a:solidFill>
+          <a:latin typeface="Arial" charset="0"/>
+        </a:defRPr>
+      </a:lvl3pPr>
+      <a:lvl4pPr algn="l" rtl="0" eaLnBrk="1" fontAlgn="base" hangingPunct="1">
+        <a:spcBef>
+          <a:spcPct val="0"/>
+        </a:spcBef>
+        <a:spcAft>
+          <a:spcPct val="0"/>
+        </a:spcAft>
+        <a:defRPr sz="2000" b="1">
+          <a:solidFill>
+            <a:schemeClr val="bg1"/>
+          </a:solidFill>
+          <a:latin typeface="Arial" charset="0"/>
+        </a:defRPr>
+      </a:lvl4pPr>
+      <a:lvl5pPr algn="l" rtl="0" eaLnBrk="1" fontAlgn="base" hangingPunct="1">
+        <a:spcBef>
+          <a:spcPct val="0"/>
+        </a:spcBef>
+        <a:spcAft>
+          <a:spcPct val="0"/>
+        </a:spcAft>
+        <a:defRPr sz="2000" b="1">
+          <a:solidFill>
+            <a:schemeClr val="bg1"/>
+          </a:solidFill>
+          <a:latin typeface="Arial" charset="0"/>
+        </a:defRPr>
+      </a:lvl5pPr>
+      <a:lvl6pPr marL="457200" algn="l" rtl="0" eaLnBrk="1" fontAlgn="base" hangingPunct="1">
+        <a:spcBef>
+          <a:spcPct val="0"/>
+        </a:spcBef>
+        <a:spcAft>
+          <a:spcPct val="0"/>
+        </a:spcAft>
+        <a:defRPr sz="2000" b="1">
+          <a:solidFill>
+            <a:schemeClr val="bg1"/>
+          </a:solidFill>
+          <a:latin typeface="Arial" charset="0"/>
+        </a:defRPr>
+      </a:lvl6pPr>
+      <a:lvl7pPr marL="914400" algn="l" rtl="0" eaLnBrk="1" fontAlgn="base" hangingPunct="1">
+        <a:spcBef>
+          <a:spcPct val="0"/>
+        </a:spcBef>
+        <a:spcAft>
+          <a:spcPct val="0"/>
+        </a:spcAft>
+        <a:defRPr sz="2000" b="1">
+          <a:solidFill>
+            <a:schemeClr val="bg1"/>
+          </a:solidFill>
+          <a:latin typeface="Arial" charset="0"/>
+        </a:defRPr>
+      </a:lvl7pPr>
+      <a:lvl8pPr marL="1371600" algn="l" rtl="0" eaLnBrk="1" fontAlgn="base" hangingPunct="1">
+        <a:spcBef>
+          <a:spcPct val="0"/>
+        </a:spcBef>
+        <a:spcAft>
+          <a:spcPct val="0"/>
+        </a:spcAft>
+        <a:defRPr sz="2000" b="1">
+          <a:solidFill>
+            <a:schemeClr val="bg1"/>
+          </a:solidFill>
+          <a:latin typeface="Arial" charset="0"/>
+        </a:defRPr>
+      </a:lvl8pPr>
+      <a:lvl9pPr marL="1828800" algn="l" rtl="0" eaLnBrk="1" fontAlgn="base" hangingPunct="1">
+        <a:spcBef>
+          <a:spcPct val="0"/>
+        </a:spcBef>
+        <a:spcAft>
+          <a:spcPct val="0"/>
+        </a:spcAft>
+        <a:defRPr sz="2000" b="1">
+          <a:solidFill>
+            <a:schemeClr val="bg1"/>
+          </a:solidFill>
+          <a:latin typeface="Arial" charset="0"/>
+        </a:defRPr>
+      </a:lvl9pPr>
+    </p:titleStyle>
+    <p:bodyStyle>
+      <a:lvl1pPr marL="177800" indent="-177800" algn="l" rtl="0" eaLnBrk="1" fontAlgn="base" hangingPunct="1">
+        <a:spcBef>
+          <a:spcPct val="40000"/>
+        </a:spcBef>
+        <a:spcAft>
+          <a:spcPct val="0"/>
+        </a:spcAft>
+        <a:buClr>
+          <a:schemeClr val="accent1"/>
+        </a:buClr>
+        <a:buFont typeface="Wingdings" pitchFamily="2" charset="2"/>
+        <a:buChar char="§"/>
+        <a:defRPr lang="sv-SE" dirty="0" smtClean="0">
+          <a:solidFill>
+            <a:schemeClr val="tx1"/>
+          </a:solidFill>
+          <a:latin typeface="+mn-lt"/>
+          <a:ea typeface="+mn-ea"/>
+          <a:cs typeface="+mn-cs"/>
+        </a:defRPr>
+      </a:lvl1pPr>
+      <a:lvl2pPr marL="541338" indent="-184150" algn="l" rtl="0" eaLnBrk="1" fontAlgn="base" hangingPunct="1">
+        <a:spcBef>
+          <a:spcPct val="40000"/>
+        </a:spcBef>
+        <a:spcAft>
+          <a:spcPct val="0"/>
+        </a:spcAft>
+        <a:buClr>
+          <a:schemeClr val="accent1"/>
+        </a:buClr>
+        <a:buFont typeface="Wingdings" pitchFamily="2" charset="2"/>
+        <a:buChar char="§"/>
+        <a:defRPr lang="sv-SE" sz="1600" dirty="0" smtClean="0">
+          <a:solidFill>
+            <a:schemeClr val="tx1"/>
+          </a:solidFill>
+          <a:latin typeface="+mn-lt"/>
+          <a:ea typeface="+mn-ea"/>
+          <a:cs typeface="+mn-cs"/>
+        </a:defRPr>
+      </a:lvl2pPr>
+      <a:lvl3pPr marL="896938" indent="-176213" algn="l" rtl="0" eaLnBrk="1" fontAlgn="base" hangingPunct="1">
+        <a:spcBef>
+          <a:spcPct val="40000"/>
+        </a:spcBef>
+        <a:spcAft>
+          <a:spcPct val="0"/>
+        </a:spcAft>
+        <a:buClr>
+          <a:schemeClr val="accent1"/>
+        </a:buClr>
+        <a:buFont typeface="Wingdings" pitchFamily="2" charset="2"/>
+        <a:buChar char="§"/>
+        <a:defRPr lang="sv-SE" sz="1600" dirty="0" smtClean="0">
+          <a:solidFill>
+            <a:schemeClr val="tx1"/>
+          </a:solidFill>
+          <a:latin typeface="+mn-lt"/>
+          <a:ea typeface="+mn-ea"/>
+          <a:cs typeface="+mn-cs"/>
+        </a:defRPr>
+      </a:lvl3pPr>
+      <a:lvl4pPr marL="1252538" indent="-176213" algn="l" rtl="0" eaLnBrk="1" fontAlgn="base" hangingPunct="1">
+        <a:spcBef>
+          <a:spcPct val="40000"/>
+        </a:spcBef>
+        <a:spcAft>
+          <a:spcPct val="0"/>
+        </a:spcAft>
+        <a:buClr>
+          <a:schemeClr val="accent1"/>
+        </a:buClr>
+        <a:buSzPct val="120000"/>
+        <a:buFont typeface="Wingdings" pitchFamily="2" charset="2"/>
+        <a:buChar char="§"/>
+        <a:defRPr lang="sv-SE" sz="1400" dirty="0" smtClean="0">
+          <a:solidFill>
+            <a:schemeClr val="tx1"/>
+          </a:solidFill>
+          <a:latin typeface="+mn-lt"/>
+          <a:ea typeface="+mn-ea"/>
+          <a:cs typeface="+mn-cs"/>
+        </a:defRPr>
+      </a:lvl4pPr>
+      <a:lvl5pPr marL="1616075" indent="-184150" algn="l" rtl="0" eaLnBrk="1" fontAlgn="base" hangingPunct="1">
+        <a:spcBef>
+          <a:spcPct val="40000"/>
+        </a:spcBef>
+        <a:spcAft>
+          <a:spcPct val="0"/>
+        </a:spcAft>
+        <a:buClr>
+          <a:schemeClr val="accent1"/>
+        </a:buClr>
+        <a:buFont typeface="Wingdings" pitchFamily="2" charset="2"/>
+        <a:buChar char="§"/>
+        <a:defRPr lang="en-GB" sz="1400" dirty="0" smtClean="0">
+          <a:solidFill>
+            <a:schemeClr val="tx1"/>
+          </a:solidFill>
+          <a:latin typeface="+mn-lt"/>
+          <a:ea typeface="+mn-ea"/>
+          <a:cs typeface="+mn-cs"/>
+        </a:defRPr>
+      </a:lvl5pPr>
+      <a:lvl6pPr marL="2073275" indent="-184150" algn="l" rtl="0" eaLnBrk="1" fontAlgn="base" hangingPunct="1">
+        <a:spcBef>
+          <a:spcPct val="40000"/>
+        </a:spcBef>
+        <a:spcAft>
+          <a:spcPct val="0"/>
+        </a:spcAft>
+        <a:buClr>
+          <a:schemeClr val="bg2"/>
+        </a:buClr>
+        <a:buFont typeface="Arial" charset="0"/>
+        <a:buChar char="–"/>
+        <a:defRPr sz="1400">
+          <a:solidFill>
+            <a:schemeClr val="tx1"/>
+          </a:solidFill>
+          <a:latin typeface="+mn-lt"/>
+        </a:defRPr>
+      </a:lvl6pPr>
+      <a:lvl7pPr marL="2530475" indent="-184150" algn="l" rtl="0" eaLnBrk="1" fontAlgn="base" hangingPunct="1">
+        <a:spcBef>
+          <a:spcPct val="40000"/>
+        </a:spcBef>
+        <a:spcAft>
+          <a:spcPct val="0"/>
+        </a:spcAft>
+        <a:buClr>
+          <a:schemeClr val="bg2"/>
+        </a:buClr>
+        <a:buFont typeface="Arial" charset="0"/>
+        <a:buChar char="–"/>
+        <a:defRPr sz="1400">
+          <a:solidFill>
+            <a:schemeClr val="tx1"/>
+          </a:solidFill>
+          <a:latin typeface="+mn-lt"/>
+        </a:defRPr>
+      </a:lvl7pPr>
+      <a:lvl8pPr marL="2987675" indent="-184150" algn="l" rtl="0" eaLnBrk="1" fontAlgn="base" hangingPunct="1">
+        <a:spcBef>
+          <a:spcPct val="40000"/>
+        </a:spcBef>
+        <a:spcAft>
+          <a:spcPct val="0"/>
+        </a:spcAft>
+        <a:buClr>
+          <a:schemeClr val="bg2"/>
+        </a:buClr>
+        <a:buFont typeface="Arial" charset="0"/>
+        <a:buChar char="–"/>
+        <a:defRPr sz="1400">
+          <a:solidFill>
+            <a:schemeClr val="tx1"/>
+          </a:solidFill>
+          <a:latin typeface="+mn-lt"/>
+        </a:defRPr>
+      </a:lvl8pPr>
+      <a:lvl9pPr marL="3444875" indent="-184150" algn="l" rtl="0" eaLnBrk="1" fontAlgn="base" hangingPunct="1">
+        <a:spcBef>
+          <a:spcPct val="40000"/>
+        </a:spcBef>
+        <a:spcAft>
+          <a:spcPct val="0"/>
+        </a:spcAft>
+        <a:buClr>
+          <a:schemeClr val="bg2"/>
+        </a:buClr>
+        <a:buFont typeface="Arial" charset="0"/>
+        <a:buChar char="–"/>
+        <a:defRPr sz="1400">
+          <a:solidFill>
+            <a:schemeClr val="tx1"/>
+          </a:solidFill>
+          <a:latin typeface="+mn-lt"/>
+        </a:defRPr>
+      </a:lvl9pPr>
+    </p:bodyStyle>
+    <p:otherStyle>
+      <a:defPPr>
+        <a:defRPr lang="sv-SE"/>
+      </a:defPPr>
+      <a:lvl1pPr marL="0" algn="l" defTabSz="914400" rtl="0" eaLnBrk="1" latinLnBrk="0" hangingPunct="1">
+        <a:defRPr sz="1800" kern="1200">
+          <a:solidFill>
+            <a:schemeClr val="tx1"/>
+          </a:solidFill>
+          <a:latin typeface="+mn-lt"/>
+          <a:ea typeface="+mn-ea"/>
+          <a:cs typeface="+mn-cs"/>
+        </a:defRPr>
+      </a:lvl1pPr>
+      <a:lvl2pPr marL="457200" algn="l" defTabSz="914400" rtl="0" eaLnBrk="1" latinLnBrk="0" hangingPunct="1">
+        <a:defRPr sz="1800" kern="1200">
+          <a:solidFill>
+            <a:schemeClr val="tx1"/>
+          </a:solidFill>
+          <a:latin typeface="+mn-lt"/>
+          <a:ea typeface="+mn-ea"/>
+          <a:cs typeface="+mn-cs"/>
+        </a:defRPr>
+      </a:lvl2pPr>
+      <a:lvl3pPr marL="914400" algn="l" defTabSz="914400" rtl="0" eaLnBrk="1" latinLnBrk="0" hangingPunct="1">
+        <a:defRPr sz="1800" kern="1200">
+          <a:solidFill>
+            <a:schemeClr val="tx1"/>
+          </a:solidFill>
+          <a:latin typeface="+mn-lt"/>
+          <a:ea typeface="+mn-ea"/>
+          <a:cs typeface="+mn-cs"/>
+        </a:defRPr>
+      </a:lvl3pPr>
+      <a:lvl4pPr marL="1371600" algn="l" defTabSz="914400" rtl="0" eaLnBrk="1" latinLnBrk="0" hangingPunct="1">
+        <a:defRPr sz="1800" kern="1200">
+          <a:solidFill>
+            <a:schemeClr val="tx1"/>
+          </a:solidFill>
+          <a:latin typeface="+mn-lt"/>
+          <a:ea typeface="+mn-ea"/>
+          <a:cs typeface="+mn-cs"/>
+        </a:defRPr>
+      </a:lvl4pPr>
+      <a:lvl5pPr marL="1828800" algn="l" defTabSz="914400" rtl="0" eaLnBrk="1" latinLnBrk="0" hangingPunct="1">
+        <a:defRPr sz="1800" kern="1200">
+          <a:solidFill>
+            <a:schemeClr val="tx1"/>
+          </a:solidFill>
+          <a:latin typeface="+mn-lt"/>
+          <a:ea typeface="+mn-ea"/>
+          <a:cs typeface="+mn-cs"/>
+        </a:defRPr>
+      </a:lvl5pPr>
+      <a:lvl6pPr marL="2286000" algn="l" defTabSz="914400" rtl="0" eaLnBrk="1" latinLnBrk="0" hangingPunct="1">
+        <a:defRPr sz="1800" kern="1200">
+          <a:solidFill>
+            <a:schemeClr val="tx1"/>
+          </a:solidFill>
+          <a:latin typeface="+mn-lt"/>
+          <a:ea typeface="+mn-ea"/>
+          <a:cs typeface="+mn-cs"/>
+        </a:defRPr>
+      </a:lvl6pPr>
+      <a:lvl7pPr marL="2743200" algn="l" defTabSz="914400" rtl="0" eaLnBrk="1" latinLnBrk="0" hangingPunct="1">
+        <a:defRPr sz="1800" kern="1200">
+          <a:solidFill>
+            <a:schemeClr val="tx1"/>
+          </a:solidFill>
+          <a:latin typeface="+mn-lt"/>
+          <a:ea typeface="+mn-ea"/>
+          <a:cs typeface="+mn-cs"/>
+        </a:defRPr>
+      </a:lvl7pPr>
+      <a:lvl8pPr marL="3200400" algn="l" defTabSz="914400" rtl="0" eaLnBrk="1" latinLnBrk="0" hangingPunct="1">
+        <a:defRPr sz="1800" kern="1200">
+          <a:solidFill>
+            <a:schemeClr val="tx1"/>
+          </a:solidFill>
+          <a:latin typeface="+mn-lt"/>
+          <a:ea typeface="+mn-ea"/>
+          <a:cs typeface="+mn-cs"/>
+        </a:defRPr>
+      </a:lvl8pPr>
+      <a:lvl9pPr marL="3657600" algn="l" defTabSz="914400" rtl="0" eaLnBrk="1" latinLnBrk="0" hangingPunct="1">
+        <a:defRPr sz="1800" kern="1200">
+          <a:solidFill>
+            <a:schemeClr val="tx1"/>
+          </a:solidFill>
+          <a:latin typeface="+mn-lt"/>
+          <a:ea typeface="+mn-ea"/>
+          <a:cs typeface="+mn-cs"/>
+        </a:defRPr>
+      </a:lvl9pPr>
+    </p:otherStyle>
+  </p:txStyles>
+</p:sldMaster>
+</file>
+
 <file path=ppt/slides/slide1.xml><?xml version="1.0" encoding="utf-8"?>
 <p:sld xmlns:a="http://schemas.openxmlformats.org/drawingml/2006/main" xmlns:r="http://schemas.openxmlformats.org/officeDocument/2006/relationships" xmlns:p="http://schemas.openxmlformats.org/presentationml/2006/main">
   <p:cSld>
@@ -12147,6 +15166,28 @@
       </p:grpSpPr>
       <p:sp>
         <p:nvSpPr>
+          <p:cNvPr id="4098" name="Underrubrik 6"/>
+          <p:cNvSpPr>
+            <a:spLocks noGrp="1"/>
+          </p:cNvSpPr>
+          <p:nvPr>
+            <p:ph type="subTitle" idx="1"/>
+          </p:nvPr>
+        </p:nvSpPr>
+        <p:spPr/>
+        <p:txBody>
+          <a:bodyPr/>
+          <a:lstStyle/>
+          <a:p>
+            <a:r>
+              <a:rPr lang="en-GB" dirty="0"/>
+              <a:t>Routing </a:t>
+            </a:r>
+          </a:p>
+        </p:txBody>
+      </p:sp>
+      <p:sp>
+        <p:nvSpPr>
           <p:cNvPr id="4099" name="Rubrik 5"/>
           <p:cNvSpPr>
             <a:spLocks noGrp="1"/>
@@ -12170,41 +15211,22 @@
       </p:sp>
       <p:sp>
         <p:nvSpPr>
-          <p:cNvPr id="4098" name="Underrubrik 6"/>
-          <p:cNvSpPr>
-            <a:spLocks noGrp="1"/>
-          </p:cNvSpPr>
-          <p:nvPr>
-            <p:ph type="subTitle" idx="1"/>
-          </p:nvPr>
-        </p:nvSpPr>
-        <p:spPr/>
-        <p:txBody>
-          <a:bodyPr/>
-          <a:lstStyle/>
-          <a:p>
-            <a:r>
-              <a:rPr lang="en-GB" dirty="0"/>
-              <a:t>Routing </a:t>
-            </a:r>
-          </a:p>
-        </p:txBody>
-      </p:sp>
-      <p:sp>
-        <p:nvSpPr>
           <p:cNvPr id="4101" name="Platshållare för datum 4"/>
           <p:cNvSpPr>
             <a:spLocks noGrp="1"/>
           </p:cNvSpPr>
           <p:nvPr>
-            <p:ph type="dt" sz="half" idx="10"/>
+            <p:ph type="dt" sz="half" idx="4294967295"/>
           </p:nvPr>
         </p:nvSpPr>
         <p:spPr>
           <a:xfrm>
-            <a:off x="790216" y="6350023"/>
-            <a:ext cx="1117487" cy="365125"/>
+            <a:off x="0" y="6350000"/>
+            <a:ext cx="1117600" cy="365125"/>
           </a:xfrm>
+          <a:prstGeom prst="rect">
+            <a:avLst/>
+          </a:prstGeom>
         </p:spPr>
         <p:txBody>
           <a:bodyPr/>
@@ -12225,10 +15247,18 @@
             <a:spLocks noGrp="1"/>
           </p:cNvSpPr>
           <p:nvPr>
-            <p:ph type="sldNum" sz="quarter" idx="12"/>
+            <p:ph type="sldNum" sz="quarter" idx="4294967295"/>
           </p:nvPr>
         </p:nvSpPr>
-        <p:spPr/>
+        <p:spPr>
+          <a:xfrm>
+            <a:off x="7086600" y="6356350"/>
+            <a:ext cx="2057400" cy="365125"/>
+          </a:xfrm>
+          <a:prstGeom prst="rect">
+            <a:avLst/>
+          </a:prstGeom>
+        </p:spPr>
         <p:txBody>
           <a:bodyPr/>
           <a:lstStyle/>
@@ -12467,7 +15497,7 @@
             <a:spLocks noGrp="1"/>
           </p:cNvSpPr>
           <p:nvPr>
-            <p:ph type="sldNum" sz="quarter" idx="12"/>
+            <p:ph type="sldNum" sz="quarter" idx="4"/>
           </p:nvPr>
         </p:nvSpPr>
         <p:spPr>
@@ -14758,22 +17788,15 @@
               <a:defRPr/>
             </a:pPr>
             <a:r>
-              <a:rPr lang="en-US" sz="1400">
+              <a:rPr lang="en-US" sz="1400" dirty="0">
                 <a:solidFill>
                   <a:schemeClr val="bg1">
                     <a:lumMod val="65000"/>
                   </a:schemeClr>
                 </a:solidFill>
               </a:rPr>
-              <a:t>Module 14: Windows Azure BizTalk Services</a:t>
-            </a:r>
-            <a:endParaRPr lang="en-US" sz="1400" dirty="0">
-              <a:solidFill>
-                <a:schemeClr val="bg1">
-                  <a:lumMod val="65000"/>
-                </a:schemeClr>
-              </a:solidFill>
-            </a:endParaRPr>
+              <a:t>Extra modules</a:t>
+            </a:r>
           </a:p>
         </p:txBody>
       </p:sp>
@@ -15152,7 +18175,7 @@
             <a:spLocks noGrp="1"/>
           </p:cNvSpPr>
           <p:nvPr>
-            <p:ph type="sldNum" sz="quarter" idx="12"/>
+            <p:ph type="sldNum" sz="quarter" idx="4"/>
           </p:nvPr>
         </p:nvSpPr>
         <p:spPr>
@@ -15237,7 +18260,7 @@
             <a:spLocks noGrp="1"/>
           </p:cNvSpPr>
           <p:nvPr>
-            <p:ph type="sldNum" sz="quarter" idx="12"/>
+            <p:ph type="sldNum" sz="quarter" idx="4294967295"/>
           </p:nvPr>
         </p:nvSpPr>
         <p:spPr>
@@ -21207,6 +24230,407 @@
 </file>
 
 <file path=ppt/theme/theme2.xml><?xml version="1.0" encoding="utf-8"?>
+<a:theme xmlns:a="http://schemas.openxmlformats.org/drawingml/2006/main" name="Anpassad Addskills Theme">
+  <a:themeElements>
+    <a:clrScheme name="© 2008 Logica Slide Master 1">
+      <a:dk1>
+        <a:srgbClr val="000000"/>
+      </a:dk1>
+      <a:lt1>
+        <a:srgbClr val="FFFFFF"/>
+      </a:lt1>
+      <a:dk2>
+        <a:srgbClr val="DDDDDD"/>
+      </a:dk2>
+      <a:lt2>
+        <a:srgbClr val="5F5F5F"/>
+      </a:lt2>
+      <a:accent1>
+        <a:srgbClr val="FFCC00"/>
+      </a:accent1>
+      <a:accent2>
+        <a:srgbClr val="8D979B"/>
+      </a:accent2>
+      <a:accent3>
+        <a:srgbClr val="FFFFFF"/>
+      </a:accent3>
+      <a:accent4>
+        <a:srgbClr val="000000"/>
+      </a:accent4>
+      <a:accent5>
+        <a:srgbClr val="FFE2AA"/>
+      </a:accent5>
+      <a:accent6>
+        <a:srgbClr val="7F888C"/>
+      </a:accent6>
+      <a:hlink>
+        <a:srgbClr val="A5AA78"/>
+      </a:hlink>
+      <a:folHlink>
+        <a:srgbClr val="CE6700"/>
+      </a:folHlink>
+    </a:clrScheme>
+    <a:fontScheme name="© 2008 Logica Slide Master">
+      <a:majorFont>
+        <a:latin typeface="Arial"/>
+        <a:ea typeface=""/>
+        <a:cs typeface=""/>
+      </a:majorFont>
+      <a:minorFont>
+        <a:latin typeface="Arial"/>
+        <a:ea typeface=""/>
+        <a:cs typeface=""/>
+      </a:minorFont>
+    </a:fontScheme>
+    <a:fmtScheme name="Office">
+      <a:fillStyleLst>
+        <a:solidFill>
+          <a:schemeClr val="phClr"/>
+        </a:solidFill>
+        <a:gradFill rotWithShape="1">
+          <a:gsLst>
+            <a:gs pos="0">
+              <a:schemeClr val="phClr">
+                <a:tint val="50000"/>
+                <a:satMod val="300000"/>
+              </a:schemeClr>
+            </a:gs>
+            <a:gs pos="35000">
+              <a:schemeClr val="phClr">
+                <a:tint val="37000"/>
+                <a:satMod val="300000"/>
+              </a:schemeClr>
+            </a:gs>
+            <a:gs pos="100000">
+              <a:schemeClr val="phClr">
+                <a:tint val="15000"/>
+                <a:satMod val="350000"/>
+              </a:schemeClr>
+            </a:gs>
+          </a:gsLst>
+          <a:lin ang="16200000" scaled="1"/>
+        </a:gradFill>
+        <a:gradFill rotWithShape="1">
+          <a:gsLst>
+            <a:gs pos="0">
+              <a:schemeClr val="phClr">
+                <a:shade val="51000"/>
+                <a:satMod val="130000"/>
+              </a:schemeClr>
+            </a:gs>
+            <a:gs pos="80000">
+              <a:schemeClr val="phClr">
+                <a:shade val="93000"/>
+                <a:satMod val="130000"/>
+              </a:schemeClr>
+            </a:gs>
+            <a:gs pos="100000">
+              <a:schemeClr val="phClr">
+                <a:shade val="94000"/>
+                <a:satMod val="135000"/>
+              </a:schemeClr>
+            </a:gs>
+          </a:gsLst>
+          <a:lin ang="16200000" scaled="0"/>
+        </a:gradFill>
+      </a:fillStyleLst>
+      <a:lnStyleLst>
+        <a:ln w="9525" cap="flat" cmpd="sng" algn="ctr">
+          <a:solidFill>
+            <a:schemeClr val="phClr">
+              <a:shade val="95000"/>
+              <a:satMod val="105000"/>
+            </a:schemeClr>
+          </a:solidFill>
+          <a:prstDash val="solid"/>
+        </a:ln>
+        <a:ln w="25400" cap="flat" cmpd="sng" algn="ctr">
+          <a:solidFill>
+            <a:schemeClr val="phClr"/>
+          </a:solidFill>
+          <a:prstDash val="solid"/>
+        </a:ln>
+        <a:ln w="38100" cap="flat" cmpd="sng" algn="ctr">
+          <a:solidFill>
+            <a:schemeClr val="phClr"/>
+          </a:solidFill>
+          <a:prstDash val="solid"/>
+        </a:ln>
+      </a:lnStyleLst>
+      <a:effectStyleLst>
+        <a:effectStyle>
+          <a:effectLst>
+            <a:outerShdw blurRad="40000" dist="20000" dir="5400000" rotWithShape="0">
+              <a:srgbClr val="000000">
+                <a:alpha val="38000"/>
+              </a:srgbClr>
+            </a:outerShdw>
+          </a:effectLst>
+        </a:effectStyle>
+        <a:effectStyle>
+          <a:effectLst>
+            <a:outerShdw blurRad="40000" dist="23000" dir="5400000" rotWithShape="0">
+              <a:srgbClr val="000000">
+                <a:alpha val="35000"/>
+              </a:srgbClr>
+            </a:outerShdw>
+          </a:effectLst>
+        </a:effectStyle>
+        <a:effectStyle>
+          <a:effectLst>
+            <a:outerShdw blurRad="40000" dist="23000" dir="5400000" rotWithShape="0">
+              <a:srgbClr val="000000">
+                <a:alpha val="35000"/>
+              </a:srgbClr>
+            </a:outerShdw>
+          </a:effectLst>
+          <a:scene3d>
+            <a:camera prst="orthographicFront">
+              <a:rot lat="0" lon="0" rev="0"/>
+            </a:camera>
+            <a:lightRig rig="threePt" dir="t">
+              <a:rot lat="0" lon="0" rev="1200000"/>
+            </a:lightRig>
+          </a:scene3d>
+          <a:sp3d>
+            <a:bevelT w="63500" h="25400"/>
+          </a:sp3d>
+        </a:effectStyle>
+      </a:effectStyleLst>
+      <a:bgFillStyleLst>
+        <a:solidFill>
+          <a:schemeClr val="phClr"/>
+        </a:solidFill>
+        <a:gradFill rotWithShape="1">
+          <a:gsLst>
+            <a:gs pos="0">
+              <a:schemeClr val="phClr">
+                <a:tint val="40000"/>
+                <a:satMod val="350000"/>
+              </a:schemeClr>
+            </a:gs>
+            <a:gs pos="40000">
+              <a:schemeClr val="phClr">
+                <a:tint val="45000"/>
+                <a:shade val="99000"/>
+                <a:satMod val="350000"/>
+              </a:schemeClr>
+            </a:gs>
+            <a:gs pos="100000">
+              <a:schemeClr val="phClr">
+                <a:shade val="20000"/>
+                <a:satMod val="255000"/>
+              </a:schemeClr>
+            </a:gs>
+          </a:gsLst>
+          <a:path path="circle">
+            <a:fillToRect l="50000" t="-80000" r="50000" b="180000"/>
+          </a:path>
+        </a:gradFill>
+        <a:gradFill rotWithShape="1">
+          <a:gsLst>
+            <a:gs pos="0">
+              <a:schemeClr val="phClr">
+                <a:tint val="80000"/>
+                <a:satMod val="300000"/>
+              </a:schemeClr>
+            </a:gs>
+            <a:gs pos="100000">
+              <a:schemeClr val="phClr">
+                <a:shade val="30000"/>
+                <a:satMod val="200000"/>
+              </a:schemeClr>
+            </a:gs>
+          </a:gsLst>
+          <a:path path="circle">
+            <a:fillToRect l="50000" t="50000" r="50000" b="50000"/>
+          </a:path>
+        </a:gradFill>
+      </a:bgFillStyleLst>
+    </a:fmtScheme>
+  </a:themeElements>
+  <a:objectDefaults>
+    <a:spDef>
+      <a:spPr bwMode="auto">
+        <a:xfrm>
+          <a:off x="0" y="0"/>
+          <a:ext cx="1" cy="1"/>
+        </a:xfrm>
+        <a:custGeom>
+          <a:avLst/>
+          <a:gdLst/>
+          <a:ahLst/>
+          <a:cxnLst/>
+          <a:rect l="0" t="0" r="0" b="0"/>
+          <a:pathLst/>
+        </a:custGeom>
+        <a:solidFill>
+          <a:schemeClr val="bg1"/>
+        </a:solidFill>
+        <a:ln w="9525" cap="flat" cmpd="sng" algn="ctr">
+          <a:solidFill>
+            <a:schemeClr val="tx1"/>
+          </a:solidFill>
+          <a:prstDash val="solid"/>
+          <a:round/>
+          <a:headEnd type="none" w="med" len="med"/>
+          <a:tailEnd type="none" w="med" len="med"/>
+        </a:ln>
+        <a:effectLst/>
+      </a:spPr>
+      <a:bodyPr vert="horz" wrap="none" lIns="0" tIns="0" rIns="0" bIns="0" numCol="1" anchor="ctr" anchorCtr="0" compatLnSpc="1">
+        <a:prstTxWarp prst="textNoShape">
+          <a:avLst/>
+        </a:prstTxWarp>
+      </a:bodyPr>
+      <a:lstStyle>
+        <a:defPPr marL="0" marR="0" indent="0" algn="ctr" defTabSz="914400" rtl="0" eaLnBrk="1" fontAlgn="base" latinLnBrk="0" hangingPunct="1">
+          <a:lnSpc>
+            <a:spcPct val="100000"/>
+          </a:lnSpc>
+          <a:spcBef>
+            <a:spcPct val="0"/>
+          </a:spcBef>
+          <a:spcAft>
+            <a:spcPct val="0"/>
+          </a:spcAft>
+          <a:buClr>
+            <a:schemeClr val="bg2"/>
+          </a:buClr>
+          <a:buSzTx/>
+          <a:buFontTx/>
+          <a:buNone/>
+          <a:tabLst/>
+          <a:defRPr kumimoji="0" lang="de-DE" sz="1600" b="0" i="0" u="none" strike="noStrike" cap="none" normalizeH="0" baseline="0" smtClean="0">
+            <a:ln>
+              <a:noFill/>
+            </a:ln>
+            <a:solidFill>
+              <a:schemeClr val="tx1"/>
+            </a:solidFill>
+            <a:effectLst/>
+            <a:latin typeface="Arial" charset="0"/>
+          </a:defRPr>
+        </a:defPPr>
+      </a:lstStyle>
+    </a:spDef>
+    <a:lnDef>
+      <a:spPr bwMode="auto">
+        <a:xfrm>
+          <a:off x="0" y="0"/>
+          <a:ext cx="1" cy="1"/>
+        </a:xfrm>
+        <a:custGeom>
+          <a:avLst/>
+          <a:gdLst/>
+          <a:ahLst/>
+          <a:cxnLst/>
+          <a:rect l="0" t="0" r="0" b="0"/>
+          <a:pathLst/>
+        </a:custGeom>
+        <a:solidFill>
+          <a:schemeClr val="bg1"/>
+        </a:solidFill>
+        <a:ln w="9525" cap="flat" cmpd="sng" algn="ctr">
+          <a:solidFill>
+            <a:schemeClr val="tx1"/>
+          </a:solidFill>
+          <a:prstDash val="solid"/>
+          <a:round/>
+          <a:headEnd type="none" w="med" len="med"/>
+          <a:tailEnd type="none" w="med" len="med"/>
+        </a:ln>
+        <a:effectLst/>
+      </a:spPr>
+      <a:bodyPr vert="horz" wrap="none" lIns="0" tIns="0" rIns="0" bIns="0" numCol="1" anchor="ctr" anchorCtr="0" compatLnSpc="1">
+        <a:prstTxWarp prst="textNoShape">
+          <a:avLst/>
+        </a:prstTxWarp>
+      </a:bodyPr>
+      <a:lstStyle>
+        <a:defPPr marL="0" marR="0" indent="0" algn="ctr" defTabSz="914400" rtl="0" eaLnBrk="1" fontAlgn="base" latinLnBrk="0" hangingPunct="1">
+          <a:lnSpc>
+            <a:spcPct val="100000"/>
+          </a:lnSpc>
+          <a:spcBef>
+            <a:spcPct val="0"/>
+          </a:spcBef>
+          <a:spcAft>
+            <a:spcPct val="0"/>
+          </a:spcAft>
+          <a:buClr>
+            <a:schemeClr val="bg2"/>
+          </a:buClr>
+          <a:buSzTx/>
+          <a:buFontTx/>
+          <a:buNone/>
+          <a:tabLst/>
+          <a:defRPr kumimoji="0" lang="de-DE" sz="1600" b="0" i="0" u="none" strike="noStrike" cap="none" normalizeH="0" baseline="0" smtClean="0">
+            <a:ln>
+              <a:noFill/>
+            </a:ln>
+            <a:solidFill>
+              <a:schemeClr val="tx1"/>
+            </a:solidFill>
+            <a:effectLst/>
+            <a:latin typeface="Arial" charset="0"/>
+          </a:defRPr>
+        </a:defPPr>
+      </a:lstStyle>
+    </a:lnDef>
+  </a:objectDefaults>
+  <a:extraClrSchemeLst>
+    <a:extraClrScheme>
+      <a:clrScheme name="© 2008 Logica Slide Master 1">
+        <a:dk1>
+          <a:srgbClr val="000000"/>
+        </a:dk1>
+        <a:lt1>
+          <a:srgbClr val="FFFFFF"/>
+        </a:lt1>
+        <a:dk2>
+          <a:srgbClr val="DDDDDD"/>
+        </a:dk2>
+        <a:lt2>
+          <a:srgbClr val="5F5F5F"/>
+        </a:lt2>
+        <a:accent1>
+          <a:srgbClr val="FFCC00"/>
+        </a:accent1>
+        <a:accent2>
+          <a:srgbClr val="8D979B"/>
+        </a:accent2>
+        <a:accent3>
+          <a:srgbClr val="FFFFFF"/>
+        </a:accent3>
+        <a:accent4>
+          <a:srgbClr val="000000"/>
+        </a:accent4>
+        <a:accent5>
+          <a:srgbClr val="FFE2AA"/>
+        </a:accent5>
+        <a:accent6>
+          <a:srgbClr val="7F888C"/>
+        </a:accent6>
+        <a:hlink>
+          <a:srgbClr val="A5AA78"/>
+        </a:hlink>
+        <a:folHlink>
+          <a:srgbClr val="CE6700"/>
+        </a:folHlink>
+      </a:clrScheme>
+      <a:clrMap bg1="lt1" tx1="dk1" bg2="lt2" tx2="dk2" accent1="accent1" accent2="accent2" accent3="accent3" accent4="accent4" accent5="accent5" accent6="accent6" hlink="hlink" folHlink="folHlink"/>
+    </a:extraClrScheme>
+  </a:extraClrSchemeLst>
+  <a:extLst>
+    <a:ext uri="{05A4C25C-085E-4340-85A3-A5531E510DB2}">
+      <thm15:themeFamily xmlns:thm15="http://schemas.microsoft.com/office/thememl/2012/main" name="Default.potx" id="{50080178-9A08-4EFD-9B63-B252A6E24CE2}" vid="{E87812AB-6A0B-4E42-B8B8-4F8BBA431F6F}"/>
+    </a:ext>
+  </a:extLst>
+</a:theme>
+</file>
+
+<file path=ppt/theme/theme3.xml><?xml version="1.0" encoding="utf-8"?>
 <a:theme xmlns:a="http://schemas.openxmlformats.org/drawingml/2006/main" name="Office Theme">
   <a:themeElements>
     <a:clrScheme name="">
@@ -21489,7 +24913,7 @@
 </a:theme>
 </file>
 
-<file path=ppt/theme/theme3.xml><?xml version="1.0" encoding="utf-8"?>
+<file path=ppt/theme/theme4.xml><?xml version="1.0" encoding="utf-8"?>
 <a:theme xmlns:a="http://schemas.openxmlformats.org/drawingml/2006/main" name="Office Theme">
   <a:themeElements>
     <a:clrScheme name="">
